--- a/paas/documents/PaaS-BPM.pptx
+++ b/paas/documents/PaaS-BPM.pptx
@@ -513,7 +513,17 @@
           <a:bodyPr/>
           <a:lstStyle/>
           <a:p>
-            <a:endParaRPr lang="zh-CN" altLang="en-US" dirty="0"/>
+            <a:r>
+              <a:rPr lang="zh-CN" altLang="en-US" dirty="0"/>
+              <a:t>工作流调业务系统：优点，界面集中；缺点：不能够展示业务相关的信息；仅适合审批流，业务流无法达到效果。</a:t>
+            </a:r>
+            <a:endParaRPr lang="en-US" altLang="zh-CN" dirty="0"/>
+          </a:p>
+          <a:p>
+            <a:r>
+              <a:rPr lang="zh-CN" altLang="en-US" dirty="0"/>
+              <a:t>业务系统调工作流：优点，与业务紧密结合，展示信息丰富；界面较分散，集中展示和操作较困难；适合业务流，审批流开发成本较工作流调业务系统高。</a:t>
+            </a:r>
           </a:p>
         </p:txBody>
       </p:sp>
@@ -534,7 +544,7 @@
           <a:p>
             <a:fld id="{81299451-22E1-4AD9-A2BB-6039E55936FC}" type="slidenum">
               <a:rPr lang="zh-CN" altLang="en-US" smtClean="0"/>
-              <a:t>2</a:t>
+              <a:t>1</a:t>
             </a:fld>
             <a:endParaRPr lang="zh-CN" altLang="en-US"/>
           </a:p>
@@ -543,7 +553,7 @@
     </p:spTree>
     <p:extLst>
       <p:ext uri="{BB962C8B-B14F-4D97-AF65-F5344CB8AC3E}">
-        <p14:creationId xmlns:p14="http://schemas.microsoft.com/office/powerpoint/2010/main" val="3372607769"/>
+        <p14:creationId xmlns:p14="http://schemas.microsoft.com/office/powerpoint/2010/main" val="2758491631"/>
       </p:ext>
     </p:extLst>
   </p:cSld>
@@ -597,6 +607,90 @@
           <a:bodyPr/>
           <a:lstStyle/>
           <a:p>
+            <a:endParaRPr lang="zh-CN" altLang="en-US" dirty="0"/>
+          </a:p>
+        </p:txBody>
+      </p:sp>
+      <p:sp>
+        <p:nvSpPr>
+          <p:cNvPr id="4" name="灯片编号占位符 3"/>
+          <p:cNvSpPr>
+            <a:spLocks noGrp="1"/>
+          </p:cNvSpPr>
+          <p:nvPr>
+            <p:ph type="sldNum" sz="quarter" idx="10"/>
+          </p:nvPr>
+        </p:nvSpPr>
+        <p:spPr/>
+        <p:txBody>
+          <a:bodyPr/>
+          <a:lstStyle/>
+          <a:p>
+            <a:fld id="{81299451-22E1-4AD9-A2BB-6039E55936FC}" type="slidenum">
+              <a:rPr lang="zh-CN" altLang="en-US" smtClean="0"/>
+              <a:t>2</a:t>
+            </a:fld>
+            <a:endParaRPr lang="zh-CN" altLang="en-US"/>
+          </a:p>
+        </p:txBody>
+      </p:sp>
+    </p:spTree>
+    <p:extLst>
+      <p:ext uri="{BB962C8B-B14F-4D97-AF65-F5344CB8AC3E}">
+        <p14:creationId xmlns:p14="http://schemas.microsoft.com/office/powerpoint/2010/main" val="3372607769"/>
+      </p:ext>
+    </p:extLst>
+  </p:cSld>
+  <p:clrMapOvr>
+    <a:masterClrMapping/>
+  </p:clrMapOvr>
+</p:notes>
+</file>
+
+<file path=ppt/notesSlides/notesSlide3.xml><?xml version="1.0" encoding="utf-8"?>
+<p:notes xmlns:a="http://schemas.openxmlformats.org/drawingml/2006/main" xmlns:r="http://schemas.openxmlformats.org/officeDocument/2006/relationships" xmlns:p="http://schemas.openxmlformats.org/presentationml/2006/main">
+  <p:cSld>
+    <p:spTree>
+      <p:nvGrpSpPr>
+        <p:cNvPr id="1" name=""/>
+        <p:cNvGrpSpPr/>
+        <p:nvPr/>
+      </p:nvGrpSpPr>
+      <p:grpSpPr>
+        <a:xfrm>
+          <a:off x="0" y="0"/>
+          <a:ext cx="0" cy="0"/>
+          <a:chOff x="0" y="0"/>
+          <a:chExt cx="0" cy="0"/>
+        </a:xfrm>
+      </p:grpSpPr>
+      <p:sp>
+        <p:nvSpPr>
+          <p:cNvPr id="2" name="幻灯片图像占位符 1"/>
+          <p:cNvSpPr>
+            <a:spLocks noGrp="1" noRot="1" noChangeAspect="1"/>
+          </p:cNvSpPr>
+          <p:nvPr>
+            <p:ph type="sldImg"/>
+          </p:nvPr>
+        </p:nvSpPr>
+        <p:spPr/>
+      </p:sp>
+      <p:sp>
+        <p:nvSpPr>
+          <p:cNvPr id="3" name="备注占位符 2"/>
+          <p:cNvSpPr>
+            <a:spLocks noGrp="1"/>
+          </p:cNvSpPr>
+          <p:nvPr>
+            <p:ph type="body" idx="1"/>
+          </p:nvPr>
+        </p:nvSpPr>
+        <p:spPr/>
+        <p:txBody>
+          <a:bodyPr/>
+          <a:lstStyle/>
+          <a:p>
             <a:r>
               <a:rPr lang="zh-CN" altLang="en-US" dirty="0"/>
               <a:t>通过以上结构，保证系统负载能力和最终一致性</a:t>
@@ -680,7 +774,7 @@
 </p:notes>
 </file>
 
-<file path=ppt/notesSlides/notesSlide3.xml><?xml version="1.0" encoding="utf-8"?>
+<file path=ppt/notesSlides/notesSlide4.xml><?xml version="1.0" encoding="utf-8"?>
 <p:notes xmlns:a="http://schemas.openxmlformats.org/drawingml/2006/main" xmlns:r="http://schemas.openxmlformats.org/officeDocument/2006/relationships" xmlns:p="http://schemas.openxmlformats.org/presentationml/2006/main">
   <p:cSld>
     <p:spTree>
@@ -4038,7 +4132,7 @@
           <a:p>
             <a:r>
               <a:rPr lang="en-US" altLang="zh-CN" b="1" dirty="0"/>
-              <a:t>BPM</a:t>
+              <a:t>PAAS-BPM</a:t>
             </a:r>
             <a:r>
               <a:rPr lang="zh-CN" altLang="en-US" b="1" dirty="0"/>
@@ -4061,7 +4155,7 @@
         </p:nvSpPr>
         <p:spPr>
           <a:xfrm>
-            <a:off x="670677" y="6126465"/>
+            <a:off x="670677" y="6114273"/>
             <a:ext cx="1650776" cy="369332"/>
           </a:xfrm>
           <a:prstGeom prst="rect">
@@ -4110,7 +4204,7 @@
         </p:nvSpPr>
         <p:spPr>
           <a:xfrm>
-            <a:off x="711018" y="4425686"/>
+            <a:off x="711018" y="5023094"/>
             <a:ext cx="1570094" cy="369332"/>
           </a:xfrm>
           <a:prstGeom prst="rect">
@@ -4159,7 +4253,7 @@
         </p:nvSpPr>
         <p:spPr>
           <a:xfrm>
-            <a:off x="711018" y="1857805"/>
+            <a:off x="711018" y="2455213"/>
             <a:ext cx="1559773" cy="369332"/>
           </a:xfrm>
           <a:prstGeom prst="rect">
@@ -4208,7 +4302,7 @@
         </p:nvCxnSpPr>
         <p:spPr>
           <a:xfrm flipV="1">
-            <a:off x="581665" y="3531615"/>
+            <a:off x="581665" y="4129023"/>
             <a:ext cx="1828800" cy="1"/>
           </a:xfrm>
           <a:prstGeom prst="line">
@@ -4252,7 +4346,7 @@
         </p:nvSpPr>
         <p:spPr>
           <a:xfrm>
-            <a:off x="2542345" y="5928780"/>
+            <a:off x="2542345" y="5916588"/>
             <a:ext cx="9071642" cy="720000"/>
           </a:xfrm>
           <a:custGeom>
@@ -4386,7 +4480,7 @@
         </p:nvCxnSpPr>
         <p:spPr>
           <a:xfrm flipV="1">
-            <a:off x="581665" y="5787220"/>
+            <a:off x="581665" y="5775028"/>
             <a:ext cx="1828800" cy="1"/>
           </a:xfrm>
           <a:prstGeom prst="line">
@@ -4430,8 +4524,8 @@
         </p:nvSpPr>
         <p:spPr>
           <a:xfrm>
-            <a:off x="10353989" y="2846290"/>
-            <a:ext cx="1260000" cy="2883621"/>
+            <a:off x="10353989" y="3443699"/>
+            <a:ext cx="1260000" cy="1353495"/>
           </a:xfrm>
           <a:prstGeom prst="rect">
             <a:avLst/>
@@ -4519,8 +4613,8 @@
         </p:nvSpPr>
         <p:spPr>
           <a:xfrm>
-            <a:off x="2542345" y="1349398"/>
-            <a:ext cx="2880000" cy="1227010"/>
+            <a:off x="2542345" y="1946806"/>
+            <a:ext cx="1895543" cy="1227010"/>
           </a:xfrm>
           <a:prstGeom prst="rect">
             <a:avLst/>
@@ -4565,7 +4659,7 @@
                 <a:latin typeface="微软雅黑" panose="020B0503020204020204" pitchFamily="34" charset="-122"/>
                 <a:ea typeface="微软雅黑" panose="020B0503020204020204" pitchFamily="34" charset="-122"/>
               </a:rPr>
-              <a:t>接口</a:t>
+              <a:t>交互</a:t>
             </a:r>
             <a:endParaRPr lang="en-US" sz="2000" b="1" dirty="0">
               <a:latin typeface="微软雅黑" panose="020B0503020204020204" pitchFamily="34" charset="-122"/>
@@ -4588,8 +4682,8 @@
         </p:nvSpPr>
         <p:spPr>
           <a:xfrm>
-            <a:off x="5638166" y="1349399"/>
-            <a:ext cx="2880000" cy="540000"/>
+            <a:off x="6699191" y="1932703"/>
+            <a:ext cx="4923336" cy="540000"/>
           </a:xfrm>
           <a:prstGeom prst="rect">
             <a:avLst/>
@@ -4634,7 +4728,7 @@
                 <a:latin typeface="微软雅黑" panose="020B0503020204020204" pitchFamily="34" charset="-122"/>
                 <a:ea typeface="微软雅黑" panose="020B0503020204020204" pitchFamily="34" charset="-122"/>
               </a:rPr>
-              <a:t>接口</a:t>
+              <a:t>交互</a:t>
             </a:r>
             <a:endParaRPr lang="en-US" sz="2000" b="1" dirty="0">
               <a:latin typeface="微软雅黑" panose="020B0503020204020204" pitchFamily="34" charset="-122"/>
@@ -4657,8 +4751,8 @@
         </p:nvSpPr>
         <p:spPr>
           <a:xfrm>
-            <a:off x="8733987" y="1349399"/>
-            <a:ext cx="2880000" cy="540000"/>
+            <a:off x="4620768" y="1939597"/>
+            <a:ext cx="1895543" cy="540000"/>
           </a:xfrm>
           <a:prstGeom prst="rect">
             <a:avLst/>
@@ -4703,7 +4797,7 @@
                 <a:latin typeface="微软雅黑" panose="020B0503020204020204" pitchFamily="34" charset="-122"/>
                 <a:ea typeface="微软雅黑" panose="020B0503020204020204" pitchFamily="34" charset="-122"/>
               </a:rPr>
-              <a:t>接口</a:t>
+              <a:t>交互</a:t>
             </a:r>
             <a:endParaRPr lang="en-US" sz="2000" b="1" dirty="0">
               <a:latin typeface="微软雅黑" panose="020B0503020204020204" pitchFamily="34" charset="-122"/>
@@ -4726,7 +4820,7 @@
         </p:nvSpPr>
         <p:spPr>
           <a:xfrm>
-            <a:off x="7113990" y="5928780"/>
+            <a:off x="7113990" y="5916588"/>
             <a:ext cx="4500000" cy="360000"/>
           </a:xfrm>
           <a:prstGeom prst="rect">
@@ -4776,10 +4870,10 @@
       </p:sp>
       <p:sp>
         <p:nvSpPr>
-          <p:cNvPr id="17" name="Rectangle 73">
-            <a:extLst>
-              <a:ext uri="{FF2B5EF4-FFF2-40B4-BE49-F238E27FC236}">
-                <a16:creationId xmlns:a16="http://schemas.microsoft.com/office/drawing/2014/main" id="{29A642E9-51E5-4CB1-80DD-FA7C88B99F6D}"/>
+          <p:cNvPr id="18" name="Rectangle 77">
+            <a:extLst>
+              <a:ext uri="{FF2B5EF4-FFF2-40B4-BE49-F238E27FC236}">
+                <a16:creationId xmlns:a16="http://schemas.microsoft.com/office/drawing/2014/main" id="{494670BD-11C6-47D1-B8DD-D67A602E8892}"/>
               </a:ext>
             </a:extLst>
           </p:cNvPr>
@@ -4788,8 +4882,8 @@
         </p:nvSpPr>
         <p:spPr>
           <a:xfrm>
-            <a:off x="2542345" y="4469671"/>
-            <a:ext cx="7630354" cy="540000"/>
+            <a:off x="2542344" y="4257199"/>
+            <a:ext cx="3774700" cy="540000"/>
           </a:xfrm>
           <a:prstGeom prst="rect">
             <a:avLst/>
@@ -4823,18 +4917,11 @@
           <a:p>
             <a:pPr algn="ctr"/>
             <a:r>
-              <a:rPr lang="en-US" altLang="zh-CN" sz="2000" b="1" dirty="0">
-                <a:latin typeface="微软雅黑" panose="020B0503020204020204" pitchFamily="34" charset="-122"/>
-                <a:ea typeface="微软雅黑" panose="020B0503020204020204" pitchFamily="34" charset="-122"/>
-              </a:rPr>
-              <a:t>BPPU ( </a:t>
-            </a:r>
-            <a:r>
               <a:rPr lang="zh-CN" altLang="en-US" sz="2000" b="1" dirty="0">
                 <a:latin typeface="微软雅黑" panose="020B0503020204020204" pitchFamily="34" charset="-122"/>
                 <a:ea typeface="微软雅黑" panose="020B0503020204020204" pitchFamily="34" charset="-122"/>
               </a:rPr>
-              <a:t>工作流处理单元）</a:t>
+              <a:t>流程流转</a:t>
             </a:r>
             <a:endParaRPr lang="en-US" sz="2000" b="1" dirty="0">
               <a:latin typeface="微软雅黑" panose="020B0503020204020204" pitchFamily="34" charset="-122"/>
@@ -4845,10 +4932,10 @@
       </p:sp>
       <p:sp>
         <p:nvSpPr>
-          <p:cNvPr id="18" name="Rectangle 77">
-            <a:extLst>
-              <a:ext uri="{FF2B5EF4-FFF2-40B4-BE49-F238E27FC236}">
-                <a16:creationId xmlns:a16="http://schemas.microsoft.com/office/drawing/2014/main" id="{494670BD-11C6-47D1-B8DD-D67A602E8892}"/>
+          <p:cNvPr id="19" name="Rectangle 96">
+            <a:extLst>
+              <a:ext uri="{FF2B5EF4-FFF2-40B4-BE49-F238E27FC236}">
+                <a16:creationId xmlns:a16="http://schemas.microsoft.com/office/drawing/2014/main" id="{6C75163D-EE97-4143-9982-33131AD5FFD0}"/>
               </a:ext>
             </a:extLst>
           </p:cNvPr>
@@ -4857,14 +4944,14 @@
         </p:nvSpPr>
         <p:spPr>
           <a:xfrm>
-            <a:off x="2542344" y="3659791"/>
-            <a:ext cx="2880001" cy="540000"/>
+            <a:off x="2542346" y="3443697"/>
+            <a:ext cx="3774698" cy="543621"/>
           </a:xfrm>
           <a:prstGeom prst="rect">
             <a:avLst/>
           </a:prstGeom>
           <a:solidFill>
-            <a:srgbClr val="2ECC71"/>
+            <a:srgbClr val="1ABC9C"/>
           </a:solidFill>
           <a:ln>
             <a:noFill/>
@@ -4892,11 +4979,18 @@
           <a:p>
             <a:pPr algn="ctr"/>
             <a:r>
+              <a:rPr lang="en-US" altLang="zh-CN" sz="2000" b="1" dirty="0">
+                <a:latin typeface="微软雅黑" panose="020B0503020204020204" pitchFamily="34" charset="-122"/>
+                <a:ea typeface="微软雅黑" panose="020B0503020204020204" pitchFamily="34" charset="-122"/>
+              </a:rPr>
+              <a:t>MQ </a:t>
+            </a:r>
+            <a:r>
               <a:rPr lang="zh-CN" altLang="en-US" sz="2000" b="1" dirty="0">
                 <a:latin typeface="微软雅黑" panose="020B0503020204020204" pitchFamily="34" charset="-122"/>
                 <a:ea typeface="微软雅黑" panose="020B0503020204020204" pitchFamily="34" charset="-122"/>
               </a:rPr>
-              <a:t>流程流转调用</a:t>
+              <a:t>中间件</a:t>
             </a:r>
             <a:endParaRPr lang="en-US" sz="2000" b="1" dirty="0">
               <a:latin typeface="微软雅黑" panose="020B0503020204020204" pitchFamily="34" charset="-122"/>
@@ -4907,10 +5001,10 @@
       </p:sp>
       <p:sp>
         <p:nvSpPr>
-          <p:cNvPr id="19" name="Rectangle 96">
-            <a:extLst>
-              <a:ext uri="{FF2B5EF4-FFF2-40B4-BE49-F238E27FC236}">
-                <a16:creationId xmlns:a16="http://schemas.microsoft.com/office/drawing/2014/main" id="{6C75163D-EE97-4143-9982-33131AD5FFD0}"/>
+          <p:cNvPr id="22" name="Rectangle 156">
+            <a:extLst>
+              <a:ext uri="{FF2B5EF4-FFF2-40B4-BE49-F238E27FC236}">
+                <a16:creationId xmlns:a16="http://schemas.microsoft.com/office/drawing/2014/main" id="{CC5AE960-E29E-400B-9878-EBEFD94B66FF}"/>
               </a:ext>
             </a:extLst>
           </p:cNvPr>
@@ -4919,14 +5013,14 @@
         </p:nvSpPr>
         <p:spPr>
           <a:xfrm>
-            <a:off x="2542346" y="2846289"/>
-            <a:ext cx="2880000" cy="543621"/>
+            <a:off x="2542344" y="5055799"/>
+            <a:ext cx="8259768" cy="540000"/>
           </a:xfrm>
           <a:prstGeom prst="rect">
             <a:avLst/>
           </a:prstGeom>
           <a:solidFill>
-            <a:srgbClr val="1ABC9C"/>
+            <a:srgbClr val="2ECC71"/>
           </a:solidFill>
           <a:ln>
             <a:noFill/>
@@ -4954,18 +5048,11 @@
           <a:p>
             <a:pPr algn="ctr"/>
             <a:r>
-              <a:rPr lang="en-US" altLang="zh-CN" sz="2000" b="1" dirty="0">
-                <a:latin typeface="微软雅黑" panose="020B0503020204020204" pitchFamily="34" charset="-122"/>
-                <a:ea typeface="微软雅黑" panose="020B0503020204020204" pitchFamily="34" charset="-122"/>
-              </a:rPr>
-              <a:t>MQ </a:t>
-            </a:r>
-            <a:r>
               <a:rPr lang="zh-CN" altLang="en-US" sz="2000" b="1" dirty="0">
                 <a:latin typeface="微软雅黑" panose="020B0503020204020204" pitchFamily="34" charset="-122"/>
                 <a:ea typeface="微软雅黑" panose="020B0503020204020204" pitchFamily="34" charset="-122"/>
               </a:rPr>
-              <a:t>中间件</a:t>
+              <a:t>工作流引擎</a:t>
             </a:r>
             <a:endParaRPr lang="en-US" sz="2000" b="1" dirty="0">
               <a:latin typeface="微软雅黑" panose="020B0503020204020204" pitchFamily="34" charset="-122"/>
@@ -4976,10 +5063,10 @@
       </p:sp>
       <p:sp>
         <p:nvSpPr>
-          <p:cNvPr id="22" name="Rectangle 156">
-            <a:extLst>
-              <a:ext uri="{FF2B5EF4-FFF2-40B4-BE49-F238E27FC236}">
-                <a16:creationId xmlns:a16="http://schemas.microsoft.com/office/drawing/2014/main" id="{CC5AE960-E29E-400B-9878-EBEFD94B66FF}"/>
+          <p:cNvPr id="21" name="Rectangle 31">
+            <a:extLst>
+              <a:ext uri="{FF2B5EF4-FFF2-40B4-BE49-F238E27FC236}">
+                <a16:creationId xmlns:a16="http://schemas.microsoft.com/office/drawing/2014/main" id="{7B97BEF3-E82C-40CE-A113-6D77667FCD96}"/>
               </a:ext>
             </a:extLst>
           </p:cNvPr>
@@ -4988,14 +5075,14 @@
         </p:nvSpPr>
         <p:spPr>
           <a:xfrm>
-            <a:off x="2542344" y="5189911"/>
-            <a:ext cx="7630353" cy="540000"/>
+            <a:off x="4620768" y="2663819"/>
+            <a:ext cx="6993217" cy="540000"/>
           </a:xfrm>
           <a:prstGeom prst="rect">
             <a:avLst/>
           </a:prstGeom>
           <a:solidFill>
-            <a:srgbClr val="2ECC71"/>
+            <a:srgbClr val="FFC000"/>
           </a:solidFill>
           <a:ln>
             <a:noFill/>
@@ -5027,28 +5114,17 @@
                 <a:latin typeface="微软雅黑" panose="020B0503020204020204" pitchFamily="34" charset="-122"/>
                 <a:ea typeface="微软雅黑" panose="020B0503020204020204" pitchFamily="34" charset="-122"/>
               </a:rPr>
-              <a:t>Activiti </a:t>
-            </a:r>
-            <a:r>
-              <a:rPr lang="zh-CN" altLang="en-US" sz="2000" b="1" dirty="0">
-                <a:latin typeface="微软雅黑" panose="020B0503020204020204" pitchFamily="34" charset="-122"/>
-                <a:ea typeface="微软雅黑" panose="020B0503020204020204" pitchFamily="34" charset="-122"/>
-              </a:rPr>
-              <a:t>工作流引擎</a:t>
-            </a:r>
-            <a:endParaRPr lang="en-US" sz="2000" b="1" dirty="0">
-              <a:latin typeface="微软雅黑" panose="020B0503020204020204" pitchFamily="34" charset="-122"/>
-              <a:ea typeface="微软雅黑" panose="020B0503020204020204" pitchFamily="34" charset="-122"/>
-            </a:endParaRPr>
-          </a:p>
-        </p:txBody>
-      </p:sp>
-      <p:sp>
-        <p:nvSpPr>
-          <p:cNvPr id="21" name="Rectangle 31">
-            <a:extLst>
-              <a:ext uri="{FF2B5EF4-FFF2-40B4-BE49-F238E27FC236}">
-                <a16:creationId xmlns:a16="http://schemas.microsoft.com/office/drawing/2014/main" id="{7B97BEF3-E82C-40CE-A113-6D77667FCD96}"/>
+              <a:t>API-Gateway</a:t>
+            </a:r>
+          </a:p>
+        </p:txBody>
+      </p:sp>
+      <p:sp>
+        <p:nvSpPr>
+          <p:cNvPr id="65" name="Rectangle 96">
+            <a:extLst>
+              <a:ext uri="{FF2B5EF4-FFF2-40B4-BE49-F238E27FC236}">
+                <a16:creationId xmlns:a16="http://schemas.microsoft.com/office/drawing/2014/main" id="{2FAA10A7-6E27-4A98-91A6-B468545EF36E}"/>
               </a:ext>
             </a:extLst>
           </p:cNvPr>
@@ -5057,14 +5133,14 @@
         </p:nvSpPr>
         <p:spPr>
           <a:xfrm>
-            <a:off x="5638166" y="2066411"/>
-            <a:ext cx="5975819" cy="540000"/>
+            <a:off x="6498336" y="3443698"/>
+            <a:ext cx="3674361" cy="540000"/>
           </a:xfrm>
           <a:prstGeom prst="rect">
             <a:avLst/>
           </a:prstGeom>
           <a:solidFill>
-            <a:srgbClr val="FFC000"/>
+            <a:srgbClr val="1ABC9C"/>
           </a:solidFill>
           <a:ln>
             <a:noFill/>
@@ -5096,64 +5172,6 @@
                 <a:latin typeface="微软雅黑" panose="020B0503020204020204" pitchFamily="34" charset="-122"/>
                 <a:ea typeface="微软雅黑" panose="020B0503020204020204" pitchFamily="34" charset="-122"/>
               </a:rPr>
-              <a:t>API-Gateway</a:t>
-            </a:r>
-          </a:p>
-        </p:txBody>
-      </p:sp>
-      <p:sp>
-        <p:nvSpPr>
-          <p:cNvPr id="65" name="Rectangle 96">
-            <a:extLst>
-              <a:ext uri="{FF2B5EF4-FFF2-40B4-BE49-F238E27FC236}">
-                <a16:creationId xmlns:a16="http://schemas.microsoft.com/office/drawing/2014/main" id="{2FAA10A7-6E27-4A98-91A6-B468545EF36E}"/>
-              </a:ext>
-            </a:extLst>
-          </p:cNvPr>
-          <p:cNvSpPr/>
-          <p:nvPr/>
-        </p:nvSpPr>
-        <p:spPr>
-          <a:xfrm>
-            <a:off x="5673990" y="2846290"/>
-            <a:ext cx="4498707" cy="540000"/>
-          </a:xfrm>
-          <a:prstGeom prst="rect">
-            <a:avLst/>
-          </a:prstGeom>
-          <a:solidFill>
-            <a:srgbClr val="1ABC9C"/>
-          </a:solidFill>
-          <a:ln>
-            <a:noFill/>
-          </a:ln>
-        </p:spPr>
-        <p:style>
-          <a:lnRef idx="2">
-            <a:schemeClr val="accent1">
-              <a:shade val="50000"/>
-            </a:schemeClr>
-          </a:lnRef>
-          <a:fillRef idx="1">
-            <a:schemeClr val="accent1"/>
-          </a:fillRef>
-          <a:effectRef idx="0">
-            <a:schemeClr val="accent1"/>
-          </a:effectRef>
-          <a:fontRef idx="minor">
-            <a:schemeClr val="lt1"/>
-          </a:fontRef>
-        </p:style>
-        <p:txBody>
-          <a:bodyPr rtlCol="0" anchor="ctr"/>
-          <a:lstStyle/>
-          <a:p>
-            <a:pPr algn="ctr"/>
-            <a:r>
-              <a:rPr lang="en-US" altLang="zh-CN" sz="2000" b="1" dirty="0">
-                <a:latin typeface="微软雅黑" panose="020B0503020204020204" pitchFamily="34" charset="-122"/>
-                <a:ea typeface="微软雅黑" panose="020B0503020204020204" pitchFamily="34" charset="-122"/>
-              </a:rPr>
               <a:t>CACHE </a:t>
             </a:r>
             <a:r>
@@ -5184,7 +5202,7 @@
         </p:nvCxnSpPr>
         <p:spPr>
           <a:xfrm flipV="1">
-            <a:off x="622006" y="2756071"/>
+            <a:off x="622006" y="3353479"/>
             <a:ext cx="1828800" cy="1"/>
           </a:xfrm>
           <a:prstGeom prst="line">
@@ -5228,7 +5246,7 @@
         </p:nvSpPr>
         <p:spPr>
           <a:xfrm>
-            <a:off x="720608" y="2980906"/>
+            <a:off x="720608" y="3578314"/>
             <a:ext cx="1570094" cy="369332"/>
           </a:xfrm>
           <a:prstGeom prst="rect">
@@ -5277,8 +5295,8 @@
         </p:nvSpPr>
         <p:spPr>
           <a:xfrm>
-            <a:off x="5673990" y="3648090"/>
-            <a:ext cx="4498707" cy="540000"/>
+            <a:off x="6498336" y="4245498"/>
+            <a:ext cx="3674361" cy="540000"/>
           </a:xfrm>
           <a:prstGeom prst="rect">
             <a:avLst/>
@@ -5316,7 +5334,330 @@
                 <a:latin typeface="微软雅黑" panose="020B0503020204020204" pitchFamily="34" charset="-122"/>
                 <a:ea typeface="微软雅黑" panose="020B0503020204020204" pitchFamily="34" charset="-122"/>
               </a:rPr>
-              <a:t>流程信息查询</a:t>
+              <a:t>流程查询</a:t>
+            </a:r>
+            <a:endParaRPr lang="en-US" sz="2000" b="1" dirty="0">
+              <a:latin typeface="微软雅黑" panose="020B0503020204020204" pitchFamily="34" charset="-122"/>
+              <a:ea typeface="微软雅黑" panose="020B0503020204020204" pitchFamily="34" charset="-122"/>
+            </a:endParaRPr>
+          </a:p>
+        </p:txBody>
+      </p:sp>
+      <p:sp>
+        <p:nvSpPr>
+          <p:cNvPr id="25" name="Rectangle 129">
+            <a:extLst>
+              <a:ext uri="{FF2B5EF4-FFF2-40B4-BE49-F238E27FC236}">
+                <a16:creationId xmlns:a16="http://schemas.microsoft.com/office/drawing/2014/main" id="{B34B1046-5398-4017-8B95-2CB479826EA5}"/>
+              </a:ext>
+            </a:extLst>
+          </p:cNvPr>
+          <p:cNvSpPr/>
+          <p:nvPr/>
+        </p:nvSpPr>
+        <p:spPr>
+          <a:xfrm>
+            <a:off x="10983405" y="4715678"/>
+            <a:ext cx="639122" cy="880121"/>
+          </a:xfrm>
+          <a:prstGeom prst="rect">
+            <a:avLst/>
+          </a:prstGeom>
+          <a:solidFill>
+            <a:srgbClr val="27AE60"/>
+          </a:solidFill>
+          <a:ln>
+            <a:noFill/>
+          </a:ln>
+        </p:spPr>
+        <p:style>
+          <a:lnRef idx="2">
+            <a:schemeClr val="accent1">
+              <a:shade val="50000"/>
+            </a:schemeClr>
+          </a:lnRef>
+          <a:fillRef idx="1">
+            <a:schemeClr val="accent1"/>
+          </a:fillRef>
+          <a:effectRef idx="0">
+            <a:schemeClr val="accent1"/>
+          </a:effectRef>
+          <a:fontRef idx="minor">
+            <a:schemeClr val="lt1"/>
+          </a:fontRef>
+        </p:style>
+        <p:txBody>
+          <a:bodyPr rtlCol="0" anchor="ctr"/>
+          <a:lstStyle/>
+          <a:p>
+            <a:pPr algn="ctr"/>
+            <a:endParaRPr lang="en-US" altLang="zh-CN" sz="2000" b="1" dirty="0">
+              <a:latin typeface="微软雅黑" panose="020B0503020204020204" pitchFamily="34" charset="-122"/>
+              <a:ea typeface="微软雅黑" panose="020B0503020204020204" pitchFamily="34" charset="-122"/>
+            </a:endParaRPr>
+          </a:p>
+        </p:txBody>
+      </p:sp>
+      <p:cxnSp>
+        <p:nvCxnSpPr>
+          <p:cNvPr id="26" name="Straight Connector 93">
+            <a:extLst>
+              <a:ext uri="{FF2B5EF4-FFF2-40B4-BE49-F238E27FC236}">
+                <a16:creationId xmlns:a16="http://schemas.microsoft.com/office/drawing/2014/main" id="{B7126262-2948-4C91-88A9-269EDB9F6633}"/>
+              </a:ext>
+            </a:extLst>
+          </p:cNvPr>
+          <p:cNvCxnSpPr/>
+          <p:nvPr/>
+        </p:nvCxnSpPr>
+        <p:spPr>
+          <a:xfrm flipV="1">
+            <a:off x="581665" y="1932197"/>
+            <a:ext cx="1828800" cy="1"/>
+          </a:xfrm>
+          <a:prstGeom prst="line">
+            <a:avLst/>
+          </a:prstGeom>
+          <a:ln w="12700">
+            <a:solidFill>
+              <a:schemeClr val="bg1">
+                <a:lumMod val="75000"/>
+              </a:schemeClr>
+            </a:solidFill>
+            <a:prstDash val="dash"/>
+          </a:ln>
+        </p:spPr>
+        <p:style>
+          <a:lnRef idx="1">
+            <a:schemeClr val="accent1"/>
+          </a:lnRef>
+          <a:fillRef idx="0">
+            <a:schemeClr val="accent1"/>
+          </a:fillRef>
+          <a:effectRef idx="0">
+            <a:schemeClr val="accent1"/>
+          </a:effectRef>
+          <a:fontRef idx="minor">
+            <a:schemeClr val="tx1"/>
+          </a:fontRef>
+        </p:style>
+      </p:cxnSp>
+      <p:cxnSp>
+        <p:nvCxnSpPr>
+          <p:cNvPr id="27" name="Straight Connector 93">
+            <a:extLst>
+              <a:ext uri="{FF2B5EF4-FFF2-40B4-BE49-F238E27FC236}">
+                <a16:creationId xmlns:a16="http://schemas.microsoft.com/office/drawing/2014/main" id="{94DF1396-F5EA-4783-93A8-56D416FE4C45}"/>
+              </a:ext>
+            </a:extLst>
+          </p:cNvPr>
+          <p:cNvCxnSpPr/>
+          <p:nvPr/>
+        </p:nvCxnSpPr>
+        <p:spPr>
+          <a:xfrm flipV="1">
+            <a:off x="622006" y="1156653"/>
+            <a:ext cx="1828800" cy="1"/>
+          </a:xfrm>
+          <a:prstGeom prst="line">
+            <a:avLst/>
+          </a:prstGeom>
+          <a:ln w="12700">
+            <a:solidFill>
+              <a:schemeClr val="bg1">
+                <a:lumMod val="75000"/>
+              </a:schemeClr>
+            </a:solidFill>
+            <a:prstDash val="dash"/>
+          </a:ln>
+        </p:spPr>
+        <p:style>
+          <a:lnRef idx="1">
+            <a:schemeClr val="accent1"/>
+          </a:lnRef>
+          <a:fillRef idx="0">
+            <a:schemeClr val="accent1"/>
+          </a:fillRef>
+          <a:effectRef idx="0">
+            <a:schemeClr val="accent1"/>
+          </a:effectRef>
+          <a:fontRef idx="minor">
+            <a:schemeClr val="tx1"/>
+          </a:fontRef>
+        </p:style>
+      </p:cxnSp>
+      <p:sp>
+        <p:nvSpPr>
+          <p:cNvPr id="28" name="文本框 27">
+            <a:extLst>
+              <a:ext uri="{FF2B5EF4-FFF2-40B4-BE49-F238E27FC236}">
+                <a16:creationId xmlns:a16="http://schemas.microsoft.com/office/drawing/2014/main" id="{D84AC5C5-5D9D-475F-A329-1B94F2C6AF43}"/>
+              </a:ext>
+            </a:extLst>
+          </p:cNvPr>
+          <p:cNvSpPr txBox="1"/>
+          <p:nvPr/>
+        </p:nvSpPr>
+        <p:spPr>
+          <a:xfrm>
+            <a:off x="720608" y="1381488"/>
+            <a:ext cx="1570094" cy="369332"/>
+          </a:xfrm>
+          <a:prstGeom prst="rect">
+            <a:avLst/>
+          </a:prstGeom>
+          <a:noFill/>
+        </p:spPr>
+        <p:txBody>
+          <a:bodyPr wrap="square" rtlCol="0">
+            <a:spAutoFit/>
+          </a:bodyPr>
+          <a:lstStyle/>
+          <a:p>
+            <a:pPr algn="ctr"/>
+            <a:r>
+              <a:rPr lang="zh-CN" altLang="en-US" b="1" dirty="0">
+                <a:solidFill>
+                  <a:srgbClr val="E67E22"/>
+                </a:solidFill>
+                <a:latin typeface="微软雅黑" panose="020B0503020204020204" pitchFamily="34" charset="-122"/>
+                <a:ea typeface="微软雅黑" panose="020B0503020204020204" pitchFamily="34" charset="-122"/>
+              </a:rPr>
+              <a:t>外部调用</a:t>
+            </a:r>
+            <a:endParaRPr lang="en-US" altLang="zh-CN" b="1" dirty="0">
+              <a:solidFill>
+                <a:srgbClr val="E67E22"/>
+              </a:solidFill>
+              <a:latin typeface="微软雅黑" panose="020B0503020204020204" pitchFamily="34" charset="-122"/>
+              <a:ea typeface="微软雅黑" panose="020B0503020204020204" pitchFamily="34" charset="-122"/>
+            </a:endParaRPr>
+          </a:p>
+        </p:txBody>
+      </p:sp>
+      <p:sp>
+        <p:nvSpPr>
+          <p:cNvPr id="29" name="Rectangle 158">
+            <a:extLst>
+              <a:ext uri="{FF2B5EF4-FFF2-40B4-BE49-F238E27FC236}">
+                <a16:creationId xmlns:a16="http://schemas.microsoft.com/office/drawing/2014/main" id="{E4817E5F-D836-4557-A71A-E103AF0A554E}"/>
+              </a:ext>
+            </a:extLst>
+          </p:cNvPr>
+          <p:cNvSpPr/>
+          <p:nvPr/>
+        </p:nvSpPr>
+        <p:spPr>
+          <a:xfrm>
+            <a:off x="2542343" y="1271656"/>
+            <a:ext cx="6038949" cy="540000"/>
+          </a:xfrm>
+          <a:prstGeom prst="rect">
+            <a:avLst/>
+          </a:prstGeom>
+          <a:solidFill>
+            <a:srgbClr val="E67E22"/>
+          </a:solidFill>
+          <a:ln>
+            <a:noFill/>
+          </a:ln>
+        </p:spPr>
+        <p:style>
+          <a:lnRef idx="2">
+            <a:schemeClr val="accent1">
+              <a:shade val="50000"/>
+            </a:schemeClr>
+          </a:lnRef>
+          <a:fillRef idx="1">
+            <a:schemeClr val="accent1"/>
+          </a:fillRef>
+          <a:effectRef idx="0">
+            <a:schemeClr val="accent1"/>
+          </a:effectRef>
+          <a:fontRef idx="minor">
+            <a:schemeClr val="lt1"/>
+          </a:fontRef>
+        </p:style>
+        <p:txBody>
+          <a:bodyPr rtlCol="0" anchor="ctr"/>
+          <a:lstStyle/>
+          <a:p>
+            <a:pPr algn="ctr"/>
+            <a:r>
+              <a:rPr lang="en-US" altLang="zh-CN" sz="2000" b="1" dirty="0">
+                <a:latin typeface="微软雅黑" panose="020B0503020204020204" pitchFamily="34" charset="-122"/>
+                <a:ea typeface="微软雅黑" panose="020B0503020204020204" pitchFamily="34" charset="-122"/>
+              </a:rPr>
+              <a:t>SaaS </a:t>
+            </a:r>
+            <a:r>
+              <a:rPr lang="zh-CN" altLang="en-US" sz="2000" b="1" dirty="0">
+                <a:latin typeface="微软雅黑" panose="020B0503020204020204" pitchFamily="34" charset="-122"/>
+                <a:ea typeface="微软雅黑" panose="020B0503020204020204" pitchFamily="34" charset="-122"/>
+              </a:rPr>
+              <a:t>系统</a:t>
+            </a:r>
+            <a:endParaRPr lang="en-US" sz="2000" b="1" dirty="0">
+              <a:latin typeface="微软雅黑" panose="020B0503020204020204" pitchFamily="34" charset="-122"/>
+              <a:ea typeface="微软雅黑" panose="020B0503020204020204" pitchFamily="34" charset="-122"/>
+            </a:endParaRPr>
+          </a:p>
+        </p:txBody>
+      </p:sp>
+      <p:sp>
+        <p:nvSpPr>
+          <p:cNvPr id="31" name="Rectangle 158">
+            <a:extLst>
+              <a:ext uri="{FF2B5EF4-FFF2-40B4-BE49-F238E27FC236}">
+                <a16:creationId xmlns:a16="http://schemas.microsoft.com/office/drawing/2014/main" id="{6B52F790-4CE4-48BA-9061-C4E9CE9B29DE}"/>
+              </a:ext>
+            </a:extLst>
+          </p:cNvPr>
+          <p:cNvSpPr/>
+          <p:nvPr/>
+        </p:nvSpPr>
+        <p:spPr>
+          <a:xfrm>
+            <a:off x="8707902" y="1260321"/>
+            <a:ext cx="2906083" cy="540000"/>
+          </a:xfrm>
+          <a:prstGeom prst="rect">
+            <a:avLst/>
+          </a:prstGeom>
+          <a:solidFill>
+            <a:srgbClr val="E67E22"/>
+          </a:solidFill>
+          <a:ln>
+            <a:noFill/>
+          </a:ln>
+        </p:spPr>
+        <p:style>
+          <a:lnRef idx="2">
+            <a:schemeClr val="accent1">
+              <a:shade val="50000"/>
+            </a:schemeClr>
+          </a:lnRef>
+          <a:fillRef idx="1">
+            <a:schemeClr val="accent1"/>
+          </a:fillRef>
+          <a:effectRef idx="0">
+            <a:schemeClr val="accent1"/>
+          </a:effectRef>
+          <a:fontRef idx="minor">
+            <a:schemeClr val="lt1"/>
+          </a:fontRef>
+        </p:style>
+        <p:txBody>
+          <a:bodyPr rtlCol="0" anchor="ctr"/>
+          <a:lstStyle/>
+          <a:p>
+            <a:pPr algn="ctr"/>
+            <a:r>
+              <a:rPr lang="zh-CN" altLang="en-US" sz="2000" b="1" dirty="0">
+                <a:latin typeface="微软雅黑" panose="020B0503020204020204" pitchFamily="34" charset="-122"/>
+                <a:ea typeface="微软雅黑" panose="020B0503020204020204" pitchFamily="34" charset="-122"/>
+              </a:rPr>
+              <a:t>工作流统一交互平台</a:t>
             </a:r>
             <a:endParaRPr lang="en-US" sz="2000" b="1" dirty="0">
               <a:latin typeface="微软雅黑" panose="020B0503020204020204" pitchFamily="34" charset="-122"/>
@@ -8435,45 +8776,10 @@
       </p:grpSpPr>
       <p:sp>
         <p:nvSpPr>
-          <p:cNvPr id="4" name="文本框 3">
-            <a:extLst>
-              <a:ext uri="{FF2B5EF4-FFF2-40B4-BE49-F238E27FC236}">
-                <a16:creationId xmlns:a16="http://schemas.microsoft.com/office/drawing/2014/main" id="{ABB0934F-7A8F-4914-99E5-A0C9388AC0A7}"/>
-              </a:ext>
-            </a:extLst>
-          </p:cNvPr>
-          <p:cNvSpPr txBox="1"/>
-          <p:nvPr/>
-        </p:nvSpPr>
-        <p:spPr>
-          <a:xfrm>
-            <a:off x="373743" y="367273"/>
-            <a:ext cx="2339102" cy="523220"/>
-          </a:xfrm>
-          <a:prstGeom prst="rect">
-            <a:avLst/>
-          </a:prstGeom>
-          <a:noFill/>
-        </p:spPr>
-        <p:txBody>
-          <a:bodyPr wrap="none" rtlCol="0">
-            <a:spAutoFit/>
-          </a:bodyPr>
-          <a:lstStyle/>
-          <a:p>
-            <a:r>
-              <a:rPr lang="zh-CN" altLang="en-US" sz="2800" b="1" dirty="0"/>
-              <a:t>流程管理平台</a:t>
-            </a:r>
-          </a:p>
-        </p:txBody>
-      </p:sp>
-      <p:sp>
-        <p:nvSpPr>
-          <p:cNvPr id="5" name="Rectangle 29">
-            <a:extLst>
-              <a:ext uri="{FF2B5EF4-FFF2-40B4-BE49-F238E27FC236}">
-                <a16:creationId xmlns:a16="http://schemas.microsoft.com/office/drawing/2014/main" id="{FBECD6D4-5803-4BF3-B4C1-F99567337B10}"/>
+          <p:cNvPr id="50" name="Rectangle 29">
+            <a:extLst>
+              <a:ext uri="{FF2B5EF4-FFF2-40B4-BE49-F238E27FC236}">
+                <a16:creationId xmlns:a16="http://schemas.microsoft.com/office/drawing/2014/main" id="{6FBB0CD6-2F91-4105-AC81-3088917495B9}"/>
               </a:ext>
             </a:extLst>
           </p:cNvPr>
@@ -8482,8 +8788,8 @@
         </p:nvSpPr>
         <p:spPr>
           <a:xfrm>
-            <a:off x="614058" y="1017514"/>
-            <a:ext cx="3670300" cy="5602642"/>
+            <a:off x="8086114" y="5124887"/>
+            <a:ext cx="3888342" cy="1478801"/>
           </a:xfrm>
           <a:prstGeom prst="rect">
             <a:avLst/>
@@ -8517,19 +8823,19 @@
           <a:p>
             <a:pPr algn="ctr"/>
             <a:r>
-              <a:rPr lang="zh-CN" altLang="en-US" sz="2400" b="1" dirty="0"/>
-              <a:t>租户管理平台</a:t>
-            </a:r>
-            <a:endParaRPr lang="en-US" sz="2400" b="1" dirty="0"/>
-          </a:p>
-        </p:txBody>
-      </p:sp>
-      <p:sp>
-        <p:nvSpPr>
-          <p:cNvPr id="7" name="Rectangle 31">
-            <a:extLst>
-              <a:ext uri="{FF2B5EF4-FFF2-40B4-BE49-F238E27FC236}">
-                <a16:creationId xmlns:a16="http://schemas.microsoft.com/office/drawing/2014/main" id="{5B4AC5B8-0030-4E26-89C8-69A15CA04E26}"/>
+              <a:rPr lang="zh-CN" altLang="en-US" dirty="0"/>
+              <a:t>流程实例管理</a:t>
+            </a:r>
+            <a:endParaRPr lang="en-US" dirty="0"/>
+          </a:p>
+        </p:txBody>
+      </p:sp>
+      <p:sp>
+        <p:nvSpPr>
+          <p:cNvPr id="45" name="Rectangle 29">
+            <a:extLst>
+              <a:ext uri="{FF2B5EF4-FFF2-40B4-BE49-F238E27FC236}">
+                <a16:creationId xmlns:a16="http://schemas.microsoft.com/office/drawing/2014/main" id="{77DD17A8-31F2-4401-B130-7514BA1600A7}"/>
               </a:ext>
             </a:extLst>
           </p:cNvPr>
@@ -8538,14 +8844,14 @@
         </p:nvSpPr>
         <p:spPr>
           <a:xfrm>
-            <a:off x="779023" y="2649478"/>
-            <a:ext cx="3285136" cy="360000"/>
+            <a:off x="8068554" y="3619131"/>
+            <a:ext cx="3888342" cy="1343464"/>
           </a:xfrm>
           <a:prstGeom prst="rect">
             <a:avLst/>
           </a:prstGeom>
           <a:solidFill>
-            <a:schemeClr val="bg1"/>
+            <a:srgbClr val="2980B9"/>
           </a:solidFill>
           <a:ln>
             <a:noFill/>
@@ -8568,34 +8874,59 @@
           </a:fontRef>
         </p:style>
         <p:txBody>
-          <a:bodyPr rtlCol="0" anchor="ctr"/>
+          <a:bodyPr rtlCol="0" anchor="t"/>
           <a:lstStyle/>
           <a:p>
             <a:pPr algn="ctr"/>
             <a:r>
-              <a:rPr lang="zh-CN" altLang="en-US" sz="1400" b="1" dirty="0">
-                <a:solidFill>
-                  <a:srgbClr val="1ABC9C"/>
-                </a:solidFill>
-                <a:latin typeface="+mn-ea"/>
-              </a:rPr>
-              <a:t>接口调用日志查询</a:t>
-            </a:r>
-            <a:endParaRPr lang="en-US" sz="1400" b="1" dirty="0">
-              <a:solidFill>
-                <a:srgbClr val="1ABC9C"/>
-              </a:solidFill>
-              <a:latin typeface="+mn-ea"/>
-            </a:endParaRPr>
-          </a:p>
-        </p:txBody>
-      </p:sp>
-      <p:sp>
-        <p:nvSpPr>
-          <p:cNvPr id="16" name="Rectangle 45">
-            <a:extLst>
-              <a:ext uri="{FF2B5EF4-FFF2-40B4-BE49-F238E27FC236}">
-                <a16:creationId xmlns:a16="http://schemas.microsoft.com/office/drawing/2014/main" id="{2DEEEC2D-2F67-4A4C-BA3D-56191DAE153F}"/>
+              <a:rPr lang="zh-CN" altLang="en-US" dirty="0"/>
+              <a:t>任务配置</a:t>
+            </a:r>
+            <a:endParaRPr lang="en-US" dirty="0"/>
+          </a:p>
+        </p:txBody>
+      </p:sp>
+      <p:sp>
+        <p:nvSpPr>
+          <p:cNvPr id="4" name="文本框 3">
+            <a:extLst>
+              <a:ext uri="{FF2B5EF4-FFF2-40B4-BE49-F238E27FC236}">
+                <a16:creationId xmlns:a16="http://schemas.microsoft.com/office/drawing/2014/main" id="{ABB0934F-7A8F-4914-99E5-A0C9388AC0A7}"/>
+              </a:ext>
+            </a:extLst>
+          </p:cNvPr>
+          <p:cNvSpPr txBox="1"/>
+          <p:nvPr/>
+        </p:nvSpPr>
+        <p:spPr>
+          <a:xfrm>
+            <a:off x="373743" y="367273"/>
+            <a:ext cx="2339102" cy="523220"/>
+          </a:xfrm>
+          <a:prstGeom prst="rect">
+            <a:avLst/>
+          </a:prstGeom>
+          <a:noFill/>
+        </p:spPr>
+        <p:txBody>
+          <a:bodyPr wrap="none" rtlCol="0">
+            <a:spAutoFit/>
+          </a:bodyPr>
+          <a:lstStyle/>
+          <a:p>
+            <a:r>
+              <a:rPr lang="zh-CN" altLang="en-US" sz="2800" b="1" dirty="0"/>
+              <a:t>流程管理平台</a:t>
+            </a:r>
+          </a:p>
+        </p:txBody>
+      </p:sp>
+      <p:sp>
+        <p:nvSpPr>
+          <p:cNvPr id="5" name="Rectangle 29">
+            <a:extLst>
+              <a:ext uri="{FF2B5EF4-FFF2-40B4-BE49-F238E27FC236}">
+                <a16:creationId xmlns:a16="http://schemas.microsoft.com/office/drawing/2014/main" id="{FBECD6D4-5803-4BF3-B4C1-F99567337B10}"/>
               </a:ext>
             </a:extLst>
           </p:cNvPr>
@@ -8604,14 +8935,14 @@
         </p:nvSpPr>
         <p:spPr>
           <a:xfrm>
-            <a:off x="779023" y="2126711"/>
-            <a:ext cx="3285137" cy="360000"/>
+            <a:off x="214490" y="1001047"/>
+            <a:ext cx="3670300" cy="5602642"/>
           </a:xfrm>
           <a:prstGeom prst="rect">
             <a:avLst/>
           </a:prstGeom>
           <a:solidFill>
-            <a:schemeClr val="bg1"/>
+            <a:srgbClr val="2980B9"/>
           </a:solidFill>
           <a:ln>
             <a:noFill/>
@@ -8634,34 +8965,24 @@
           </a:fontRef>
         </p:style>
         <p:txBody>
-          <a:bodyPr rtlCol="0" anchor="ctr"/>
+          <a:bodyPr rtlCol="0" anchor="t"/>
           <a:lstStyle/>
           <a:p>
             <a:pPr algn="ctr"/>
             <a:r>
-              <a:rPr lang="zh-CN" altLang="en-US" sz="1400" b="1" dirty="0">
-                <a:solidFill>
-                  <a:srgbClr val="1ABC9C"/>
-                </a:solidFill>
-                <a:latin typeface="+mn-ea"/>
-              </a:rPr>
-              <a:t>接口信息维护</a:t>
-            </a:r>
-            <a:endParaRPr lang="en-US" sz="1400" b="1" dirty="0">
-              <a:solidFill>
-                <a:srgbClr val="1ABC9C"/>
-              </a:solidFill>
-              <a:latin typeface="+mn-ea"/>
-            </a:endParaRPr>
-          </a:p>
-        </p:txBody>
-      </p:sp>
-      <p:sp>
-        <p:nvSpPr>
-          <p:cNvPr id="17" name="Rectangle 46">
-            <a:extLst>
-              <a:ext uri="{FF2B5EF4-FFF2-40B4-BE49-F238E27FC236}">
-                <a16:creationId xmlns:a16="http://schemas.microsoft.com/office/drawing/2014/main" id="{2F211B38-4106-409D-BC6A-7AA1E9CE8188}"/>
+              <a:rPr lang="zh-CN" altLang="en-US" sz="2400" b="1" dirty="0"/>
+              <a:t>租户管理平台</a:t>
+            </a:r>
+            <a:endParaRPr lang="en-US" sz="2400" b="1" dirty="0"/>
+          </a:p>
+        </p:txBody>
+      </p:sp>
+      <p:sp>
+        <p:nvSpPr>
+          <p:cNvPr id="7" name="Rectangle 31">
+            <a:extLst>
+              <a:ext uri="{FF2B5EF4-FFF2-40B4-BE49-F238E27FC236}">
+                <a16:creationId xmlns:a16="http://schemas.microsoft.com/office/drawing/2014/main" id="{5B4AC5B8-0030-4E26-89C8-69A15CA04E26}"/>
               </a:ext>
             </a:extLst>
           </p:cNvPr>
@@ -8670,8 +8991,8 @@
         </p:nvSpPr>
         <p:spPr>
           <a:xfrm>
-            <a:off x="779023" y="1608511"/>
-            <a:ext cx="3285137" cy="360000"/>
+            <a:off x="379455" y="2633011"/>
+            <a:ext cx="3285136" cy="360000"/>
           </a:xfrm>
           <a:prstGeom prst="rect">
             <a:avLst/>
@@ -8711,7 +9032,7 @@
                 </a:solidFill>
                 <a:latin typeface="+mn-ea"/>
               </a:rPr>
-              <a:t>租户基本信息管理管理</a:t>
+              <a:t>接口调用日志查询</a:t>
             </a:r>
             <a:endParaRPr lang="en-US" sz="1400" b="1" dirty="0">
               <a:solidFill>
@@ -8724,10 +9045,10 @@
       </p:sp>
       <p:sp>
         <p:nvSpPr>
-          <p:cNvPr id="20" name="Rectangle 49">
-            <a:extLst>
-              <a:ext uri="{FF2B5EF4-FFF2-40B4-BE49-F238E27FC236}">
-                <a16:creationId xmlns:a16="http://schemas.microsoft.com/office/drawing/2014/main" id="{9B5614A3-4A8F-4E49-96D9-AA9F2DC200CB}"/>
+          <p:cNvPr id="16" name="Rectangle 45">
+            <a:extLst>
+              <a:ext uri="{FF2B5EF4-FFF2-40B4-BE49-F238E27FC236}">
+                <a16:creationId xmlns:a16="http://schemas.microsoft.com/office/drawing/2014/main" id="{2DEEEC2D-2F67-4A4C-BA3D-56191DAE153F}"/>
               </a:ext>
             </a:extLst>
           </p:cNvPr>
@@ -8736,8 +9057,8 @@
         </p:nvSpPr>
         <p:spPr>
           <a:xfrm>
-            <a:off x="779022" y="3181128"/>
-            <a:ext cx="3285135" cy="360000"/>
+            <a:off x="379455" y="2110244"/>
+            <a:ext cx="3285137" cy="360000"/>
           </a:xfrm>
           <a:prstGeom prst="rect">
             <a:avLst/>
@@ -8777,7 +9098,7 @@
                 </a:solidFill>
                 <a:latin typeface="+mn-ea"/>
               </a:rPr>
-              <a:t>切换为租户身份</a:t>
+              <a:t>接口信息维护</a:t>
             </a:r>
             <a:endParaRPr lang="en-US" sz="1400" b="1" dirty="0">
               <a:solidFill>
@@ -8790,10 +9111,10 @@
       </p:sp>
       <p:sp>
         <p:nvSpPr>
-          <p:cNvPr id="21" name="Rectangle 29">
-            <a:extLst>
-              <a:ext uri="{FF2B5EF4-FFF2-40B4-BE49-F238E27FC236}">
-                <a16:creationId xmlns:a16="http://schemas.microsoft.com/office/drawing/2014/main" id="{10BF4D6E-7ABC-48DE-9577-8D77E0AA4AD4}"/>
+          <p:cNvPr id="17" name="Rectangle 46">
+            <a:extLst>
+              <a:ext uri="{FF2B5EF4-FFF2-40B4-BE49-F238E27FC236}">
+                <a16:creationId xmlns:a16="http://schemas.microsoft.com/office/drawing/2014/main" id="{2F211B38-4106-409D-BC6A-7AA1E9CE8188}"/>
               </a:ext>
             </a:extLst>
           </p:cNvPr>
@@ -8802,14 +9123,14 @@
         </p:nvSpPr>
         <p:spPr>
           <a:xfrm>
-            <a:off x="5014358" y="1601778"/>
-            <a:ext cx="3888342" cy="2439390"/>
+            <a:off x="379455" y="1592044"/>
+            <a:ext cx="3285137" cy="360000"/>
           </a:xfrm>
           <a:prstGeom prst="rect">
             <a:avLst/>
           </a:prstGeom>
           <a:solidFill>
-            <a:srgbClr val="2980B9"/>
+            <a:schemeClr val="bg1"/>
           </a:solidFill>
           <a:ln>
             <a:noFill/>
@@ -8832,24 +9153,34 @@
           </a:fontRef>
         </p:style>
         <p:txBody>
-          <a:bodyPr rtlCol="0" anchor="t"/>
+          <a:bodyPr rtlCol="0" anchor="ctr"/>
           <a:lstStyle/>
           <a:p>
             <a:pPr algn="ctr"/>
             <a:r>
-              <a:rPr lang="zh-CN" altLang="en-US" dirty="0"/>
-              <a:t>接口管理</a:t>
-            </a:r>
-            <a:endParaRPr lang="en-US" dirty="0"/>
-          </a:p>
-        </p:txBody>
-      </p:sp>
-      <p:sp>
-        <p:nvSpPr>
-          <p:cNvPr id="48" name="Rectangle 29">
-            <a:extLst>
-              <a:ext uri="{FF2B5EF4-FFF2-40B4-BE49-F238E27FC236}">
-                <a16:creationId xmlns:a16="http://schemas.microsoft.com/office/drawing/2014/main" id="{2E298260-FB44-4D15-A90A-0FC1C7CE493B}"/>
+              <a:rPr lang="zh-CN" altLang="en-US" sz="1400" b="1" dirty="0">
+                <a:solidFill>
+                  <a:srgbClr val="1ABC9C"/>
+                </a:solidFill>
+                <a:latin typeface="+mn-ea"/>
+              </a:rPr>
+              <a:t>租户基本信息管理管理</a:t>
+            </a:r>
+            <a:endParaRPr lang="en-US" sz="1400" b="1" dirty="0">
+              <a:solidFill>
+                <a:srgbClr val="1ABC9C"/>
+              </a:solidFill>
+              <a:latin typeface="+mn-ea"/>
+            </a:endParaRPr>
+          </a:p>
+        </p:txBody>
+      </p:sp>
+      <p:sp>
+        <p:nvSpPr>
+          <p:cNvPr id="20" name="Rectangle 49">
+            <a:extLst>
+              <a:ext uri="{FF2B5EF4-FFF2-40B4-BE49-F238E27FC236}">
+                <a16:creationId xmlns:a16="http://schemas.microsoft.com/office/drawing/2014/main" id="{9B5614A3-4A8F-4E49-96D9-AA9F2DC200CB}"/>
               </a:ext>
             </a:extLst>
           </p:cNvPr>
@@ -8858,14 +9189,14 @@
         </p:nvSpPr>
         <p:spPr>
           <a:xfrm>
-            <a:off x="5025041" y="4812076"/>
-            <a:ext cx="3877659" cy="1808080"/>
+            <a:off x="379454" y="3164661"/>
+            <a:ext cx="3285135" cy="360000"/>
           </a:xfrm>
           <a:prstGeom prst="rect">
             <a:avLst/>
           </a:prstGeom>
           <a:solidFill>
-            <a:srgbClr val="2980B9"/>
+            <a:schemeClr val="bg1"/>
           </a:solidFill>
           <a:ln>
             <a:noFill/>
@@ -8888,24 +9219,34 @@
           </a:fontRef>
         </p:style>
         <p:txBody>
-          <a:bodyPr rtlCol="0" anchor="t"/>
+          <a:bodyPr rtlCol="0" anchor="ctr"/>
           <a:lstStyle/>
           <a:p>
             <a:pPr algn="ctr"/>
             <a:r>
-              <a:rPr lang="zh-CN" altLang="en-US" dirty="0"/>
-              <a:t>参与者管理</a:t>
-            </a:r>
-            <a:endParaRPr lang="en-US" dirty="0"/>
-          </a:p>
-        </p:txBody>
-      </p:sp>
-      <p:sp>
-        <p:nvSpPr>
-          <p:cNvPr id="32" name="Rectangle 45">
-            <a:extLst>
-              <a:ext uri="{FF2B5EF4-FFF2-40B4-BE49-F238E27FC236}">
-                <a16:creationId xmlns:a16="http://schemas.microsoft.com/office/drawing/2014/main" id="{03DB84CA-9DE4-4511-B57F-6810527E0834}"/>
+              <a:rPr lang="zh-CN" altLang="en-US" sz="1400" b="1" dirty="0">
+                <a:solidFill>
+                  <a:srgbClr val="1ABC9C"/>
+                </a:solidFill>
+                <a:latin typeface="+mn-ea"/>
+              </a:rPr>
+              <a:t>切换为租户身份</a:t>
+            </a:r>
+            <a:endParaRPr lang="en-US" sz="1400" b="1" dirty="0">
+              <a:solidFill>
+                <a:srgbClr val="1ABC9C"/>
+              </a:solidFill>
+              <a:latin typeface="+mn-ea"/>
+            </a:endParaRPr>
+          </a:p>
+        </p:txBody>
+      </p:sp>
+      <p:sp>
+        <p:nvSpPr>
+          <p:cNvPr id="21" name="Rectangle 29">
+            <a:extLst>
+              <a:ext uri="{FF2B5EF4-FFF2-40B4-BE49-F238E27FC236}">
+                <a16:creationId xmlns:a16="http://schemas.microsoft.com/office/drawing/2014/main" id="{10BF4D6E-7ABC-48DE-9577-8D77E0AA4AD4}"/>
               </a:ext>
             </a:extLst>
           </p:cNvPr>
@@ -8914,14 +9255,14 @@
         </p:nvSpPr>
         <p:spPr>
           <a:xfrm>
-            <a:off x="5127881" y="5269191"/>
-            <a:ext cx="1497859" cy="795551"/>
+            <a:off x="4066689" y="1585311"/>
+            <a:ext cx="3888342" cy="2439390"/>
           </a:xfrm>
           <a:prstGeom prst="rect">
             <a:avLst/>
           </a:prstGeom>
           <a:solidFill>
-            <a:schemeClr val="bg1"/>
+            <a:srgbClr val="2980B9"/>
           </a:solidFill>
           <a:ln>
             <a:noFill/>
@@ -8944,34 +9285,24 @@
           </a:fontRef>
         </p:style>
         <p:txBody>
-          <a:bodyPr rtlCol="0" anchor="ctr"/>
+          <a:bodyPr rtlCol="0" anchor="t"/>
           <a:lstStyle/>
           <a:p>
             <a:pPr algn="ctr"/>
             <a:r>
-              <a:rPr lang="zh-CN" altLang="en-US" sz="1400" b="1" dirty="0">
-                <a:solidFill>
-                  <a:srgbClr val="1ABC9C"/>
-                </a:solidFill>
-                <a:latin typeface="+mn-ea"/>
-              </a:rPr>
-              <a:t>参与者管理</a:t>
-            </a:r>
-            <a:endParaRPr lang="en-US" sz="1400" b="1" dirty="0">
-              <a:solidFill>
-                <a:srgbClr val="1ABC9C"/>
-              </a:solidFill>
-              <a:latin typeface="+mn-ea"/>
-            </a:endParaRPr>
-          </a:p>
-        </p:txBody>
-      </p:sp>
-      <p:sp>
-        <p:nvSpPr>
-          <p:cNvPr id="37" name="Rectangle 45">
-            <a:extLst>
-              <a:ext uri="{FF2B5EF4-FFF2-40B4-BE49-F238E27FC236}">
-                <a16:creationId xmlns:a16="http://schemas.microsoft.com/office/drawing/2014/main" id="{3E976C24-BB84-4F1A-8298-72C17A3BC9EA}"/>
+              <a:rPr lang="zh-CN" altLang="en-US" dirty="0"/>
+              <a:t>接口管理</a:t>
+            </a:r>
+            <a:endParaRPr lang="en-US" dirty="0"/>
+          </a:p>
+        </p:txBody>
+      </p:sp>
+      <p:sp>
+        <p:nvSpPr>
+          <p:cNvPr id="48" name="Rectangle 29">
+            <a:extLst>
+              <a:ext uri="{FF2B5EF4-FFF2-40B4-BE49-F238E27FC236}">
+                <a16:creationId xmlns:a16="http://schemas.microsoft.com/office/drawing/2014/main" id="{2E298260-FB44-4D15-A90A-0FC1C7CE493B}"/>
               </a:ext>
             </a:extLst>
           </p:cNvPr>
@@ -8980,14 +9311,14 @@
         </p:nvSpPr>
         <p:spPr>
           <a:xfrm>
-            <a:off x="6728580" y="5287449"/>
-            <a:ext cx="1992950" cy="360000"/>
+            <a:off x="4077372" y="4795609"/>
+            <a:ext cx="3877659" cy="1808080"/>
           </a:xfrm>
           <a:prstGeom prst="rect">
             <a:avLst/>
           </a:prstGeom>
           <a:solidFill>
-            <a:schemeClr val="bg1"/>
+            <a:srgbClr val="2980B9"/>
           </a:solidFill>
           <a:ln>
             <a:noFill/>
@@ -9010,34 +9341,24 @@
           </a:fontRef>
         </p:style>
         <p:txBody>
-          <a:bodyPr rtlCol="0" anchor="ctr"/>
+          <a:bodyPr rtlCol="0" anchor="t"/>
           <a:lstStyle/>
           <a:p>
             <a:pPr algn="ctr"/>
             <a:r>
-              <a:rPr lang="zh-CN" altLang="en-US" sz="1400" b="1" dirty="0">
-                <a:solidFill>
-                  <a:srgbClr val="1ABC9C"/>
-                </a:solidFill>
-                <a:latin typeface="+mn-ea"/>
-              </a:rPr>
-              <a:t>参与者类型管理</a:t>
-            </a:r>
-            <a:endParaRPr lang="en-US" sz="1400" b="1" dirty="0">
-              <a:solidFill>
-                <a:srgbClr val="1ABC9C"/>
-              </a:solidFill>
-              <a:latin typeface="+mn-ea"/>
-            </a:endParaRPr>
-          </a:p>
-        </p:txBody>
-      </p:sp>
-      <p:sp>
-        <p:nvSpPr>
-          <p:cNvPr id="38" name="Rectangle 45">
-            <a:extLst>
-              <a:ext uri="{FF2B5EF4-FFF2-40B4-BE49-F238E27FC236}">
-                <a16:creationId xmlns:a16="http://schemas.microsoft.com/office/drawing/2014/main" id="{BCB502B1-4432-4262-92F7-55DD859D6E0D}"/>
+              <a:rPr lang="zh-CN" altLang="en-US" dirty="0"/>
+              <a:t>参与者管理</a:t>
+            </a:r>
+            <a:endParaRPr lang="en-US" dirty="0"/>
+          </a:p>
+        </p:txBody>
+      </p:sp>
+      <p:sp>
+        <p:nvSpPr>
+          <p:cNvPr id="32" name="Rectangle 45">
+            <a:extLst>
+              <a:ext uri="{FF2B5EF4-FFF2-40B4-BE49-F238E27FC236}">
+                <a16:creationId xmlns:a16="http://schemas.microsoft.com/office/drawing/2014/main" id="{03DB84CA-9DE4-4511-B57F-6810527E0834}"/>
               </a:ext>
             </a:extLst>
           </p:cNvPr>
@@ -9046,8 +9367,8 @@
         </p:nvSpPr>
         <p:spPr>
           <a:xfrm>
-            <a:off x="6728580" y="5704742"/>
-            <a:ext cx="1992950" cy="360000"/>
+            <a:off x="4180212" y="5252724"/>
+            <a:ext cx="1497859" cy="795551"/>
           </a:xfrm>
           <a:prstGeom prst="rect">
             <a:avLst/>
@@ -9087,7 +9408,7 @@
                 </a:solidFill>
                 <a:latin typeface="+mn-ea"/>
               </a:rPr>
-              <a:t>参与者接口配置</a:t>
+              <a:t>参与者管理</a:t>
             </a:r>
             <a:endParaRPr lang="en-US" sz="1400" b="1" dirty="0">
               <a:solidFill>
@@ -9100,10 +9421,10 @@
       </p:sp>
       <p:sp>
         <p:nvSpPr>
-          <p:cNvPr id="47" name="Rectangle 29">
-            <a:extLst>
-              <a:ext uri="{FF2B5EF4-FFF2-40B4-BE49-F238E27FC236}">
-                <a16:creationId xmlns:a16="http://schemas.microsoft.com/office/drawing/2014/main" id="{9A3AAD8F-D716-4D4B-A765-435585DDF41A}"/>
+          <p:cNvPr id="37" name="Rectangle 45">
+            <a:extLst>
+              <a:ext uri="{FF2B5EF4-FFF2-40B4-BE49-F238E27FC236}">
+                <a16:creationId xmlns:a16="http://schemas.microsoft.com/office/drawing/2014/main" id="{3E976C24-BB84-4F1A-8298-72C17A3BC9EA}"/>
               </a:ext>
             </a:extLst>
           </p:cNvPr>
@@ -9112,14 +9433,14 @@
         </p:nvSpPr>
         <p:spPr>
           <a:xfrm>
-            <a:off x="9033783" y="1572929"/>
-            <a:ext cx="2544159" cy="5047227"/>
+            <a:off x="5780911" y="5270982"/>
+            <a:ext cx="1992950" cy="360000"/>
           </a:xfrm>
           <a:prstGeom prst="rect">
             <a:avLst/>
           </a:prstGeom>
           <a:solidFill>
-            <a:srgbClr val="2980B9"/>
+            <a:schemeClr val="bg1"/>
           </a:solidFill>
           <a:ln>
             <a:noFill/>
@@ -9142,24 +9463,34 @@
           </a:fontRef>
         </p:style>
         <p:txBody>
-          <a:bodyPr rtlCol="0" anchor="t"/>
+          <a:bodyPr rtlCol="0" anchor="ctr"/>
           <a:lstStyle/>
           <a:p>
             <a:pPr algn="ctr"/>
             <a:r>
-              <a:rPr lang="zh-CN" altLang="en-US" dirty="0"/>
-              <a:t>流程管理</a:t>
-            </a:r>
-            <a:endParaRPr lang="en-US" dirty="0"/>
-          </a:p>
-        </p:txBody>
-      </p:sp>
-      <p:sp>
-        <p:nvSpPr>
-          <p:cNvPr id="26" name="Rectangle 34">
-            <a:extLst>
-              <a:ext uri="{FF2B5EF4-FFF2-40B4-BE49-F238E27FC236}">
-                <a16:creationId xmlns:a16="http://schemas.microsoft.com/office/drawing/2014/main" id="{39237BB6-63B3-4022-8591-FCBAB1DC31A0}"/>
+              <a:rPr lang="zh-CN" altLang="en-US" sz="1400" b="1" dirty="0">
+                <a:solidFill>
+                  <a:srgbClr val="1ABC9C"/>
+                </a:solidFill>
+                <a:latin typeface="+mn-ea"/>
+              </a:rPr>
+              <a:t>参与者类型管理</a:t>
+            </a:r>
+            <a:endParaRPr lang="en-US" sz="1400" b="1" dirty="0">
+              <a:solidFill>
+                <a:srgbClr val="1ABC9C"/>
+              </a:solidFill>
+              <a:latin typeface="+mn-ea"/>
+            </a:endParaRPr>
+          </a:p>
+        </p:txBody>
+      </p:sp>
+      <p:sp>
+        <p:nvSpPr>
+          <p:cNvPr id="38" name="Rectangle 45">
+            <a:extLst>
+              <a:ext uri="{FF2B5EF4-FFF2-40B4-BE49-F238E27FC236}">
+                <a16:creationId xmlns:a16="http://schemas.microsoft.com/office/drawing/2014/main" id="{BCB502B1-4432-4262-92F7-55DD859D6E0D}"/>
               </a:ext>
             </a:extLst>
           </p:cNvPr>
@@ -9168,8 +9499,8 @@
         </p:nvSpPr>
         <p:spPr>
           <a:xfrm>
-            <a:off x="9354526" y="3054318"/>
-            <a:ext cx="1888984" cy="360000"/>
+            <a:off x="5780911" y="5688275"/>
+            <a:ext cx="1992950" cy="360000"/>
           </a:xfrm>
           <a:prstGeom prst="rect">
             <a:avLst/>
@@ -9209,7 +9540,7 @@
                 </a:solidFill>
                 <a:latin typeface="+mn-ea"/>
               </a:rPr>
-              <a:t>流程基本信息管理</a:t>
+              <a:t>参与者接口配置</a:t>
             </a:r>
             <a:endParaRPr lang="en-US" sz="1400" b="1" dirty="0">
               <a:solidFill>
@@ -9222,10 +9553,10 @@
       </p:sp>
       <p:sp>
         <p:nvSpPr>
-          <p:cNvPr id="30" name="Rectangle 41">
-            <a:extLst>
-              <a:ext uri="{FF2B5EF4-FFF2-40B4-BE49-F238E27FC236}">
-                <a16:creationId xmlns:a16="http://schemas.microsoft.com/office/drawing/2014/main" id="{2D38641E-35AA-4E36-8087-823FEE0976A8}"/>
+          <p:cNvPr id="47" name="Rectangle 29">
+            <a:extLst>
+              <a:ext uri="{FF2B5EF4-FFF2-40B4-BE49-F238E27FC236}">
+                <a16:creationId xmlns:a16="http://schemas.microsoft.com/office/drawing/2014/main" id="{9A3AAD8F-D716-4D4B-A765-435585DDF41A}"/>
               </a:ext>
             </a:extLst>
           </p:cNvPr>
@@ -9234,14 +9565,14 @@
         </p:nvSpPr>
         <p:spPr>
           <a:xfrm>
-            <a:off x="9354527" y="3594345"/>
-            <a:ext cx="1888983" cy="360000"/>
+            <a:off x="8086114" y="1556462"/>
+            <a:ext cx="3888342" cy="1925883"/>
           </a:xfrm>
           <a:prstGeom prst="rect">
             <a:avLst/>
           </a:prstGeom>
           <a:solidFill>
-            <a:schemeClr val="bg1"/>
+            <a:srgbClr val="2980B9"/>
           </a:solidFill>
           <a:ln>
             <a:noFill/>
@@ -9264,34 +9595,24 @@
           </a:fontRef>
         </p:style>
         <p:txBody>
-          <a:bodyPr rtlCol="0" anchor="ctr"/>
+          <a:bodyPr rtlCol="0" anchor="t"/>
           <a:lstStyle/>
           <a:p>
             <a:pPr algn="ctr"/>
             <a:r>
-              <a:rPr lang="zh-CN" altLang="en-US" sz="1400" b="1" dirty="0">
-                <a:solidFill>
-                  <a:srgbClr val="1ABC9C"/>
-                </a:solidFill>
-                <a:latin typeface="+mn-ea"/>
-              </a:rPr>
-              <a:t>流程任务管理</a:t>
-            </a:r>
-            <a:endParaRPr lang="en-US" sz="1400" b="1" dirty="0">
-              <a:solidFill>
-                <a:srgbClr val="1ABC9C"/>
-              </a:solidFill>
-              <a:latin typeface="+mn-ea"/>
-            </a:endParaRPr>
-          </a:p>
-        </p:txBody>
-      </p:sp>
-      <p:sp>
-        <p:nvSpPr>
-          <p:cNvPr id="36" name="Rectangle 49">
-            <a:extLst>
-              <a:ext uri="{FF2B5EF4-FFF2-40B4-BE49-F238E27FC236}">
-                <a16:creationId xmlns:a16="http://schemas.microsoft.com/office/drawing/2014/main" id="{F6977562-4F33-4F0B-91A9-3DE3429F3BD1}"/>
+              <a:rPr lang="zh-CN" altLang="en-US" dirty="0"/>
+              <a:t>流程配置</a:t>
+            </a:r>
+            <a:endParaRPr lang="en-US" dirty="0"/>
+          </a:p>
+        </p:txBody>
+      </p:sp>
+      <p:sp>
+        <p:nvSpPr>
+          <p:cNvPr id="26" name="Rectangle 34">
+            <a:extLst>
+              <a:ext uri="{FF2B5EF4-FFF2-40B4-BE49-F238E27FC236}">
+                <a16:creationId xmlns:a16="http://schemas.microsoft.com/office/drawing/2014/main" id="{39237BB6-63B3-4022-8591-FCBAB1DC31A0}"/>
               </a:ext>
             </a:extLst>
           </p:cNvPr>
@@ -9300,8 +9621,8 @@
         </p:nvSpPr>
         <p:spPr>
           <a:xfrm>
-            <a:off x="9354526" y="4601423"/>
-            <a:ext cx="1902675" cy="360000"/>
+            <a:off x="8242095" y="2507661"/>
+            <a:ext cx="1757902" cy="360000"/>
           </a:xfrm>
           <a:prstGeom prst="rect">
             <a:avLst/>
@@ -9341,7 +9662,7 @@
                 </a:solidFill>
                 <a:latin typeface="+mn-ea"/>
               </a:rPr>
-              <a:t>表单标识配置</a:t>
+              <a:t>流程基本信息管理</a:t>
             </a:r>
             <a:endParaRPr lang="en-US" sz="1400" b="1" dirty="0">
               <a:solidFill>
@@ -9354,10 +9675,10 @@
       </p:sp>
       <p:sp>
         <p:nvSpPr>
-          <p:cNvPr id="39" name="Rectangle 41">
-            <a:extLst>
-              <a:ext uri="{FF2B5EF4-FFF2-40B4-BE49-F238E27FC236}">
-                <a16:creationId xmlns:a16="http://schemas.microsoft.com/office/drawing/2014/main" id="{4D9C035C-7C14-44E9-A6AE-A8349390CDE2}"/>
+          <p:cNvPr id="36" name="Rectangle 49">
+            <a:extLst>
+              <a:ext uri="{FF2B5EF4-FFF2-40B4-BE49-F238E27FC236}">
+                <a16:creationId xmlns:a16="http://schemas.microsoft.com/office/drawing/2014/main" id="{F6977562-4F33-4F0B-91A9-3DE3429F3BD1}"/>
               </a:ext>
             </a:extLst>
           </p:cNvPr>
@@ -9366,8 +9687,8 @@
         </p:nvSpPr>
         <p:spPr>
           <a:xfrm>
-            <a:off x="9354526" y="4061396"/>
-            <a:ext cx="1888982" cy="360000"/>
+            <a:off x="10113519" y="4031961"/>
+            <a:ext cx="1699025" cy="360000"/>
           </a:xfrm>
           <a:prstGeom prst="rect">
             <a:avLst/>
@@ -9407,7 +9728,7 @@
                 </a:solidFill>
                 <a:latin typeface="+mn-ea"/>
               </a:rPr>
-              <a:t>任务候选人配置</a:t>
+              <a:t>表单标识配置</a:t>
             </a:r>
             <a:endParaRPr lang="en-US" sz="1400" b="1" dirty="0">
               <a:solidFill>
@@ -9420,10 +9741,10 @@
       </p:sp>
       <p:sp>
         <p:nvSpPr>
-          <p:cNvPr id="40" name="Rectangle 49">
-            <a:extLst>
-              <a:ext uri="{FF2B5EF4-FFF2-40B4-BE49-F238E27FC236}">
-                <a16:creationId xmlns:a16="http://schemas.microsoft.com/office/drawing/2014/main" id="{0649D45E-2251-433F-8DBA-814BED65F850}"/>
+          <p:cNvPr id="39" name="Rectangle 41">
+            <a:extLst>
+              <a:ext uri="{FF2B5EF4-FFF2-40B4-BE49-F238E27FC236}">
+                <a16:creationId xmlns:a16="http://schemas.microsoft.com/office/drawing/2014/main" id="{4D9C035C-7C14-44E9-A6AE-A8349390CDE2}"/>
               </a:ext>
             </a:extLst>
           </p:cNvPr>
@@ -9432,8 +9753,8 @@
         </p:nvSpPr>
         <p:spPr>
           <a:xfrm>
-            <a:off x="9354526" y="2057157"/>
-            <a:ext cx="1888985" cy="360000"/>
+            <a:off x="8242095" y="4026122"/>
+            <a:ext cx="1757902" cy="360000"/>
           </a:xfrm>
           <a:prstGeom prst="rect">
             <a:avLst/>
@@ -9473,7 +9794,7 @@
                 </a:solidFill>
                 <a:latin typeface="+mn-ea"/>
               </a:rPr>
-              <a:t>流程设计</a:t>
+              <a:t>任务候选人配置</a:t>
             </a:r>
             <a:endParaRPr lang="en-US" sz="1400" b="1" dirty="0">
               <a:solidFill>
@@ -9486,10 +9807,10 @@
       </p:sp>
       <p:sp>
         <p:nvSpPr>
-          <p:cNvPr id="41" name="Rectangle 49">
-            <a:extLst>
-              <a:ext uri="{FF2B5EF4-FFF2-40B4-BE49-F238E27FC236}">
-                <a16:creationId xmlns:a16="http://schemas.microsoft.com/office/drawing/2014/main" id="{2CDE2274-B53A-44DE-9CCB-659106417ECD}"/>
+          <p:cNvPr id="40" name="Rectangle 49">
+            <a:extLst>
+              <a:ext uri="{FF2B5EF4-FFF2-40B4-BE49-F238E27FC236}">
+                <a16:creationId xmlns:a16="http://schemas.microsoft.com/office/drawing/2014/main" id="{0649D45E-2251-433F-8DBA-814BED65F850}"/>
               </a:ext>
             </a:extLst>
           </p:cNvPr>
@@ -9498,8 +9819,8 @@
         </p:nvSpPr>
         <p:spPr>
           <a:xfrm>
-            <a:off x="9354526" y="2552062"/>
-            <a:ext cx="1888984" cy="360000"/>
+            <a:off x="8242095" y="2026196"/>
+            <a:ext cx="1757902" cy="360000"/>
           </a:xfrm>
           <a:prstGeom prst="rect">
             <a:avLst/>
@@ -9539,7 +9860,7 @@
                 </a:solidFill>
                 <a:latin typeface="+mn-ea"/>
               </a:rPr>
-              <a:t>流程部署</a:t>
+              <a:t>流程设计</a:t>
             </a:r>
             <a:endParaRPr lang="en-US" sz="1400" b="1" dirty="0">
               <a:solidFill>
@@ -9552,10 +9873,10 @@
       </p:sp>
       <p:sp>
         <p:nvSpPr>
-          <p:cNvPr id="46" name="Rectangle 29">
-            <a:extLst>
-              <a:ext uri="{FF2B5EF4-FFF2-40B4-BE49-F238E27FC236}">
-                <a16:creationId xmlns:a16="http://schemas.microsoft.com/office/drawing/2014/main" id="{2231D93D-6A26-49C3-B8E0-283EC8C32D6E}"/>
+          <p:cNvPr id="41" name="Rectangle 49">
+            <a:extLst>
+              <a:ext uri="{FF2B5EF4-FFF2-40B4-BE49-F238E27FC236}">
+                <a16:creationId xmlns:a16="http://schemas.microsoft.com/office/drawing/2014/main" id="{2CDE2274-B53A-44DE-9CCB-659106417ECD}"/>
               </a:ext>
             </a:extLst>
           </p:cNvPr>
@@ -9564,14 +9885,14 @@
         </p:nvSpPr>
         <p:spPr>
           <a:xfrm>
-            <a:off x="5012341" y="1017514"/>
-            <a:ext cx="6565601" cy="456805"/>
+            <a:off x="10131079" y="2017579"/>
+            <a:ext cx="1681466" cy="360000"/>
           </a:xfrm>
           <a:prstGeom prst="rect">
             <a:avLst/>
           </a:prstGeom>
           <a:solidFill>
-            <a:srgbClr val="2980B9"/>
+            <a:schemeClr val="bg1"/>
           </a:solidFill>
           <a:ln>
             <a:noFill/>
@@ -9594,24 +9915,34 @@
           </a:fontRef>
         </p:style>
         <p:txBody>
-          <a:bodyPr rtlCol="0" anchor="t"/>
+          <a:bodyPr rtlCol="0" anchor="ctr"/>
           <a:lstStyle/>
           <a:p>
             <a:pPr algn="ctr"/>
             <a:r>
-              <a:rPr lang="zh-CN" altLang="en-US" sz="2400" b="1" dirty="0"/>
-              <a:t>流程管理平台</a:t>
-            </a:r>
-            <a:endParaRPr lang="en-US" sz="2400" b="1" dirty="0"/>
-          </a:p>
-        </p:txBody>
-      </p:sp>
-      <p:sp>
-        <p:nvSpPr>
-          <p:cNvPr id="49" name="Rectangle 29">
-            <a:extLst>
-              <a:ext uri="{FF2B5EF4-FFF2-40B4-BE49-F238E27FC236}">
-                <a16:creationId xmlns:a16="http://schemas.microsoft.com/office/drawing/2014/main" id="{7E68200E-5A82-4A2D-B0B3-F5B00679DDDE}"/>
+              <a:rPr lang="zh-CN" altLang="en-US" sz="1400" b="1" dirty="0">
+                <a:solidFill>
+                  <a:srgbClr val="1ABC9C"/>
+                </a:solidFill>
+                <a:latin typeface="+mn-ea"/>
+              </a:rPr>
+              <a:t>流程部署</a:t>
+            </a:r>
+            <a:endParaRPr lang="en-US" sz="1400" b="1" dirty="0">
+              <a:solidFill>
+                <a:srgbClr val="1ABC9C"/>
+              </a:solidFill>
+              <a:latin typeface="+mn-ea"/>
+            </a:endParaRPr>
+          </a:p>
+        </p:txBody>
+      </p:sp>
+      <p:sp>
+        <p:nvSpPr>
+          <p:cNvPr id="46" name="Rectangle 29">
+            <a:extLst>
+              <a:ext uri="{FF2B5EF4-FFF2-40B4-BE49-F238E27FC236}">
+                <a16:creationId xmlns:a16="http://schemas.microsoft.com/office/drawing/2014/main" id="{2231D93D-6A26-49C3-B8E0-283EC8C32D6E}"/>
               </a:ext>
             </a:extLst>
           </p:cNvPr>
@@ -9620,8 +9951,8 @@
         </p:nvSpPr>
         <p:spPr>
           <a:xfrm>
-            <a:off x="5025041" y="4174187"/>
-            <a:ext cx="3888342" cy="456805"/>
+            <a:off x="4064672" y="1001047"/>
+            <a:ext cx="7912838" cy="456805"/>
           </a:xfrm>
           <a:prstGeom prst="rect">
             <a:avLst/>
@@ -9655,23 +9986,19 @@
           <a:p>
             <a:pPr algn="ctr"/>
             <a:r>
-              <a:rPr lang="zh-CN" altLang="en-US" dirty="0"/>
-              <a:t>工作流分类管理</a:t>
-            </a:r>
-            <a:endParaRPr lang="en-US" altLang="zh-CN" dirty="0"/>
-          </a:p>
-          <a:p>
-            <a:pPr algn="ctr"/>
-            <a:endParaRPr lang="en-US" b="1" dirty="0"/>
-          </a:p>
-        </p:txBody>
-      </p:sp>
-      <p:sp>
-        <p:nvSpPr>
-          <p:cNvPr id="54" name="Rectangle 45">
-            <a:extLst>
-              <a:ext uri="{FF2B5EF4-FFF2-40B4-BE49-F238E27FC236}">
-                <a16:creationId xmlns:a16="http://schemas.microsoft.com/office/drawing/2014/main" id="{F7CAACE0-C1BD-4837-A59D-E067851A303F}"/>
+              <a:rPr lang="zh-CN" altLang="en-US" sz="2400" b="1" dirty="0"/>
+              <a:t>流程管理平台</a:t>
+            </a:r>
+            <a:endParaRPr lang="en-US" sz="2400" b="1" dirty="0"/>
+          </a:p>
+        </p:txBody>
+      </p:sp>
+      <p:sp>
+        <p:nvSpPr>
+          <p:cNvPr id="49" name="Rectangle 29">
+            <a:extLst>
+              <a:ext uri="{FF2B5EF4-FFF2-40B4-BE49-F238E27FC236}">
+                <a16:creationId xmlns:a16="http://schemas.microsoft.com/office/drawing/2014/main" id="{7E68200E-5A82-4A2D-B0B3-F5B00679DDDE}"/>
               </a:ext>
             </a:extLst>
           </p:cNvPr>
@@ -9680,14 +10007,14 @@
         </p:nvSpPr>
         <p:spPr>
           <a:xfrm>
-            <a:off x="5176239" y="2034046"/>
-            <a:ext cx="1701185" cy="360000"/>
+            <a:off x="4077372" y="4157720"/>
+            <a:ext cx="3888342" cy="456805"/>
           </a:xfrm>
           <a:prstGeom prst="rect">
             <a:avLst/>
           </a:prstGeom>
           <a:solidFill>
-            <a:schemeClr val="bg1"/>
+            <a:srgbClr val="2980B9"/>
           </a:solidFill>
           <a:ln>
             <a:noFill/>
@@ -9710,34 +10037,28 @@
           </a:fontRef>
         </p:style>
         <p:txBody>
-          <a:bodyPr rtlCol="0" anchor="ctr"/>
+          <a:bodyPr rtlCol="0" anchor="t"/>
           <a:lstStyle/>
           <a:p>
             <a:pPr algn="ctr"/>
             <a:r>
-              <a:rPr lang="zh-CN" altLang="en-US" sz="1400" b="1" dirty="0">
-                <a:solidFill>
-                  <a:srgbClr val="1ABC9C"/>
-                </a:solidFill>
-                <a:latin typeface="+mn-ea"/>
-              </a:rPr>
-              <a:t>应用基本信息配置</a:t>
-            </a:r>
-            <a:endParaRPr lang="en-US" sz="1400" b="1" dirty="0">
-              <a:solidFill>
-                <a:srgbClr val="1ABC9C"/>
-              </a:solidFill>
-              <a:latin typeface="+mn-ea"/>
-            </a:endParaRPr>
-          </a:p>
-        </p:txBody>
-      </p:sp>
-      <p:sp>
-        <p:nvSpPr>
-          <p:cNvPr id="55" name="Rectangle 45">
-            <a:extLst>
-              <a:ext uri="{FF2B5EF4-FFF2-40B4-BE49-F238E27FC236}">
-                <a16:creationId xmlns:a16="http://schemas.microsoft.com/office/drawing/2014/main" id="{57FA7916-B46E-4833-B153-57995E0C1ABC}"/>
+              <a:rPr lang="zh-CN" altLang="en-US" dirty="0"/>
+              <a:t>工作流分类管理</a:t>
+            </a:r>
+            <a:endParaRPr lang="en-US" altLang="zh-CN" dirty="0"/>
+          </a:p>
+          <a:p>
+            <a:pPr algn="ctr"/>
+            <a:endParaRPr lang="en-US" b="1" dirty="0"/>
+          </a:p>
+        </p:txBody>
+      </p:sp>
+      <p:sp>
+        <p:nvSpPr>
+          <p:cNvPr id="54" name="Rectangle 45">
+            <a:extLst>
+              <a:ext uri="{FF2B5EF4-FFF2-40B4-BE49-F238E27FC236}">
+                <a16:creationId xmlns:a16="http://schemas.microsoft.com/office/drawing/2014/main" id="{F7CAACE0-C1BD-4837-A59D-E067851A303F}"/>
               </a:ext>
             </a:extLst>
           </p:cNvPr>
@@ -9746,8 +10067,8 @@
         </p:nvSpPr>
         <p:spPr>
           <a:xfrm>
-            <a:off x="7039305" y="2034046"/>
-            <a:ext cx="1701185" cy="360000"/>
+            <a:off x="4228570" y="2017579"/>
+            <a:ext cx="1718084" cy="360000"/>
           </a:xfrm>
           <a:prstGeom prst="rect">
             <a:avLst/>
@@ -9787,25 +10108,7 @@
                 </a:solidFill>
                 <a:latin typeface="+mn-ea"/>
               </a:rPr>
-              <a:t>应用接口开通</a:t>
-            </a:r>
-            <a:r>
-              <a:rPr lang="en-US" altLang="zh-CN" sz="1400" b="1" dirty="0">
-                <a:solidFill>
-                  <a:srgbClr val="1ABC9C"/>
-                </a:solidFill>
-                <a:latin typeface="+mn-ea"/>
-              </a:rPr>
-              <a:t>/</a:t>
-            </a:r>
-            <a:r>
-              <a:rPr lang="zh-CN" altLang="en-US" sz="1400" b="1" dirty="0">
-                <a:solidFill>
-                  <a:srgbClr val="1ABC9C"/>
-                </a:solidFill>
-                <a:latin typeface="+mn-ea"/>
-              </a:rPr>
-              <a:t>关闭</a:t>
+              <a:t>应用基本信息配置</a:t>
             </a:r>
             <a:endParaRPr lang="en-US" sz="1400" b="1" dirty="0">
               <a:solidFill>
@@ -9818,10 +10121,10 @@
       </p:sp>
       <p:sp>
         <p:nvSpPr>
-          <p:cNvPr id="56" name="Rectangle 45">
-            <a:extLst>
-              <a:ext uri="{FF2B5EF4-FFF2-40B4-BE49-F238E27FC236}">
-                <a16:creationId xmlns:a16="http://schemas.microsoft.com/office/drawing/2014/main" id="{2966F7E6-7850-4268-8C83-DAEA31B8838F}"/>
+          <p:cNvPr id="55" name="Rectangle 45">
+            <a:extLst>
+              <a:ext uri="{FF2B5EF4-FFF2-40B4-BE49-F238E27FC236}">
+                <a16:creationId xmlns:a16="http://schemas.microsoft.com/office/drawing/2014/main" id="{57FA7916-B46E-4833-B153-57995E0C1ABC}"/>
               </a:ext>
             </a:extLst>
           </p:cNvPr>
@@ -9830,8 +10133,8 @@
         </p:nvSpPr>
         <p:spPr>
           <a:xfrm>
-            <a:off x="5191704" y="2509202"/>
-            <a:ext cx="1702619" cy="360000"/>
+            <a:off x="6091636" y="2017579"/>
+            <a:ext cx="1701185" cy="360000"/>
           </a:xfrm>
           <a:prstGeom prst="rect">
             <a:avLst/>
@@ -9871,7 +10174,25 @@
                 </a:solidFill>
                 <a:latin typeface="+mn-ea"/>
               </a:rPr>
-              <a:t>接口安全配置</a:t>
+              <a:t>应用接口开通</a:t>
+            </a:r>
+            <a:r>
+              <a:rPr lang="en-US" altLang="zh-CN" sz="1400" b="1" dirty="0">
+                <a:solidFill>
+                  <a:srgbClr val="1ABC9C"/>
+                </a:solidFill>
+                <a:latin typeface="+mn-ea"/>
+              </a:rPr>
+              <a:t>/</a:t>
+            </a:r>
+            <a:r>
+              <a:rPr lang="zh-CN" altLang="en-US" sz="1400" b="1" dirty="0">
+                <a:solidFill>
+                  <a:srgbClr val="1ABC9C"/>
+                </a:solidFill>
+                <a:latin typeface="+mn-ea"/>
+              </a:rPr>
+              <a:t>关闭</a:t>
             </a:r>
             <a:endParaRPr lang="en-US" sz="1400" b="1" dirty="0">
               <a:solidFill>
@@ -9884,10 +10205,10 @@
       </p:sp>
       <p:sp>
         <p:nvSpPr>
-          <p:cNvPr id="57" name="Rectangle 45">
-            <a:extLst>
-              <a:ext uri="{FF2B5EF4-FFF2-40B4-BE49-F238E27FC236}">
-                <a16:creationId xmlns:a16="http://schemas.microsoft.com/office/drawing/2014/main" id="{6582803F-4C83-4822-B9FF-6BCF9577CC71}"/>
+          <p:cNvPr id="56" name="Rectangle 45">
+            <a:extLst>
+              <a:ext uri="{FF2B5EF4-FFF2-40B4-BE49-F238E27FC236}">
+                <a16:creationId xmlns:a16="http://schemas.microsoft.com/office/drawing/2014/main" id="{2966F7E6-7850-4268-8C83-DAEA31B8838F}"/>
               </a:ext>
             </a:extLst>
           </p:cNvPr>
@@ -9896,8 +10217,8 @@
         </p:nvSpPr>
         <p:spPr>
           <a:xfrm>
-            <a:off x="5191704" y="2966924"/>
-            <a:ext cx="1708851" cy="360000"/>
+            <a:off x="4244035" y="2492735"/>
+            <a:ext cx="1702619" cy="360000"/>
           </a:xfrm>
           <a:prstGeom prst="rect">
             <a:avLst/>
@@ -9937,7 +10258,7 @@
                 </a:solidFill>
                 <a:latin typeface="+mn-ea"/>
               </a:rPr>
-              <a:t>接口流量配置</a:t>
+              <a:t>接口安全配置</a:t>
             </a:r>
             <a:endParaRPr lang="en-US" sz="1400" b="1" dirty="0">
               <a:solidFill>
@@ -9950,10 +10271,10 @@
       </p:sp>
       <p:sp>
         <p:nvSpPr>
-          <p:cNvPr id="58" name="Rectangle 45">
-            <a:extLst>
-              <a:ext uri="{FF2B5EF4-FFF2-40B4-BE49-F238E27FC236}">
-                <a16:creationId xmlns:a16="http://schemas.microsoft.com/office/drawing/2014/main" id="{54F5A99C-D7C3-42BF-B0AD-B079741AE22F}"/>
+          <p:cNvPr id="57" name="Rectangle 45">
+            <a:extLst>
+              <a:ext uri="{FF2B5EF4-FFF2-40B4-BE49-F238E27FC236}">
+                <a16:creationId xmlns:a16="http://schemas.microsoft.com/office/drawing/2014/main" id="{6582803F-4C83-4822-B9FF-6BCF9577CC71}"/>
               </a:ext>
             </a:extLst>
           </p:cNvPr>
@@ -9962,7 +10283,7 @@
         </p:nvSpPr>
         <p:spPr>
           <a:xfrm>
-            <a:off x="7031638" y="2971044"/>
+            <a:off x="4244035" y="2950457"/>
             <a:ext cx="1708851" cy="360000"/>
           </a:xfrm>
           <a:prstGeom prst="rect">
@@ -10003,7 +10324,7 @@
                 </a:solidFill>
                 <a:latin typeface="+mn-ea"/>
               </a:rPr>
-              <a:t>调用预警通知配置</a:t>
+              <a:t>接口流量配置</a:t>
             </a:r>
             <a:endParaRPr lang="en-US" sz="1400" b="1" dirty="0">
               <a:solidFill>
@@ -10016,10 +10337,10 @@
       </p:sp>
       <p:sp>
         <p:nvSpPr>
-          <p:cNvPr id="59" name="Rectangle 45">
-            <a:extLst>
-              <a:ext uri="{FF2B5EF4-FFF2-40B4-BE49-F238E27FC236}">
-                <a16:creationId xmlns:a16="http://schemas.microsoft.com/office/drawing/2014/main" id="{70262A2C-1FD5-4AA4-8165-A8179D2FD2CA}"/>
+          <p:cNvPr id="58" name="Rectangle 45">
+            <a:extLst>
+              <a:ext uri="{FF2B5EF4-FFF2-40B4-BE49-F238E27FC236}">
+                <a16:creationId xmlns:a16="http://schemas.microsoft.com/office/drawing/2014/main" id="{54F5A99C-D7C3-42BF-B0AD-B079741AE22F}"/>
               </a:ext>
             </a:extLst>
           </p:cNvPr>
@@ -10028,8 +10349,8 @@
         </p:nvSpPr>
         <p:spPr>
           <a:xfrm>
-            <a:off x="7034753" y="2509202"/>
-            <a:ext cx="1702619" cy="360000"/>
+            <a:off x="6073286" y="3422306"/>
+            <a:ext cx="1708851" cy="360000"/>
           </a:xfrm>
           <a:prstGeom prst="rect">
             <a:avLst/>
@@ -10069,7 +10390,7 @@
                 </a:solidFill>
                 <a:latin typeface="+mn-ea"/>
               </a:rPr>
-              <a:t>接口流量自助配置</a:t>
+              <a:t>调用预警通知配置</a:t>
             </a:r>
             <a:endParaRPr lang="en-US" sz="1400" b="1" dirty="0">
               <a:solidFill>
@@ -10082,10 +10403,10 @@
       </p:sp>
       <p:sp>
         <p:nvSpPr>
-          <p:cNvPr id="60" name="Rectangle 45">
-            <a:extLst>
-              <a:ext uri="{FF2B5EF4-FFF2-40B4-BE49-F238E27FC236}">
-                <a16:creationId xmlns:a16="http://schemas.microsoft.com/office/drawing/2014/main" id="{8230348A-9BC1-40AB-B634-54304FEEE350}"/>
+          <p:cNvPr id="59" name="Rectangle 45">
+            <a:extLst>
+              <a:ext uri="{FF2B5EF4-FFF2-40B4-BE49-F238E27FC236}">
+                <a16:creationId xmlns:a16="http://schemas.microsoft.com/office/drawing/2014/main" id="{70262A2C-1FD5-4AA4-8165-A8179D2FD2CA}"/>
               </a:ext>
             </a:extLst>
           </p:cNvPr>
@@ -10094,8 +10415,8 @@
         </p:nvSpPr>
         <p:spPr>
           <a:xfrm>
-            <a:off x="5191704" y="3442368"/>
-            <a:ext cx="1708851" cy="360000"/>
+            <a:off x="6073287" y="2958235"/>
+            <a:ext cx="1700574" cy="360000"/>
           </a:xfrm>
           <a:prstGeom prst="rect">
             <a:avLst/>
@@ -10135,7 +10456,7 @@
                 </a:solidFill>
                 <a:latin typeface="+mn-ea"/>
               </a:rPr>
-              <a:t>接口调用日志查询</a:t>
+              <a:t>接口流量自助配置</a:t>
             </a:r>
             <a:endParaRPr lang="en-US" sz="1400" b="1" dirty="0">
               <a:solidFill>
@@ -10148,10 +10469,10 @@
       </p:sp>
       <p:sp>
         <p:nvSpPr>
-          <p:cNvPr id="62" name="Rectangle 49">
-            <a:extLst>
-              <a:ext uri="{FF2B5EF4-FFF2-40B4-BE49-F238E27FC236}">
-                <a16:creationId xmlns:a16="http://schemas.microsoft.com/office/drawing/2014/main" id="{750BD9BE-DFE7-439D-B7AB-9D9326FFA2AB}"/>
+          <p:cNvPr id="60" name="Rectangle 45">
+            <a:extLst>
+              <a:ext uri="{FF2B5EF4-FFF2-40B4-BE49-F238E27FC236}">
+                <a16:creationId xmlns:a16="http://schemas.microsoft.com/office/drawing/2014/main" id="{8230348A-9BC1-40AB-B634-54304FEEE350}"/>
               </a:ext>
             </a:extLst>
           </p:cNvPr>
@@ -10160,8 +10481,8 @@
         </p:nvSpPr>
         <p:spPr>
           <a:xfrm>
-            <a:off x="793940" y="3668149"/>
-            <a:ext cx="3285135" cy="360000"/>
+            <a:off x="4244035" y="3425901"/>
+            <a:ext cx="1708851" cy="360000"/>
           </a:xfrm>
           <a:prstGeom prst="rect">
             <a:avLst/>
@@ -10201,7 +10522,7 @@
                 </a:solidFill>
                 <a:latin typeface="+mn-ea"/>
               </a:rPr>
-              <a:t>租户流量管理</a:t>
+              <a:t>接口调用日志查询</a:t>
             </a:r>
             <a:endParaRPr lang="en-US" sz="1400" b="1" dirty="0">
               <a:solidFill>
@@ -10214,10 +10535,10 @@
       </p:sp>
       <p:sp>
         <p:nvSpPr>
-          <p:cNvPr id="63" name="Rectangle 49">
-            <a:extLst>
-              <a:ext uri="{FF2B5EF4-FFF2-40B4-BE49-F238E27FC236}">
-                <a16:creationId xmlns:a16="http://schemas.microsoft.com/office/drawing/2014/main" id="{FE794726-55DE-455D-9273-9B4F16A1A8C7}"/>
+          <p:cNvPr id="62" name="Rectangle 49">
+            <a:extLst>
+              <a:ext uri="{FF2B5EF4-FFF2-40B4-BE49-F238E27FC236}">
+                <a16:creationId xmlns:a16="http://schemas.microsoft.com/office/drawing/2014/main" id="{750BD9BE-DFE7-439D-B7AB-9D9326FFA2AB}"/>
               </a:ext>
             </a:extLst>
           </p:cNvPr>
@@ -10226,7 +10547,7 @@
         </p:nvSpPr>
         <p:spPr>
           <a:xfrm>
-            <a:off x="793940" y="4174187"/>
+            <a:off x="394372" y="3651682"/>
             <a:ext cx="3285135" cy="360000"/>
           </a:xfrm>
           <a:prstGeom prst="rect">
@@ -10267,7 +10588,7 @@
                 </a:solidFill>
                 <a:latin typeface="+mn-ea"/>
               </a:rPr>
-              <a:t>死信队列管理</a:t>
+              <a:t>租户流量管理</a:t>
             </a:r>
             <a:endParaRPr lang="en-US" sz="1400" b="1" dirty="0">
               <a:solidFill>
@@ -10280,10 +10601,10 @@
       </p:sp>
       <p:sp>
         <p:nvSpPr>
-          <p:cNvPr id="64" name="Rectangle 49">
-            <a:extLst>
-              <a:ext uri="{FF2B5EF4-FFF2-40B4-BE49-F238E27FC236}">
-                <a16:creationId xmlns:a16="http://schemas.microsoft.com/office/drawing/2014/main" id="{06508160-8E9B-4D20-BB02-1B6D7FC3911C}"/>
+          <p:cNvPr id="63" name="Rectangle 49">
+            <a:extLst>
+              <a:ext uri="{FF2B5EF4-FFF2-40B4-BE49-F238E27FC236}">
+                <a16:creationId xmlns:a16="http://schemas.microsoft.com/office/drawing/2014/main" id="{FE794726-55DE-455D-9273-9B4F16A1A8C7}"/>
               </a:ext>
             </a:extLst>
           </p:cNvPr>
@@ -10292,7 +10613,7 @@
         </p:nvSpPr>
         <p:spPr>
           <a:xfrm>
-            <a:off x="793940" y="4686820"/>
+            <a:off x="394372" y="4157720"/>
             <a:ext cx="3285135" cy="360000"/>
           </a:xfrm>
           <a:prstGeom prst="rect">
@@ -10333,7 +10654,7 @@
                 </a:solidFill>
                 <a:latin typeface="+mn-ea"/>
               </a:rPr>
-              <a:t>缓存刷新配置</a:t>
+              <a:t>死信队列管理</a:t>
             </a:r>
             <a:endParaRPr lang="en-US" sz="1400" b="1" dirty="0">
               <a:solidFill>
@@ -10346,10 +10667,10 @@
       </p:sp>
       <p:sp>
         <p:nvSpPr>
-          <p:cNvPr id="65" name="Rectangle 49">
-            <a:extLst>
-              <a:ext uri="{FF2B5EF4-FFF2-40B4-BE49-F238E27FC236}">
-                <a16:creationId xmlns:a16="http://schemas.microsoft.com/office/drawing/2014/main" id="{107E60E9-B63D-4558-A793-D4EF74F511C3}"/>
+          <p:cNvPr id="64" name="Rectangle 49">
+            <a:extLst>
+              <a:ext uri="{FF2B5EF4-FFF2-40B4-BE49-F238E27FC236}">
+                <a16:creationId xmlns:a16="http://schemas.microsoft.com/office/drawing/2014/main" id="{06508160-8E9B-4D20-BB02-1B6D7FC3911C}"/>
               </a:ext>
             </a:extLst>
           </p:cNvPr>
@@ -10358,7 +10679,7 @@
         </p:nvSpPr>
         <p:spPr>
           <a:xfrm>
-            <a:off x="779022" y="5195781"/>
+            <a:off x="394372" y="4670353"/>
             <a:ext cx="3285135" cy="360000"/>
           </a:xfrm>
           <a:prstGeom prst="rect">
@@ -10393,13 +10714,13 @@
           <a:p>
             <a:pPr algn="ctr"/>
             <a:r>
-              <a:rPr lang="en-US" altLang="zh-CN" sz="1400" b="1" dirty="0">
+              <a:rPr lang="zh-CN" altLang="en-US" sz="1400" b="1" dirty="0">
                 <a:solidFill>
                   <a:srgbClr val="1ABC9C"/>
                 </a:solidFill>
                 <a:latin typeface="+mn-ea"/>
               </a:rPr>
-              <a:t>+</a:t>
+              <a:t>缓存刷新配置</a:t>
             </a:r>
             <a:endParaRPr lang="en-US" sz="1400" b="1" dirty="0">
               <a:solidFill>
@@ -10412,10 +10733,10 @@
       </p:sp>
       <p:sp>
         <p:nvSpPr>
-          <p:cNvPr id="67" name="Rectangle 49">
-            <a:extLst>
-              <a:ext uri="{FF2B5EF4-FFF2-40B4-BE49-F238E27FC236}">
-                <a16:creationId xmlns:a16="http://schemas.microsoft.com/office/drawing/2014/main" id="{6AFBA233-3AA2-47E4-A46F-833AE4E4C4DE}"/>
+          <p:cNvPr id="65" name="Rectangle 49">
+            <a:extLst>
+              <a:ext uri="{FF2B5EF4-FFF2-40B4-BE49-F238E27FC236}">
+                <a16:creationId xmlns:a16="http://schemas.microsoft.com/office/drawing/2014/main" id="{107E60E9-B63D-4558-A793-D4EF74F511C3}"/>
               </a:ext>
             </a:extLst>
           </p:cNvPr>
@@ -10424,8 +10745,8 @@
         </p:nvSpPr>
         <p:spPr>
           <a:xfrm>
-            <a:off x="9354526" y="5120504"/>
-            <a:ext cx="1902675" cy="360000"/>
+            <a:off x="379454" y="5179314"/>
+            <a:ext cx="3285135" cy="360000"/>
           </a:xfrm>
           <a:prstGeom prst="rect">
             <a:avLst/>
@@ -10459,13 +10780,13 @@
           <a:p>
             <a:pPr algn="ctr"/>
             <a:r>
-              <a:rPr lang="zh-CN" altLang="en-US" sz="1400" b="1" dirty="0">
+              <a:rPr lang="en-US" altLang="zh-CN" sz="1400" b="1" dirty="0">
                 <a:solidFill>
                   <a:srgbClr val="1ABC9C"/>
                 </a:solidFill>
                 <a:latin typeface="+mn-ea"/>
               </a:rPr>
-              <a:t>流程实例管理</a:t>
+              <a:t>+</a:t>
             </a:r>
             <a:endParaRPr lang="en-US" sz="1400" b="1" dirty="0">
               <a:solidFill>
@@ -10478,10 +10799,10 @@
       </p:sp>
       <p:sp>
         <p:nvSpPr>
-          <p:cNvPr id="68" name="Rectangle 49">
-            <a:extLst>
-              <a:ext uri="{FF2B5EF4-FFF2-40B4-BE49-F238E27FC236}">
-                <a16:creationId xmlns:a16="http://schemas.microsoft.com/office/drawing/2014/main" id="{0C74EDD9-724C-48F6-886E-F351DE3CBC25}"/>
+          <p:cNvPr id="67" name="Rectangle 49">
+            <a:extLst>
+              <a:ext uri="{FF2B5EF4-FFF2-40B4-BE49-F238E27FC236}">
+                <a16:creationId xmlns:a16="http://schemas.microsoft.com/office/drawing/2014/main" id="{6AFBA233-3AA2-47E4-A46F-833AE4E4C4DE}"/>
               </a:ext>
             </a:extLst>
           </p:cNvPr>
@@ -10490,8 +10811,8 @@
         </p:nvSpPr>
         <p:spPr>
           <a:xfrm>
-            <a:off x="9354526" y="5608501"/>
-            <a:ext cx="1902675" cy="360000"/>
+            <a:off x="8242096" y="5548961"/>
+            <a:ext cx="1757902" cy="360000"/>
           </a:xfrm>
           <a:prstGeom prst="rect">
             <a:avLst/>
@@ -10531,7 +10852,7 @@
                 </a:solidFill>
                 <a:latin typeface="+mn-ea"/>
               </a:rPr>
-              <a:t>委办代理设置</a:t>
+              <a:t>流程信息管理</a:t>
             </a:r>
             <a:endParaRPr lang="en-US" sz="1400" b="1" dirty="0">
               <a:solidFill>
@@ -10544,10 +10865,10 @@
       </p:sp>
       <p:sp>
         <p:nvSpPr>
-          <p:cNvPr id="35" name="Rectangle 49">
-            <a:extLst>
-              <a:ext uri="{FF2B5EF4-FFF2-40B4-BE49-F238E27FC236}">
-                <a16:creationId xmlns:a16="http://schemas.microsoft.com/office/drawing/2014/main" id="{80990552-2BEC-4FBA-9B4C-96391A06F219}"/>
+          <p:cNvPr id="68" name="Rectangle 49">
+            <a:extLst>
+              <a:ext uri="{FF2B5EF4-FFF2-40B4-BE49-F238E27FC236}">
+                <a16:creationId xmlns:a16="http://schemas.microsoft.com/office/drawing/2014/main" id="{0C74EDD9-724C-48F6-886E-F351DE3CBC25}"/>
               </a:ext>
             </a:extLst>
           </p:cNvPr>
@@ -10556,8 +10877,8 @@
         </p:nvSpPr>
         <p:spPr>
           <a:xfrm>
-            <a:off x="9369040" y="6064742"/>
-            <a:ext cx="1902675" cy="360000"/>
+            <a:off x="10131079" y="2496035"/>
+            <a:ext cx="1681466" cy="360000"/>
           </a:xfrm>
           <a:prstGeom prst="rect">
             <a:avLst/>
@@ -10591,13 +10912,409 @@
           <a:p>
             <a:pPr algn="ctr"/>
             <a:r>
-              <a:rPr lang="en-US" altLang="zh-CN" sz="1400" b="1" dirty="0">
+              <a:rPr lang="zh-CN" altLang="en-US" sz="1400" b="1" dirty="0">
                 <a:solidFill>
                   <a:srgbClr val="1ABC9C"/>
                 </a:solidFill>
                 <a:latin typeface="+mn-ea"/>
               </a:rPr>
-              <a:t>+</a:t>
+              <a:t>委办代理设置</a:t>
+            </a:r>
+            <a:endParaRPr lang="en-US" sz="1400" b="1" dirty="0">
+              <a:solidFill>
+                <a:srgbClr val="1ABC9C"/>
+              </a:solidFill>
+              <a:latin typeface="+mn-ea"/>
+            </a:endParaRPr>
+          </a:p>
+        </p:txBody>
+      </p:sp>
+      <p:sp>
+        <p:nvSpPr>
+          <p:cNvPr id="35" name="Rectangle 49">
+            <a:extLst>
+              <a:ext uri="{FF2B5EF4-FFF2-40B4-BE49-F238E27FC236}">
+                <a16:creationId xmlns:a16="http://schemas.microsoft.com/office/drawing/2014/main" id="{80990552-2BEC-4FBA-9B4C-96391A06F219}"/>
+              </a:ext>
+            </a:extLst>
+          </p:cNvPr>
+          <p:cNvSpPr/>
+          <p:nvPr/>
+        </p:nvSpPr>
+        <p:spPr>
+          <a:xfrm>
+            <a:off x="10113519" y="5544033"/>
+            <a:ext cx="1699025" cy="360000"/>
+          </a:xfrm>
+          <a:prstGeom prst="rect">
+            <a:avLst/>
+          </a:prstGeom>
+          <a:solidFill>
+            <a:schemeClr val="bg1"/>
+          </a:solidFill>
+          <a:ln>
+            <a:noFill/>
+          </a:ln>
+        </p:spPr>
+        <p:style>
+          <a:lnRef idx="2">
+            <a:schemeClr val="accent1">
+              <a:shade val="50000"/>
+            </a:schemeClr>
+          </a:lnRef>
+          <a:fillRef idx="1">
+            <a:schemeClr val="accent1"/>
+          </a:fillRef>
+          <a:effectRef idx="0">
+            <a:schemeClr val="accent1"/>
+          </a:effectRef>
+          <a:fontRef idx="minor">
+            <a:schemeClr val="lt1"/>
+          </a:fontRef>
+        </p:style>
+        <p:txBody>
+          <a:bodyPr rtlCol="0" anchor="ctr"/>
+          <a:lstStyle/>
+          <a:p>
+            <a:pPr algn="ctr"/>
+            <a:r>
+              <a:rPr lang="zh-CN" altLang="en-US" sz="1400" b="1" dirty="0">
+                <a:solidFill>
+                  <a:srgbClr val="1ABC9C"/>
+                </a:solidFill>
+                <a:latin typeface="+mn-ea"/>
+              </a:rPr>
+              <a:t>流程控制</a:t>
+            </a:r>
+            <a:endParaRPr lang="en-US" sz="1400" b="1" dirty="0">
+              <a:solidFill>
+                <a:srgbClr val="1ABC9C"/>
+              </a:solidFill>
+              <a:latin typeface="+mn-ea"/>
+            </a:endParaRPr>
+          </a:p>
+        </p:txBody>
+      </p:sp>
+      <p:sp>
+        <p:nvSpPr>
+          <p:cNvPr id="43" name="Rectangle 49">
+            <a:extLst>
+              <a:ext uri="{FF2B5EF4-FFF2-40B4-BE49-F238E27FC236}">
+                <a16:creationId xmlns:a16="http://schemas.microsoft.com/office/drawing/2014/main" id="{3E79FCF6-52E6-40DF-AC93-213DD10AF25F}"/>
+              </a:ext>
+            </a:extLst>
+          </p:cNvPr>
+          <p:cNvSpPr/>
+          <p:nvPr/>
+        </p:nvSpPr>
+        <p:spPr>
+          <a:xfrm>
+            <a:off x="8242095" y="2958235"/>
+            <a:ext cx="1757902" cy="360000"/>
+          </a:xfrm>
+          <a:prstGeom prst="rect">
+            <a:avLst/>
+          </a:prstGeom>
+          <a:solidFill>
+            <a:schemeClr val="bg1"/>
+          </a:solidFill>
+          <a:ln>
+            <a:noFill/>
+          </a:ln>
+        </p:spPr>
+        <p:style>
+          <a:lnRef idx="2">
+            <a:schemeClr val="accent1">
+              <a:shade val="50000"/>
+            </a:schemeClr>
+          </a:lnRef>
+          <a:fillRef idx="1">
+            <a:schemeClr val="accent1"/>
+          </a:fillRef>
+          <a:effectRef idx="0">
+            <a:schemeClr val="accent1"/>
+          </a:effectRef>
+          <a:fontRef idx="minor">
+            <a:schemeClr val="lt1"/>
+          </a:fontRef>
+        </p:style>
+        <p:txBody>
+          <a:bodyPr rtlCol="0" anchor="ctr"/>
+          <a:lstStyle/>
+          <a:p>
+            <a:pPr algn="ctr"/>
+            <a:r>
+              <a:rPr lang="zh-CN" altLang="en-US" sz="1400" b="1" dirty="0">
+                <a:solidFill>
+                  <a:srgbClr val="1ABC9C"/>
+                </a:solidFill>
+                <a:latin typeface="+mn-ea"/>
+              </a:rPr>
+              <a:t>投票规则配置</a:t>
+            </a:r>
+            <a:endParaRPr lang="en-US" sz="1400" b="1" dirty="0">
+              <a:solidFill>
+                <a:srgbClr val="1ABC9C"/>
+              </a:solidFill>
+              <a:latin typeface="+mn-ea"/>
+            </a:endParaRPr>
+          </a:p>
+        </p:txBody>
+      </p:sp>
+      <p:sp>
+        <p:nvSpPr>
+          <p:cNvPr id="44" name="Rectangle 45">
+            <a:extLst>
+              <a:ext uri="{FF2B5EF4-FFF2-40B4-BE49-F238E27FC236}">
+                <a16:creationId xmlns:a16="http://schemas.microsoft.com/office/drawing/2014/main" id="{9CBBC1C5-FAFC-4FAE-ADE9-334F9CA696B4}"/>
+              </a:ext>
+            </a:extLst>
+          </p:cNvPr>
+          <p:cNvSpPr/>
+          <p:nvPr/>
+        </p:nvSpPr>
+        <p:spPr>
+          <a:xfrm>
+            <a:off x="6083292" y="2486609"/>
+            <a:ext cx="1698846" cy="360000"/>
+          </a:xfrm>
+          <a:prstGeom prst="rect">
+            <a:avLst/>
+          </a:prstGeom>
+          <a:solidFill>
+            <a:schemeClr val="bg1"/>
+          </a:solidFill>
+          <a:ln>
+            <a:noFill/>
+          </a:ln>
+        </p:spPr>
+        <p:style>
+          <a:lnRef idx="2">
+            <a:schemeClr val="accent1">
+              <a:shade val="50000"/>
+            </a:schemeClr>
+          </a:lnRef>
+          <a:fillRef idx="1">
+            <a:schemeClr val="accent1"/>
+          </a:fillRef>
+          <a:effectRef idx="0">
+            <a:schemeClr val="accent1"/>
+          </a:effectRef>
+          <a:fontRef idx="minor">
+            <a:schemeClr val="lt1"/>
+          </a:fontRef>
+        </p:style>
+        <p:txBody>
+          <a:bodyPr rtlCol="0" anchor="ctr"/>
+          <a:lstStyle/>
+          <a:p>
+            <a:pPr algn="ctr"/>
+            <a:r>
+              <a:rPr lang="zh-CN" altLang="en-US" sz="1400" b="1" dirty="0">
+                <a:solidFill>
+                  <a:srgbClr val="1ABC9C"/>
+                </a:solidFill>
+                <a:latin typeface="+mn-ea"/>
+              </a:rPr>
+              <a:t>接口回调配置</a:t>
+            </a:r>
+            <a:endParaRPr lang="en-US" sz="1400" b="1" dirty="0">
+              <a:solidFill>
+                <a:srgbClr val="1ABC9C"/>
+              </a:solidFill>
+              <a:latin typeface="+mn-ea"/>
+            </a:endParaRPr>
+          </a:p>
+        </p:txBody>
+      </p:sp>
+      <p:sp>
+        <p:nvSpPr>
+          <p:cNvPr id="52" name="Rectangle 41">
+            <a:extLst>
+              <a:ext uri="{FF2B5EF4-FFF2-40B4-BE49-F238E27FC236}">
+                <a16:creationId xmlns:a16="http://schemas.microsoft.com/office/drawing/2014/main" id="{D726D26B-E149-4E7E-B28E-4083E2011BA1}"/>
+              </a:ext>
+            </a:extLst>
+          </p:cNvPr>
+          <p:cNvSpPr/>
+          <p:nvPr/>
+        </p:nvSpPr>
+        <p:spPr>
+          <a:xfrm>
+            <a:off x="8242095" y="4494358"/>
+            <a:ext cx="1757902" cy="360000"/>
+          </a:xfrm>
+          <a:prstGeom prst="rect">
+            <a:avLst/>
+          </a:prstGeom>
+          <a:solidFill>
+            <a:schemeClr val="bg1"/>
+          </a:solidFill>
+          <a:ln>
+            <a:noFill/>
+          </a:ln>
+        </p:spPr>
+        <p:style>
+          <a:lnRef idx="2">
+            <a:schemeClr val="accent1">
+              <a:shade val="50000"/>
+            </a:schemeClr>
+          </a:lnRef>
+          <a:fillRef idx="1">
+            <a:schemeClr val="accent1"/>
+          </a:fillRef>
+          <a:effectRef idx="0">
+            <a:schemeClr val="accent1"/>
+          </a:effectRef>
+          <a:fontRef idx="minor">
+            <a:schemeClr val="lt1"/>
+          </a:fontRef>
+        </p:style>
+        <p:txBody>
+          <a:bodyPr rtlCol="0" anchor="ctr"/>
+          <a:lstStyle/>
+          <a:p>
+            <a:pPr algn="ctr"/>
+            <a:r>
+              <a:rPr lang="zh-CN" altLang="en-US" sz="1400" b="1" dirty="0">
+                <a:solidFill>
+                  <a:srgbClr val="1ABC9C"/>
+                </a:solidFill>
+                <a:latin typeface="+mn-ea"/>
+              </a:rPr>
+              <a:t>超时配置</a:t>
+            </a:r>
+            <a:endParaRPr lang="en-US" sz="1400" b="1" dirty="0">
+              <a:solidFill>
+                <a:srgbClr val="1ABC9C"/>
+              </a:solidFill>
+              <a:latin typeface="+mn-ea"/>
+            </a:endParaRPr>
+          </a:p>
+        </p:txBody>
+      </p:sp>
+      <p:sp>
+        <p:nvSpPr>
+          <p:cNvPr id="53" name="Rectangle 49">
+            <a:extLst>
+              <a:ext uri="{FF2B5EF4-FFF2-40B4-BE49-F238E27FC236}">
+                <a16:creationId xmlns:a16="http://schemas.microsoft.com/office/drawing/2014/main" id="{7E147B45-BD75-4FA0-9BAB-623867D30094}"/>
+              </a:ext>
+            </a:extLst>
+          </p:cNvPr>
+          <p:cNvSpPr/>
+          <p:nvPr/>
+        </p:nvSpPr>
+        <p:spPr>
+          <a:xfrm>
+            <a:off x="8242095" y="6048275"/>
+            <a:ext cx="1757902" cy="360000"/>
+          </a:xfrm>
+          <a:prstGeom prst="rect">
+            <a:avLst/>
+          </a:prstGeom>
+          <a:solidFill>
+            <a:schemeClr val="bg1"/>
+          </a:solidFill>
+          <a:ln>
+            <a:noFill/>
+          </a:ln>
+        </p:spPr>
+        <p:style>
+          <a:lnRef idx="2">
+            <a:schemeClr val="accent1">
+              <a:shade val="50000"/>
+            </a:schemeClr>
+          </a:lnRef>
+          <a:fillRef idx="1">
+            <a:schemeClr val="accent1"/>
+          </a:fillRef>
+          <a:effectRef idx="0">
+            <a:schemeClr val="accent1"/>
+          </a:effectRef>
+          <a:fontRef idx="minor">
+            <a:schemeClr val="lt1"/>
+          </a:fontRef>
+        </p:style>
+        <p:txBody>
+          <a:bodyPr rtlCol="0" anchor="ctr"/>
+          <a:lstStyle/>
+          <a:p>
+            <a:pPr algn="ctr"/>
+            <a:r>
+              <a:rPr lang="zh-CN" altLang="en-US" sz="1400" b="1">
+                <a:solidFill>
+                  <a:srgbClr val="1ABC9C"/>
+                </a:solidFill>
+                <a:latin typeface="+mn-ea"/>
+              </a:rPr>
+              <a:t>修改执行人</a:t>
+            </a:r>
+            <a:endParaRPr lang="en-US" sz="1400" b="1" dirty="0">
+              <a:solidFill>
+                <a:srgbClr val="1ABC9C"/>
+              </a:solidFill>
+              <a:latin typeface="+mn-ea"/>
+            </a:endParaRPr>
+          </a:p>
+        </p:txBody>
+      </p:sp>
+      <p:sp>
+        <p:nvSpPr>
+          <p:cNvPr id="61" name="Rectangle 49">
+            <a:extLst>
+              <a:ext uri="{FF2B5EF4-FFF2-40B4-BE49-F238E27FC236}">
+                <a16:creationId xmlns:a16="http://schemas.microsoft.com/office/drawing/2014/main" id="{A4CC54FC-10B3-4EEB-9471-9DBE5A98A368}"/>
+              </a:ext>
+            </a:extLst>
+          </p:cNvPr>
+          <p:cNvSpPr/>
+          <p:nvPr/>
+        </p:nvSpPr>
+        <p:spPr>
+          <a:xfrm>
+            <a:off x="10108275" y="6066325"/>
+            <a:ext cx="1699025" cy="360000"/>
+          </a:xfrm>
+          <a:prstGeom prst="rect">
+            <a:avLst/>
+          </a:prstGeom>
+          <a:solidFill>
+            <a:schemeClr val="bg1"/>
+          </a:solidFill>
+          <a:ln>
+            <a:noFill/>
+          </a:ln>
+        </p:spPr>
+        <p:style>
+          <a:lnRef idx="2">
+            <a:schemeClr val="accent1">
+              <a:shade val="50000"/>
+            </a:schemeClr>
+          </a:lnRef>
+          <a:fillRef idx="1">
+            <a:schemeClr val="accent1"/>
+          </a:fillRef>
+          <a:effectRef idx="0">
+            <a:schemeClr val="accent1"/>
+          </a:effectRef>
+          <a:fontRef idx="minor">
+            <a:schemeClr val="lt1"/>
+          </a:fontRef>
+        </p:style>
+        <p:txBody>
+          <a:bodyPr rtlCol="0" anchor="ctr"/>
+          <a:lstStyle/>
+          <a:p>
+            <a:pPr algn="ctr"/>
+            <a:r>
+              <a:rPr lang="zh-CN" altLang="en-US" sz="1400" b="1" dirty="0">
+                <a:solidFill>
+                  <a:srgbClr val="1ABC9C"/>
+                </a:solidFill>
+                <a:latin typeface="+mn-ea"/>
+              </a:rPr>
+              <a:t>执行任务</a:t>
             </a:r>
             <a:endParaRPr lang="en-US" sz="1400" b="1" dirty="0">
               <a:solidFill>

--- a/paas/documents/PaaS-BPM.pptx
+++ b/paas/documents/PaaS-BPM.pptx
@@ -202,7 +202,7 @@
           <a:p>
             <a:fld id="{9C2AA606-CA69-4576-8497-A76186AE5A62}" type="datetimeFigureOut">
               <a:rPr lang="zh-CN" altLang="en-US" smtClean="0"/>
-              <a:t>2018/2/8</a:t>
+              <a:t>2018/2/23</a:t>
             </a:fld>
             <a:endParaRPr lang="zh-CN" altLang="en-US"/>
           </a:p>
@@ -1016,7 +1016,7 @@
           <a:p>
             <a:fld id="{C661FC16-772C-47B5-BEF2-91448AB22A49}" type="datetimeFigureOut">
               <a:rPr lang="zh-CN" altLang="en-US" smtClean="0"/>
-              <a:t>2018/2/8</a:t>
+              <a:t>2018/2/23</a:t>
             </a:fld>
             <a:endParaRPr lang="zh-CN" altLang="en-US"/>
           </a:p>
@@ -1214,7 +1214,7 @@
           <a:p>
             <a:fld id="{C661FC16-772C-47B5-BEF2-91448AB22A49}" type="datetimeFigureOut">
               <a:rPr lang="zh-CN" altLang="en-US" smtClean="0"/>
-              <a:t>2018/2/8</a:t>
+              <a:t>2018/2/23</a:t>
             </a:fld>
             <a:endParaRPr lang="zh-CN" altLang="en-US"/>
           </a:p>
@@ -1422,7 +1422,7 @@
           <a:p>
             <a:fld id="{C661FC16-772C-47B5-BEF2-91448AB22A49}" type="datetimeFigureOut">
               <a:rPr lang="zh-CN" altLang="en-US" smtClean="0"/>
-              <a:t>2018/2/8</a:t>
+              <a:t>2018/2/23</a:t>
             </a:fld>
             <a:endParaRPr lang="zh-CN" altLang="en-US"/>
           </a:p>
@@ -1620,7 +1620,7 @@
           <a:p>
             <a:fld id="{C661FC16-772C-47B5-BEF2-91448AB22A49}" type="datetimeFigureOut">
               <a:rPr lang="zh-CN" altLang="en-US" smtClean="0"/>
-              <a:t>2018/2/8</a:t>
+              <a:t>2018/2/23</a:t>
             </a:fld>
             <a:endParaRPr lang="zh-CN" altLang="en-US"/>
           </a:p>
@@ -1895,7 +1895,7 @@
           <a:p>
             <a:fld id="{C661FC16-772C-47B5-BEF2-91448AB22A49}" type="datetimeFigureOut">
               <a:rPr lang="zh-CN" altLang="en-US" smtClean="0"/>
-              <a:t>2018/2/8</a:t>
+              <a:t>2018/2/23</a:t>
             </a:fld>
             <a:endParaRPr lang="zh-CN" altLang="en-US"/>
           </a:p>
@@ -2160,7 +2160,7 @@
           <a:p>
             <a:fld id="{C661FC16-772C-47B5-BEF2-91448AB22A49}" type="datetimeFigureOut">
               <a:rPr lang="zh-CN" altLang="en-US" smtClean="0"/>
-              <a:t>2018/2/8</a:t>
+              <a:t>2018/2/23</a:t>
             </a:fld>
             <a:endParaRPr lang="zh-CN" altLang="en-US"/>
           </a:p>
@@ -2572,7 +2572,7 @@
           <a:p>
             <a:fld id="{C661FC16-772C-47B5-BEF2-91448AB22A49}" type="datetimeFigureOut">
               <a:rPr lang="zh-CN" altLang="en-US" smtClean="0"/>
-              <a:t>2018/2/8</a:t>
+              <a:t>2018/2/23</a:t>
             </a:fld>
             <a:endParaRPr lang="zh-CN" altLang="en-US"/>
           </a:p>
@@ -2713,7 +2713,7 @@
           <a:p>
             <a:fld id="{C661FC16-772C-47B5-BEF2-91448AB22A49}" type="datetimeFigureOut">
               <a:rPr lang="zh-CN" altLang="en-US" smtClean="0"/>
-              <a:t>2018/2/8</a:t>
+              <a:t>2018/2/23</a:t>
             </a:fld>
             <a:endParaRPr lang="zh-CN" altLang="en-US"/>
           </a:p>
@@ -2826,7 +2826,7 @@
           <a:p>
             <a:fld id="{C661FC16-772C-47B5-BEF2-91448AB22A49}" type="datetimeFigureOut">
               <a:rPr lang="zh-CN" altLang="en-US" smtClean="0"/>
-              <a:t>2018/2/8</a:t>
+              <a:t>2018/2/23</a:t>
             </a:fld>
             <a:endParaRPr lang="zh-CN" altLang="en-US"/>
           </a:p>
@@ -3137,7 +3137,7 @@
           <a:p>
             <a:fld id="{C661FC16-772C-47B5-BEF2-91448AB22A49}" type="datetimeFigureOut">
               <a:rPr lang="zh-CN" altLang="en-US" smtClean="0"/>
-              <a:t>2018/2/8</a:t>
+              <a:t>2018/2/23</a:t>
             </a:fld>
             <a:endParaRPr lang="zh-CN" altLang="en-US"/>
           </a:p>
@@ -3425,7 +3425,7 @@
           <a:p>
             <a:fld id="{C661FC16-772C-47B5-BEF2-91448AB22A49}" type="datetimeFigureOut">
               <a:rPr lang="zh-CN" altLang="en-US" smtClean="0"/>
-              <a:t>2018/2/8</a:t>
+              <a:t>2018/2/23</a:t>
             </a:fld>
             <a:endParaRPr lang="zh-CN" altLang="en-US"/>
           </a:p>
@@ -3666,7 +3666,7 @@
           <a:p>
             <a:fld id="{C661FC16-772C-47B5-BEF2-91448AB22A49}" type="datetimeFigureOut">
               <a:rPr lang="zh-CN" altLang="en-US" smtClean="0"/>
-              <a:t>2018/2/8</a:t>
+              <a:t>2018/2/23</a:t>
             </a:fld>
             <a:endParaRPr lang="zh-CN" altLang="en-US"/>
           </a:p>
@@ -7069,8 +7069,8 @@
         </p:nvSpPr>
         <p:spPr>
           <a:xfrm>
-            <a:off x="175986" y="2309630"/>
-            <a:ext cx="3207655" cy="2015672"/>
+            <a:off x="175986" y="2809502"/>
+            <a:ext cx="3207655" cy="2201410"/>
           </a:xfrm>
           <a:prstGeom prst="roundRect">
             <a:avLst/>
@@ -7121,7 +7121,7 @@
         </p:nvSpPr>
         <p:spPr>
           <a:xfrm>
-            <a:off x="480785" y="2583588"/>
+            <a:off x="480785" y="3083460"/>
             <a:ext cx="1262738" cy="667658"/>
           </a:xfrm>
           <a:prstGeom prst="rect">
@@ -7181,7 +7181,7 @@
         </p:nvSpPr>
         <p:spPr>
           <a:xfrm>
-            <a:off x="480784" y="3356473"/>
+            <a:off x="480784" y="3856345"/>
             <a:ext cx="1262737" cy="667658"/>
           </a:xfrm>
           <a:prstGeom prst="rect">
@@ -7238,7 +7238,7 @@
         </p:nvSpPr>
         <p:spPr>
           <a:xfrm>
-            <a:off x="1830614" y="2583588"/>
+            <a:off x="1830614" y="3083460"/>
             <a:ext cx="1262737" cy="667658"/>
           </a:xfrm>
           <a:prstGeom prst="rect">
@@ -7298,7 +7298,7 @@
         </p:nvSpPr>
         <p:spPr>
           <a:xfrm>
-            <a:off x="1866897" y="3352845"/>
+            <a:off x="1866897" y="3852717"/>
             <a:ext cx="1262737" cy="667658"/>
           </a:xfrm>
           <a:prstGeom prst="rect">
@@ -7358,7 +7358,7 @@
         </p:nvGrpSpPr>
         <p:grpSpPr>
           <a:xfrm>
-            <a:off x="4572671" y="4681429"/>
+            <a:off x="4572671" y="5181301"/>
             <a:ext cx="2099158" cy="1173267"/>
             <a:chOff x="4818371" y="4550659"/>
             <a:chExt cx="2416685" cy="1350740"/>
@@ -7461,7 +7461,7 @@
         </p:nvGrpSpPr>
         <p:grpSpPr>
           <a:xfrm>
-            <a:off x="5256830" y="904921"/>
+            <a:off x="5256830" y="1404793"/>
             <a:ext cx="908589" cy="1221313"/>
             <a:chOff x="5123543" y="956601"/>
             <a:chExt cx="1236033" cy="1661458"/>
@@ -7608,7 +7608,7 @@
         </p:nvSpPr>
         <p:spPr>
           <a:xfrm>
-            <a:off x="7868561" y="2723289"/>
+            <a:off x="7868561" y="3223161"/>
             <a:ext cx="1587501" cy="1259112"/>
           </a:xfrm>
           <a:prstGeom prst="hexagon">
@@ -7672,7 +7672,7 @@
         </p:nvCxnSpPr>
         <p:spPr>
           <a:xfrm flipH="1">
-            <a:off x="3289300" y="1346399"/>
+            <a:off x="3289300" y="1846271"/>
             <a:ext cx="1659661" cy="800117"/>
           </a:xfrm>
           <a:prstGeom prst="straightConnector1">
@@ -7713,7 +7713,7 @@
         </p:nvCxnSpPr>
         <p:spPr>
           <a:xfrm flipH="1">
-            <a:off x="3441700" y="1542191"/>
+            <a:off x="3441700" y="2042063"/>
             <a:ext cx="1612201" cy="756725"/>
           </a:xfrm>
           <a:prstGeom prst="straightConnector1">
@@ -7755,7 +7755,7 @@
         </p:nvCxnSpPr>
         <p:spPr>
           <a:xfrm flipH="1" flipV="1">
-            <a:off x="6321198" y="1728330"/>
+            <a:off x="6321198" y="2228202"/>
             <a:ext cx="1622561" cy="1020045"/>
           </a:xfrm>
           <a:prstGeom prst="straightConnector1">
@@ -7797,7 +7797,7 @@
         </p:nvCxnSpPr>
         <p:spPr>
           <a:xfrm>
-            <a:off x="6378439" y="1464177"/>
+            <a:off x="6378439" y="1964049"/>
             <a:ext cx="1787661" cy="1119411"/>
           </a:xfrm>
           <a:prstGeom prst="straightConnector1">
@@ -7837,7 +7837,7 @@
         </p:nvSpPr>
         <p:spPr>
           <a:xfrm rot="1948071">
-            <a:off x="6752439" y="1660504"/>
+            <a:off x="6752439" y="2160376"/>
             <a:ext cx="1107996" cy="369332"/>
           </a:xfrm>
           <a:prstGeom prst="rect">
@@ -7872,7 +7872,7 @@
         </p:nvSpPr>
         <p:spPr>
           <a:xfrm rot="20081992">
-            <a:off x="3986608" y="1911478"/>
+            <a:off x="3986608" y="2411350"/>
             <a:ext cx="646331" cy="369332"/>
           </a:xfrm>
           <a:prstGeom prst="rect">
@@ -7907,7 +7907,7 @@
         </p:nvSpPr>
         <p:spPr>
           <a:xfrm rot="20081992">
-            <a:off x="3528080" y="1381996"/>
+            <a:off x="3528080" y="1881868"/>
             <a:ext cx="1107996" cy="369332"/>
           </a:xfrm>
           <a:prstGeom prst="rect">
@@ -7942,7 +7942,7 @@
         </p:nvSpPr>
         <p:spPr>
           <a:xfrm rot="1948071">
-            <a:off x="6681376" y="2168502"/>
+            <a:off x="6681376" y="2668374"/>
             <a:ext cx="646331" cy="369332"/>
           </a:xfrm>
           <a:prstGeom prst="rect">
@@ -7979,7 +7979,7 @@
         </p:nvCxnSpPr>
         <p:spPr>
           <a:xfrm flipV="1">
-            <a:off x="6321198" y="4020503"/>
+            <a:off x="6321198" y="4520375"/>
             <a:ext cx="1547363" cy="912084"/>
           </a:xfrm>
           <a:prstGeom prst="straightConnector1">
@@ -8019,7 +8019,7 @@
         </p:nvSpPr>
         <p:spPr>
           <a:xfrm rot="19724379">
-            <a:off x="6346196" y="4174406"/>
+            <a:off x="6346196" y="4674278"/>
             <a:ext cx="1107996" cy="369332"/>
           </a:xfrm>
           <a:prstGeom prst="rect">
@@ -8056,7 +8056,7 @@
         </p:nvCxnSpPr>
         <p:spPr>
           <a:xfrm flipH="1" flipV="1">
-            <a:off x="3438591" y="4396650"/>
+            <a:off x="3438591" y="4896522"/>
             <a:ext cx="1345314" cy="596290"/>
           </a:xfrm>
           <a:prstGeom prst="straightConnector1">
@@ -8096,7 +8096,7 @@
         </p:nvSpPr>
         <p:spPr>
           <a:xfrm rot="1478493">
-            <a:off x="3598290" y="4291878"/>
+            <a:off x="3598290" y="4791750"/>
             <a:ext cx="1107996" cy="369332"/>
           </a:xfrm>
           <a:prstGeom prst="rect">
@@ -8133,7 +8133,7 @@
         </p:nvCxnSpPr>
         <p:spPr>
           <a:xfrm flipV="1">
-            <a:off x="6368348" y="949803"/>
+            <a:off x="6368348" y="1449675"/>
             <a:ext cx="4050321" cy="98281"/>
           </a:xfrm>
           <a:prstGeom prst="straightConnector1">
@@ -8175,7 +8175,7 @@
         </p:nvCxnSpPr>
         <p:spPr>
           <a:xfrm flipH="1">
-            <a:off x="6463197" y="1217960"/>
+            <a:off x="6463197" y="1717832"/>
             <a:ext cx="3955473" cy="82393"/>
           </a:xfrm>
           <a:prstGeom prst="straightConnector1">
@@ -8215,7 +8215,7 @@
         </p:nvSpPr>
         <p:spPr>
           <a:xfrm>
-            <a:off x="7807051" y="570056"/>
+            <a:off x="7807051" y="1069928"/>
             <a:ext cx="1107996" cy="369332"/>
           </a:xfrm>
           <a:prstGeom prst="rect">
@@ -8250,7 +8250,7 @@
         </p:nvSpPr>
         <p:spPr>
           <a:xfrm>
-            <a:off x="8068655" y="1341192"/>
+            <a:off x="8068655" y="1841064"/>
             <a:ext cx="646331" cy="369332"/>
           </a:xfrm>
           <a:prstGeom prst="rect">
@@ -8287,7 +8287,7 @@
         </p:nvCxnSpPr>
         <p:spPr>
           <a:xfrm flipV="1">
-            <a:off x="9615556" y="3239126"/>
+            <a:off x="9615556" y="3738998"/>
             <a:ext cx="801191" cy="12120"/>
           </a:xfrm>
           <a:prstGeom prst="straightConnector1">
@@ -8329,7 +8329,7 @@
         </p:nvCxnSpPr>
         <p:spPr>
           <a:xfrm flipV="1">
-            <a:off x="9598842" y="3429580"/>
+            <a:off x="9598842" y="3929452"/>
             <a:ext cx="801191" cy="12120"/>
           </a:xfrm>
           <a:prstGeom prst="straightConnector1">
@@ -8369,7 +8369,7 @@
         </p:nvSpPr>
         <p:spPr>
           <a:xfrm>
-            <a:off x="9432606" y="2868566"/>
+            <a:off x="9432606" y="3368438"/>
             <a:ext cx="1107996" cy="369332"/>
           </a:xfrm>
           <a:prstGeom prst="rect">
@@ -8404,7 +8404,7 @@
         </p:nvSpPr>
         <p:spPr>
           <a:xfrm>
-            <a:off x="9645493" y="3416278"/>
+            <a:off x="9645493" y="3916150"/>
             <a:ext cx="646331" cy="369332"/>
           </a:xfrm>
           <a:prstGeom prst="rect">
@@ -8441,7 +8441,7 @@
         </p:nvCxnSpPr>
         <p:spPr>
           <a:xfrm>
-            <a:off x="9182100" y="4191988"/>
+            <a:off x="9182100" y="4691860"/>
             <a:ext cx="1217933" cy="938812"/>
           </a:xfrm>
           <a:prstGeom prst="straightConnector1">
@@ -8481,7 +8481,7 @@
         </p:nvSpPr>
         <p:spPr>
           <a:xfrm rot="2200438">
-            <a:off x="9445438" y="4386401"/>
+            <a:off x="9445438" y="4886273"/>
             <a:ext cx="1107996" cy="369332"/>
           </a:xfrm>
           <a:prstGeom prst="rect">
@@ -8518,7 +8518,7 @@
         </p:nvCxnSpPr>
         <p:spPr>
           <a:xfrm flipV="1">
-            <a:off x="9182100" y="1706485"/>
+            <a:off x="9182100" y="2206357"/>
             <a:ext cx="1234647" cy="902527"/>
           </a:xfrm>
           <a:prstGeom prst="straightConnector1">
@@ -8558,7 +8558,7 @@
         </p:nvSpPr>
         <p:spPr>
           <a:xfrm rot="19443729">
-            <a:off x="9054262" y="1843678"/>
+            <a:off x="9054262" y="2343550"/>
             <a:ext cx="1107996" cy="369332"/>
           </a:xfrm>
           <a:prstGeom prst="rect">
@@ -8593,7 +8593,7 @@
         </p:nvSpPr>
         <p:spPr>
           <a:xfrm>
-            <a:off x="10450789" y="850850"/>
+            <a:off x="10450789" y="1350722"/>
             <a:ext cx="1589650" cy="903849"/>
           </a:xfrm>
           <a:prstGeom prst="snip2DiagRect">
@@ -8648,7 +8648,7 @@
         </p:nvSpPr>
         <p:spPr>
           <a:xfrm>
-            <a:off x="10446684" y="2917417"/>
+            <a:off x="10446684" y="3417289"/>
             <a:ext cx="1589650" cy="903849"/>
           </a:xfrm>
           <a:prstGeom prst="snip2DiagRect">
@@ -8703,7 +8703,7 @@
         </p:nvSpPr>
         <p:spPr>
           <a:xfrm>
-            <a:off x="10446684" y="4772788"/>
+            <a:off x="10446684" y="5272660"/>
             <a:ext cx="1589650" cy="903849"/>
           </a:xfrm>
           <a:prstGeom prst="snip2DiagRect">
@@ -8740,6 +8740,80 @@
             <a:r>
               <a:rPr lang="en-US" altLang="zh-CN" b="1" dirty="0"/>
               <a:t>SaaS C</a:t>
+            </a:r>
+          </a:p>
+        </p:txBody>
+      </p:sp>
+      <p:sp>
+        <p:nvSpPr>
+          <p:cNvPr id="51" name="文本框 50">
+            <a:extLst>
+              <a:ext uri="{FF2B5EF4-FFF2-40B4-BE49-F238E27FC236}">
+                <a16:creationId xmlns:a16="http://schemas.microsoft.com/office/drawing/2014/main" id="{A1B21C27-916E-4080-A636-09A0808D2DE8}"/>
+              </a:ext>
+            </a:extLst>
+          </p:cNvPr>
+          <p:cNvSpPr txBox="1"/>
+          <p:nvPr/>
+        </p:nvSpPr>
+        <p:spPr>
+          <a:xfrm>
+            <a:off x="311251" y="339639"/>
+            <a:ext cx="2339102" cy="523220"/>
+          </a:xfrm>
+          <a:prstGeom prst="rect">
+            <a:avLst/>
+          </a:prstGeom>
+          <a:noFill/>
+        </p:spPr>
+        <p:txBody>
+          <a:bodyPr wrap="none" rtlCol="0">
+            <a:spAutoFit/>
+          </a:bodyPr>
+          <a:lstStyle/>
+          <a:p>
+            <a:r>
+              <a:rPr lang="zh-CN" altLang="en-US" sz="2800" b="1" dirty="0"/>
+              <a:t>接口调用图示</a:t>
+            </a:r>
+          </a:p>
+        </p:txBody>
+      </p:sp>
+      <p:sp>
+        <p:nvSpPr>
+          <p:cNvPr id="2" name="文本框 1">
+            <a:extLst>
+              <a:ext uri="{FF2B5EF4-FFF2-40B4-BE49-F238E27FC236}">
+                <a16:creationId xmlns:a16="http://schemas.microsoft.com/office/drawing/2014/main" id="{43E109E1-8147-4AB4-A331-4697B04CF944}"/>
+              </a:ext>
+            </a:extLst>
+          </p:cNvPr>
+          <p:cNvSpPr txBox="1"/>
+          <p:nvPr/>
+        </p:nvSpPr>
+        <p:spPr>
+          <a:xfrm>
+            <a:off x="1124409" y="4621974"/>
+            <a:ext cx="1107996" cy="369332"/>
+          </a:xfrm>
+          <a:prstGeom prst="rect">
+            <a:avLst/>
+          </a:prstGeom>
+          <a:noFill/>
+        </p:spPr>
+        <p:txBody>
+          <a:bodyPr wrap="none" rtlCol="0">
+            <a:spAutoFit/>
+          </a:bodyPr>
+          <a:lstStyle/>
+          <a:p>
+            <a:r>
+              <a:rPr lang="zh-CN" altLang="en-US" b="1" dirty="0">
+                <a:solidFill>
+                  <a:schemeClr val="bg1"/>
+                </a:solidFill>
+              </a:rPr>
+              <a:t>弹性扩展</a:t>
             </a:r>
           </a:p>
         </p:txBody>
@@ -11524,7 +11598,7 @@
                 <a:latin typeface="微软雅黑" panose="020B0503020204020204" pitchFamily="34" charset="-122"/>
                 <a:ea typeface="微软雅黑" panose="020B0503020204020204" pitchFamily="34" charset="-122"/>
               </a:rPr>
-              <a:t>     参与者是一个抽象概念，参与者可以为用户，角色，组织机构，军衔，职务等等，参与最终要转换成执行人，所以，参与者是执行人的一个集合。</a:t>
+              <a:t>     参与者是一个抽象概念，参与者可以为用户，角色，组织机构，职务，军衔等等，参与最终要转换成执行人，所以，参与者是执行人的一个集合。</a:t>
             </a:r>
             <a:endParaRPr lang="en-US" altLang="zh-CN" sz="2000" dirty="0">
               <a:solidFill>
@@ -11848,6 +11922,2412 @@
           <a:chExt cx="0" cy="0"/>
         </a:xfrm>
       </p:grpSpPr>
+      <p:sp>
+        <p:nvSpPr>
+          <p:cNvPr id="2" name="文本框 1">
+            <a:extLst>
+              <a:ext uri="{FF2B5EF4-FFF2-40B4-BE49-F238E27FC236}">
+                <a16:creationId xmlns:a16="http://schemas.microsoft.com/office/drawing/2014/main" id="{B306BEFE-06D8-4A73-8AC8-6035AA613645}"/>
+              </a:ext>
+            </a:extLst>
+          </p:cNvPr>
+          <p:cNvSpPr txBox="1"/>
+          <p:nvPr/>
+        </p:nvSpPr>
+        <p:spPr>
+          <a:xfrm>
+            <a:off x="373743" y="305336"/>
+            <a:ext cx="2315057" cy="523220"/>
+          </a:xfrm>
+          <a:prstGeom prst="rect">
+            <a:avLst/>
+          </a:prstGeom>
+          <a:noFill/>
+        </p:spPr>
+        <p:txBody>
+          <a:bodyPr wrap="none" rtlCol="0">
+            <a:spAutoFit/>
+          </a:bodyPr>
+          <a:lstStyle/>
+          <a:p>
+            <a:r>
+              <a:rPr lang="en-US" altLang="zh-CN" sz="2800" b="1"/>
+              <a:t>BPM API</a:t>
+            </a:r>
+            <a:r>
+              <a:rPr lang="zh-CN" altLang="en-US" sz="2800" b="1"/>
+              <a:t>列表</a:t>
+            </a:r>
+            <a:endParaRPr lang="zh-CN" altLang="en-US" sz="2800" b="1" dirty="0"/>
+          </a:p>
+        </p:txBody>
+      </p:sp>
+      <p:sp>
+        <p:nvSpPr>
+          <p:cNvPr id="3" name="Rectangle 29">
+            <a:extLst>
+              <a:ext uri="{FF2B5EF4-FFF2-40B4-BE49-F238E27FC236}">
+                <a16:creationId xmlns:a16="http://schemas.microsoft.com/office/drawing/2014/main" id="{824927DB-F38D-4289-964F-529B14C6BB6F}"/>
+              </a:ext>
+            </a:extLst>
+          </p:cNvPr>
+          <p:cNvSpPr/>
+          <p:nvPr/>
+        </p:nvSpPr>
+        <p:spPr>
+          <a:xfrm>
+            <a:off x="333496" y="1001047"/>
+            <a:ext cx="2619044" cy="5602642"/>
+          </a:xfrm>
+          <a:prstGeom prst="rect">
+            <a:avLst/>
+          </a:prstGeom>
+          <a:solidFill>
+            <a:srgbClr val="2980B9"/>
+          </a:solidFill>
+          <a:ln>
+            <a:noFill/>
+          </a:ln>
+        </p:spPr>
+        <p:style>
+          <a:lnRef idx="2">
+            <a:schemeClr val="accent1">
+              <a:shade val="50000"/>
+            </a:schemeClr>
+          </a:lnRef>
+          <a:fillRef idx="1">
+            <a:schemeClr val="accent1"/>
+          </a:fillRef>
+          <a:effectRef idx="0">
+            <a:schemeClr val="accent1"/>
+          </a:effectRef>
+          <a:fontRef idx="minor">
+            <a:schemeClr val="lt1"/>
+          </a:fontRef>
+        </p:style>
+        <p:txBody>
+          <a:bodyPr rtlCol="0" anchor="t"/>
+          <a:lstStyle/>
+          <a:p>
+            <a:pPr algn="ctr"/>
+            <a:r>
+              <a:rPr lang="zh-CN" altLang="en-US" sz="2400" b="1" dirty="0"/>
+              <a:t>流程定义</a:t>
+            </a:r>
+            <a:endParaRPr lang="en-US" altLang="zh-CN" sz="2400" b="1" dirty="0"/>
+          </a:p>
+        </p:txBody>
+      </p:sp>
+      <p:sp>
+        <p:nvSpPr>
+          <p:cNvPr id="4" name="Rectangle 31">
+            <a:extLst>
+              <a:ext uri="{FF2B5EF4-FFF2-40B4-BE49-F238E27FC236}">
+                <a16:creationId xmlns:a16="http://schemas.microsoft.com/office/drawing/2014/main" id="{04E72909-AD7D-439F-964F-AC307217A845}"/>
+              </a:ext>
+            </a:extLst>
+          </p:cNvPr>
+          <p:cNvSpPr/>
+          <p:nvPr/>
+        </p:nvSpPr>
+        <p:spPr>
+          <a:xfrm>
+            <a:off x="464171" y="2633011"/>
+            <a:ext cx="2344199" cy="360000"/>
+          </a:xfrm>
+          <a:prstGeom prst="rect">
+            <a:avLst/>
+          </a:prstGeom>
+          <a:solidFill>
+            <a:schemeClr val="bg1"/>
+          </a:solidFill>
+          <a:ln>
+            <a:noFill/>
+          </a:ln>
+        </p:spPr>
+        <p:style>
+          <a:lnRef idx="2">
+            <a:schemeClr val="accent1">
+              <a:shade val="50000"/>
+            </a:schemeClr>
+          </a:lnRef>
+          <a:fillRef idx="1">
+            <a:schemeClr val="accent1"/>
+          </a:fillRef>
+          <a:effectRef idx="0">
+            <a:schemeClr val="accent1"/>
+          </a:effectRef>
+          <a:fontRef idx="minor">
+            <a:schemeClr val="lt1"/>
+          </a:fontRef>
+        </p:style>
+        <p:txBody>
+          <a:bodyPr rtlCol="0" anchor="ctr"/>
+          <a:lstStyle/>
+          <a:p>
+            <a:pPr algn="ctr"/>
+            <a:r>
+              <a:rPr lang="zh-CN" altLang="en-US" sz="1400" b="1" dirty="0">
+                <a:solidFill>
+                  <a:srgbClr val="1ABC9C"/>
+                </a:solidFill>
+                <a:latin typeface="+mn-ea"/>
+              </a:rPr>
+              <a:t>查询流程图</a:t>
+            </a:r>
+            <a:endParaRPr lang="en-US" sz="1400" b="1" dirty="0">
+              <a:solidFill>
+                <a:srgbClr val="1ABC9C"/>
+              </a:solidFill>
+              <a:latin typeface="+mn-ea"/>
+            </a:endParaRPr>
+          </a:p>
+        </p:txBody>
+      </p:sp>
+      <p:sp>
+        <p:nvSpPr>
+          <p:cNvPr id="5" name="Rectangle 45">
+            <a:extLst>
+              <a:ext uri="{FF2B5EF4-FFF2-40B4-BE49-F238E27FC236}">
+                <a16:creationId xmlns:a16="http://schemas.microsoft.com/office/drawing/2014/main" id="{F500EDEF-931C-44EF-9DE6-09055B1B73E9}"/>
+              </a:ext>
+            </a:extLst>
+          </p:cNvPr>
+          <p:cNvSpPr/>
+          <p:nvPr/>
+        </p:nvSpPr>
+        <p:spPr>
+          <a:xfrm>
+            <a:off x="464172" y="2110244"/>
+            <a:ext cx="2344200" cy="360000"/>
+          </a:xfrm>
+          <a:prstGeom prst="rect">
+            <a:avLst/>
+          </a:prstGeom>
+          <a:solidFill>
+            <a:schemeClr val="bg1"/>
+          </a:solidFill>
+          <a:ln>
+            <a:noFill/>
+          </a:ln>
+        </p:spPr>
+        <p:style>
+          <a:lnRef idx="2">
+            <a:schemeClr val="accent1">
+              <a:shade val="50000"/>
+            </a:schemeClr>
+          </a:lnRef>
+          <a:fillRef idx="1">
+            <a:schemeClr val="accent1"/>
+          </a:fillRef>
+          <a:effectRef idx="0">
+            <a:schemeClr val="accent1"/>
+          </a:effectRef>
+          <a:fontRef idx="minor">
+            <a:schemeClr val="lt1"/>
+          </a:fontRef>
+        </p:style>
+        <p:txBody>
+          <a:bodyPr rtlCol="0" anchor="ctr"/>
+          <a:lstStyle/>
+          <a:p>
+            <a:pPr algn="ctr"/>
+            <a:r>
+              <a:rPr lang="zh-CN" altLang="en-US" sz="1400" b="1" dirty="0">
+                <a:solidFill>
+                  <a:srgbClr val="1ABC9C"/>
+                </a:solidFill>
+                <a:latin typeface="+mn-ea"/>
+              </a:rPr>
+              <a:t>部署流程</a:t>
+            </a:r>
+            <a:endParaRPr lang="en-US" sz="1400" b="1" dirty="0">
+              <a:solidFill>
+                <a:srgbClr val="1ABC9C"/>
+              </a:solidFill>
+              <a:latin typeface="+mn-ea"/>
+            </a:endParaRPr>
+          </a:p>
+        </p:txBody>
+      </p:sp>
+      <p:sp>
+        <p:nvSpPr>
+          <p:cNvPr id="6" name="Rectangle 46">
+            <a:extLst>
+              <a:ext uri="{FF2B5EF4-FFF2-40B4-BE49-F238E27FC236}">
+                <a16:creationId xmlns:a16="http://schemas.microsoft.com/office/drawing/2014/main" id="{6BF53E7C-F1A4-44BB-B27C-79F970F4381C}"/>
+              </a:ext>
+            </a:extLst>
+          </p:cNvPr>
+          <p:cNvSpPr/>
+          <p:nvPr/>
+        </p:nvSpPr>
+        <p:spPr>
+          <a:xfrm>
+            <a:off x="464172" y="1592044"/>
+            <a:ext cx="2344200" cy="360000"/>
+          </a:xfrm>
+          <a:prstGeom prst="rect">
+            <a:avLst/>
+          </a:prstGeom>
+          <a:solidFill>
+            <a:schemeClr val="bg1"/>
+          </a:solidFill>
+          <a:ln>
+            <a:noFill/>
+          </a:ln>
+        </p:spPr>
+        <p:style>
+          <a:lnRef idx="2">
+            <a:schemeClr val="accent1">
+              <a:shade val="50000"/>
+            </a:schemeClr>
+          </a:lnRef>
+          <a:fillRef idx="1">
+            <a:schemeClr val="accent1"/>
+          </a:fillRef>
+          <a:effectRef idx="0">
+            <a:schemeClr val="accent1"/>
+          </a:effectRef>
+          <a:fontRef idx="minor">
+            <a:schemeClr val="lt1"/>
+          </a:fontRef>
+        </p:style>
+        <p:txBody>
+          <a:bodyPr rtlCol="0" anchor="ctr"/>
+          <a:lstStyle/>
+          <a:p>
+            <a:pPr algn="ctr"/>
+            <a:r>
+              <a:rPr lang="zh-CN" altLang="en-US" sz="1400" b="1" dirty="0">
+                <a:solidFill>
+                  <a:srgbClr val="1ABC9C"/>
+                </a:solidFill>
+                <a:latin typeface="+mn-ea"/>
+              </a:rPr>
+              <a:t>查询流程定义</a:t>
+            </a:r>
+            <a:endParaRPr lang="en-US" sz="1400" b="1" dirty="0">
+              <a:solidFill>
+                <a:srgbClr val="1ABC9C"/>
+              </a:solidFill>
+              <a:latin typeface="+mn-ea"/>
+            </a:endParaRPr>
+          </a:p>
+        </p:txBody>
+      </p:sp>
+      <p:sp>
+        <p:nvSpPr>
+          <p:cNvPr id="8" name="Rectangle 49">
+            <a:extLst>
+              <a:ext uri="{FF2B5EF4-FFF2-40B4-BE49-F238E27FC236}">
+                <a16:creationId xmlns:a16="http://schemas.microsoft.com/office/drawing/2014/main" id="{40F0C174-B004-4871-956A-2202B0DC157C}"/>
+              </a:ext>
+            </a:extLst>
+          </p:cNvPr>
+          <p:cNvSpPr/>
+          <p:nvPr/>
+        </p:nvSpPr>
+        <p:spPr>
+          <a:xfrm>
+            <a:off x="440092" y="3171622"/>
+            <a:ext cx="2344199" cy="360000"/>
+          </a:xfrm>
+          <a:prstGeom prst="rect">
+            <a:avLst/>
+          </a:prstGeom>
+          <a:solidFill>
+            <a:schemeClr val="bg1"/>
+          </a:solidFill>
+          <a:ln>
+            <a:noFill/>
+          </a:ln>
+        </p:spPr>
+        <p:style>
+          <a:lnRef idx="2">
+            <a:schemeClr val="accent1">
+              <a:shade val="50000"/>
+            </a:schemeClr>
+          </a:lnRef>
+          <a:fillRef idx="1">
+            <a:schemeClr val="accent1"/>
+          </a:fillRef>
+          <a:effectRef idx="0">
+            <a:schemeClr val="accent1"/>
+          </a:effectRef>
+          <a:fontRef idx="minor">
+            <a:schemeClr val="lt1"/>
+          </a:fontRef>
+        </p:style>
+        <p:txBody>
+          <a:bodyPr rtlCol="0" anchor="ctr"/>
+          <a:lstStyle/>
+          <a:p>
+            <a:pPr algn="ctr"/>
+            <a:r>
+              <a:rPr lang="zh-CN" altLang="en-US" sz="1400" b="1" dirty="0">
+                <a:solidFill>
+                  <a:srgbClr val="1ABC9C"/>
+                </a:solidFill>
+                <a:latin typeface="+mn-ea"/>
+              </a:rPr>
+              <a:t>导出流程</a:t>
+            </a:r>
+            <a:endParaRPr lang="en-US" sz="1400" b="1" dirty="0">
+              <a:solidFill>
+                <a:srgbClr val="1ABC9C"/>
+              </a:solidFill>
+              <a:latin typeface="+mn-ea"/>
+            </a:endParaRPr>
+          </a:p>
+        </p:txBody>
+      </p:sp>
+      <p:sp>
+        <p:nvSpPr>
+          <p:cNvPr id="9" name="Rectangle 49">
+            <a:extLst>
+              <a:ext uri="{FF2B5EF4-FFF2-40B4-BE49-F238E27FC236}">
+                <a16:creationId xmlns:a16="http://schemas.microsoft.com/office/drawing/2014/main" id="{13C2EC39-A910-4D69-B75E-F032FC9CD51D}"/>
+              </a:ext>
+            </a:extLst>
+          </p:cNvPr>
+          <p:cNvSpPr/>
+          <p:nvPr/>
+        </p:nvSpPr>
+        <p:spPr>
+          <a:xfrm>
+            <a:off x="479088" y="3677660"/>
+            <a:ext cx="2344199" cy="360000"/>
+          </a:xfrm>
+          <a:prstGeom prst="rect">
+            <a:avLst/>
+          </a:prstGeom>
+          <a:solidFill>
+            <a:schemeClr val="bg1"/>
+          </a:solidFill>
+          <a:ln>
+            <a:noFill/>
+          </a:ln>
+        </p:spPr>
+        <p:style>
+          <a:lnRef idx="2">
+            <a:schemeClr val="accent1">
+              <a:shade val="50000"/>
+            </a:schemeClr>
+          </a:lnRef>
+          <a:fillRef idx="1">
+            <a:schemeClr val="accent1"/>
+          </a:fillRef>
+          <a:effectRef idx="0">
+            <a:schemeClr val="accent1"/>
+          </a:effectRef>
+          <a:fontRef idx="minor">
+            <a:schemeClr val="lt1"/>
+          </a:fontRef>
+        </p:style>
+        <p:txBody>
+          <a:bodyPr rtlCol="0" anchor="ctr"/>
+          <a:lstStyle/>
+          <a:p>
+            <a:pPr algn="ctr"/>
+            <a:r>
+              <a:rPr lang="zh-CN" altLang="en-US" sz="1400" b="1" dirty="0">
+                <a:solidFill>
+                  <a:srgbClr val="1ABC9C"/>
+                </a:solidFill>
+                <a:latin typeface="+mn-ea"/>
+              </a:rPr>
+              <a:t>导入流程</a:t>
+            </a:r>
+            <a:endParaRPr lang="en-US" sz="1400" b="1" dirty="0">
+              <a:solidFill>
+                <a:srgbClr val="1ABC9C"/>
+              </a:solidFill>
+              <a:latin typeface="+mn-ea"/>
+            </a:endParaRPr>
+          </a:p>
+        </p:txBody>
+      </p:sp>
+      <p:sp>
+        <p:nvSpPr>
+          <p:cNvPr id="10" name="Rectangle 49">
+            <a:extLst>
+              <a:ext uri="{FF2B5EF4-FFF2-40B4-BE49-F238E27FC236}">
+                <a16:creationId xmlns:a16="http://schemas.microsoft.com/office/drawing/2014/main" id="{775C31E9-3071-4C65-80D9-7B8E4C4172F4}"/>
+              </a:ext>
+            </a:extLst>
+          </p:cNvPr>
+          <p:cNvSpPr/>
+          <p:nvPr/>
+        </p:nvSpPr>
+        <p:spPr>
+          <a:xfrm>
+            <a:off x="479088" y="4190293"/>
+            <a:ext cx="2344199" cy="360000"/>
+          </a:xfrm>
+          <a:prstGeom prst="rect">
+            <a:avLst/>
+          </a:prstGeom>
+          <a:solidFill>
+            <a:schemeClr val="bg1"/>
+          </a:solidFill>
+          <a:ln>
+            <a:noFill/>
+          </a:ln>
+        </p:spPr>
+        <p:style>
+          <a:lnRef idx="2">
+            <a:schemeClr val="accent1">
+              <a:shade val="50000"/>
+            </a:schemeClr>
+          </a:lnRef>
+          <a:fillRef idx="1">
+            <a:schemeClr val="accent1"/>
+          </a:fillRef>
+          <a:effectRef idx="0">
+            <a:schemeClr val="accent1"/>
+          </a:effectRef>
+          <a:fontRef idx="minor">
+            <a:schemeClr val="lt1"/>
+          </a:fontRef>
+        </p:style>
+        <p:txBody>
+          <a:bodyPr rtlCol="0" anchor="ctr"/>
+          <a:lstStyle/>
+          <a:p>
+            <a:pPr algn="ctr"/>
+            <a:r>
+              <a:rPr lang="zh-CN" altLang="en-US" sz="1400" b="1" dirty="0">
+                <a:solidFill>
+                  <a:srgbClr val="1ABC9C"/>
+                </a:solidFill>
+                <a:latin typeface="+mn-ea"/>
+              </a:rPr>
+              <a:t>流程分类设置</a:t>
+            </a:r>
+            <a:endParaRPr lang="en-US" sz="1400" b="1" dirty="0">
+              <a:solidFill>
+                <a:srgbClr val="1ABC9C"/>
+              </a:solidFill>
+              <a:latin typeface="+mn-ea"/>
+            </a:endParaRPr>
+          </a:p>
+        </p:txBody>
+      </p:sp>
+      <p:sp>
+        <p:nvSpPr>
+          <p:cNvPr id="12" name="Rectangle 29">
+            <a:extLst>
+              <a:ext uri="{FF2B5EF4-FFF2-40B4-BE49-F238E27FC236}">
+                <a16:creationId xmlns:a16="http://schemas.microsoft.com/office/drawing/2014/main" id="{D2264A51-FBCF-460A-B9D0-55F90EA0C30D}"/>
+              </a:ext>
+            </a:extLst>
+          </p:cNvPr>
+          <p:cNvSpPr/>
+          <p:nvPr/>
+        </p:nvSpPr>
+        <p:spPr>
+          <a:xfrm>
+            <a:off x="3261671" y="1001047"/>
+            <a:ext cx="2619044" cy="5602642"/>
+          </a:xfrm>
+          <a:prstGeom prst="rect">
+            <a:avLst/>
+          </a:prstGeom>
+          <a:solidFill>
+            <a:srgbClr val="2980B9"/>
+          </a:solidFill>
+          <a:ln>
+            <a:noFill/>
+          </a:ln>
+        </p:spPr>
+        <p:style>
+          <a:lnRef idx="2">
+            <a:schemeClr val="accent1">
+              <a:shade val="50000"/>
+            </a:schemeClr>
+          </a:lnRef>
+          <a:fillRef idx="1">
+            <a:schemeClr val="accent1"/>
+          </a:fillRef>
+          <a:effectRef idx="0">
+            <a:schemeClr val="accent1"/>
+          </a:effectRef>
+          <a:fontRef idx="minor">
+            <a:schemeClr val="lt1"/>
+          </a:fontRef>
+        </p:style>
+        <p:txBody>
+          <a:bodyPr rtlCol="0" anchor="t"/>
+          <a:lstStyle/>
+          <a:p>
+            <a:pPr algn="ctr"/>
+            <a:r>
+              <a:rPr lang="zh-CN" altLang="en-US" sz="2400" b="1" dirty="0"/>
+              <a:t>流程实例</a:t>
+            </a:r>
+            <a:endParaRPr lang="en-US" sz="2400" b="1" dirty="0"/>
+          </a:p>
+        </p:txBody>
+      </p:sp>
+      <p:sp>
+        <p:nvSpPr>
+          <p:cNvPr id="13" name="Rectangle 31">
+            <a:extLst>
+              <a:ext uri="{FF2B5EF4-FFF2-40B4-BE49-F238E27FC236}">
+                <a16:creationId xmlns:a16="http://schemas.microsoft.com/office/drawing/2014/main" id="{A05666B1-89F9-41A4-BE42-F19D041EA024}"/>
+              </a:ext>
+            </a:extLst>
+          </p:cNvPr>
+          <p:cNvSpPr/>
+          <p:nvPr/>
+        </p:nvSpPr>
+        <p:spPr>
+          <a:xfrm>
+            <a:off x="3392346" y="2633011"/>
+            <a:ext cx="2344199" cy="360000"/>
+          </a:xfrm>
+          <a:prstGeom prst="rect">
+            <a:avLst/>
+          </a:prstGeom>
+          <a:solidFill>
+            <a:schemeClr val="bg1"/>
+          </a:solidFill>
+          <a:ln>
+            <a:noFill/>
+          </a:ln>
+        </p:spPr>
+        <p:style>
+          <a:lnRef idx="2">
+            <a:schemeClr val="accent1">
+              <a:shade val="50000"/>
+            </a:schemeClr>
+          </a:lnRef>
+          <a:fillRef idx="1">
+            <a:schemeClr val="accent1"/>
+          </a:fillRef>
+          <a:effectRef idx="0">
+            <a:schemeClr val="accent1"/>
+          </a:effectRef>
+          <a:fontRef idx="minor">
+            <a:schemeClr val="lt1"/>
+          </a:fontRef>
+        </p:style>
+        <p:txBody>
+          <a:bodyPr rtlCol="0" anchor="ctr"/>
+          <a:lstStyle/>
+          <a:p>
+            <a:pPr algn="ctr"/>
+            <a:r>
+              <a:rPr lang="zh-CN" altLang="en-US" sz="1400" b="1" dirty="0">
+                <a:solidFill>
+                  <a:srgbClr val="1ABC9C"/>
+                </a:solidFill>
+                <a:latin typeface="+mn-ea"/>
+              </a:rPr>
+              <a:t>终止流程</a:t>
+            </a:r>
+            <a:endParaRPr lang="en-US" sz="1400" b="1" dirty="0">
+              <a:solidFill>
+                <a:srgbClr val="1ABC9C"/>
+              </a:solidFill>
+              <a:latin typeface="+mn-ea"/>
+            </a:endParaRPr>
+          </a:p>
+        </p:txBody>
+      </p:sp>
+      <p:sp>
+        <p:nvSpPr>
+          <p:cNvPr id="14" name="Rectangle 45">
+            <a:extLst>
+              <a:ext uri="{FF2B5EF4-FFF2-40B4-BE49-F238E27FC236}">
+                <a16:creationId xmlns:a16="http://schemas.microsoft.com/office/drawing/2014/main" id="{346B258A-16E5-4513-9CB5-FC32499F0E63}"/>
+              </a:ext>
+            </a:extLst>
+          </p:cNvPr>
+          <p:cNvSpPr/>
+          <p:nvPr/>
+        </p:nvSpPr>
+        <p:spPr>
+          <a:xfrm>
+            <a:off x="3392347" y="2110244"/>
+            <a:ext cx="2344200" cy="360000"/>
+          </a:xfrm>
+          <a:prstGeom prst="rect">
+            <a:avLst/>
+          </a:prstGeom>
+          <a:solidFill>
+            <a:schemeClr val="bg1"/>
+          </a:solidFill>
+          <a:ln>
+            <a:noFill/>
+          </a:ln>
+        </p:spPr>
+        <p:style>
+          <a:lnRef idx="2">
+            <a:schemeClr val="accent1">
+              <a:shade val="50000"/>
+            </a:schemeClr>
+          </a:lnRef>
+          <a:fillRef idx="1">
+            <a:schemeClr val="accent1"/>
+          </a:fillRef>
+          <a:effectRef idx="0">
+            <a:schemeClr val="accent1"/>
+          </a:effectRef>
+          <a:fontRef idx="minor">
+            <a:schemeClr val="lt1"/>
+          </a:fontRef>
+        </p:style>
+        <p:txBody>
+          <a:bodyPr rtlCol="0" anchor="ctr"/>
+          <a:lstStyle/>
+          <a:p>
+            <a:pPr algn="ctr"/>
+            <a:r>
+              <a:rPr lang="zh-CN" altLang="en-US" sz="1400" b="1" dirty="0">
+                <a:solidFill>
+                  <a:srgbClr val="1ABC9C"/>
+                </a:solidFill>
+                <a:latin typeface="+mn-ea"/>
+              </a:rPr>
+              <a:t>创建流程</a:t>
+            </a:r>
+            <a:endParaRPr lang="en-US" sz="1400" b="1" dirty="0">
+              <a:solidFill>
+                <a:srgbClr val="1ABC9C"/>
+              </a:solidFill>
+              <a:latin typeface="+mn-ea"/>
+            </a:endParaRPr>
+          </a:p>
+        </p:txBody>
+      </p:sp>
+      <p:sp>
+        <p:nvSpPr>
+          <p:cNvPr id="15" name="Rectangle 46">
+            <a:extLst>
+              <a:ext uri="{FF2B5EF4-FFF2-40B4-BE49-F238E27FC236}">
+                <a16:creationId xmlns:a16="http://schemas.microsoft.com/office/drawing/2014/main" id="{5D5E2D3E-9526-429F-B6D6-177C00B2FDB7}"/>
+              </a:ext>
+            </a:extLst>
+          </p:cNvPr>
+          <p:cNvSpPr/>
+          <p:nvPr/>
+        </p:nvSpPr>
+        <p:spPr>
+          <a:xfrm>
+            <a:off x="3392347" y="1592044"/>
+            <a:ext cx="2344200" cy="360000"/>
+          </a:xfrm>
+          <a:prstGeom prst="rect">
+            <a:avLst/>
+          </a:prstGeom>
+          <a:solidFill>
+            <a:schemeClr val="bg1"/>
+          </a:solidFill>
+          <a:ln>
+            <a:noFill/>
+          </a:ln>
+        </p:spPr>
+        <p:style>
+          <a:lnRef idx="2">
+            <a:schemeClr val="accent1">
+              <a:shade val="50000"/>
+            </a:schemeClr>
+          </a:lnRef>
+          <a:fillRef idx="1">
+            <a:schemeClr val="accent1"/>
+          </a:fillRef>
+          <a:effectRef idx="0">
+            <a:schemeClr val="accent1"/>
+          </a:effectRef>
+          <a:fontRef idx="minor">
+            <a:schemeClr val="lt1"/>
+          </a:fontRef>
+        </p:style>
+        <p:txBody>
+          <a:bodyPr rtlCol="0" anchor="ctr"/>
+          <a:lstStyle/>
+          <a:p>
+            <a:pPr algn="ctr"/>
+            <a:r>
+              <a:rPr lang="zh-CN" altLang="en-US" sz="1400" b="1" dirty="0">
+                <a:solidFill>
+                  <a:srgbClr val="1ABC9C"/>
+                </a:solidFill>
+                <a:latin typeface="+mn-ea"/>
+              </a:rPr>
+              <a:t>查询流程</a:t>
+            </a:r>
+            <a:endParaRPr lang="en-US" sz="1400" b="1" dirty="0">
+              <a:solidFill>
+                <a:srgbClr val="1ABC9C"/>
+              </a:solidFill>
+              <a:latin typeface="+mn-ea"/>
+            </a:endParaRPr>
+          </a:p>
+        </p:txBody>
+      </p:sp>
+      <p:sp>
+        <p:nvSpPr>
+          <p:cNvPr id="16" name="Rectangle 49">
+            <a:extLst>
+              <a:ext uri="{FF2B5EF4-FFF2-40B4-BE49-F238E27FC236}">
+                <a16:creationId xmlns:a16="http://schemas.microsoft.com/office/drawing/2014/main" id="{515DDF82-A165-44F0-8EB5-25D547F8B3AE}"/>
+              </a:ext>
+            </a:extLst>
+          </p:cNvPr>
+          <p:cNvSpPr/>
+          <p:nvPr/>
+        </p:nvSpPr>
+        <p:spPr>
+          <a:xfrm>
+            <a:off x="3392345" y="3164661"/>
+            <a:ext cx="2344199" cy="360000"/>
+          </a:xfrm>
+          <a:prstGeom prst="rect">
+            <a:avLst/>
+          </a:prstGeom>
+          <a:solidFill>
+            <a:schemeClr val="bg1"/>
+          </a:solidFill>
+          <a:ln>
+            <a:noFill/>
+          </a:ln>
+        </p:spPr>
+        <p:style>
+          <a:lnRef idx="2">
+            <a:schemeClr val="accent1">
+              <a:shade val="50000"/>
+            </a:schemeClr>
+          </a:lnRef>
+          <a:fillRef idx="1">
+            <a:schemeClr val="accent1"/>
+          </a:fillRef>
+          <a:effectRef idx="0">
+            <a:schemeClr val="accent1"/>
+          </a:effectRef>
+          <a:fontRef idx="minor">
+            <a:schemeClr val="lt1"/>
+          </a:fontRef>
+        </p:style>
+        <p:txBody>
+          <a:bodyPr rtlCol="0" anchor="ctr"/>
+          <a:lstStyle/>
+          <a:p>
+            <a:pPr algn="ctr"/>
+            <a:r>
+              <a:rPr lang="zh-CN" altLang="en-US" sz="1400" b="1" dirty="0">
+                <a:solidFill>
+                  <a:srgbClr val="1ABC9C"/>
+                </a:solidFill>
+                <a:latin typeface="+mn-ea"/>
+              </a:rPr>
+              <a:t>删除流程</a:t>
+            </a:r>
+            <a:endParaRPr lang="en-US" sz="1400" b="1" dirty="0">
+              <a:solidFill>
+                <a:srgbClr val="1ABC9C"/>
+              </a:solidFill>
+              <a:latin typeface="+mn-ea"/>
+            </a:endParaRPr>
+          </a:p>
+        </p:txBody>
+      </p:sp>
+      <p:sp>
+        <p:nvSpPr>
+          <p:cNvPr id="17" name="Rectangle 49">
+            <a:extLst>
+              <a:ext uri="{FF2B5EF4-FFF2-40B4-BE49-F238E27FC236}">
+                <a16:creationId xmlns:a16="http://schemas.microsoft.com/office/drawing/2014/main" id="{5D99ED2C-DB37-4B22-B415-4D71D86140AB}"/>
+              </a:ext>
+            </a:extLst>
+          </p:cNvPr>
+          <p:cNvSpPr/>
+          <p:nvPr/>
+        </p:nvSpPr>
+        <p:spPr>
+          <a:xfrm>
+            <a:off x="3407263" y="3651682"/>
+            <a:ext cx="2344199" cy="360000"/>
+          </a:xfrm>
+          <a:prstGeom prst="rect">
+            <a:avLst/>
+          </a:prstGeom>
+          <a:solidFill>
+            <a:schemeClr val="bg1"/>
+          </a:solidFill>
+          <a:ln>
+            <a:noFill/>
+          </a:ln>
+        </p:spPr>
+        <p:style>
+          <a:lnRef idx="2">
+            <a:schemeClr val="accent1">
+              <a:shade val="50000"/>
+            </a:schemeClr>
+          </a:lnRef>
+          <a:fillRef idx="1">
+            <a:schemeClr val="accent1"/>
+          </a:fillRef>
+          <a:effectRef idx="0">
+            <a:schemeClr val="accent1"/>
+          </a:effectRef>
+          <a:fontRef idx="minor">
+            <a:schemeClr val="lt1"/>
+          </a:fontRef>
+        </p:style>
+        <p:txBody>
+          <a:bodyPr rtlCol="0" anchor="ctr"/>
+          <a:lstStyle/>
+          <a:p>
+            <a:pPr algn="ctr"/>
+            <a:r>
+              <a:rPr lang="zh-CN" altLang="en-US" sz="1400" b="1" dirty="0">
+                <a:solidFill>
+                  <a:srgbClr val="1ABC9C"/>
+                </a:solidFill>
+                <a:latin typeface="+mn-ea"/>
+              </a:rPr>
+              <a:t>撤回流程</a:t>
+            </a:r>
+            <a:endParaRPr lang="en-US" sz="1400" b="1" dirty="0">
+              <a:solidFill>
+                <a:srgbClr val="1ABC9C"/>
+              </a:solidFill>
+              <a:latin typeface="+mn-ea"/>
+            </a:endParaRPr>
+          </a:p>
+        </p:txBody>
+      </p:sp>
+      <p:sp>
+        <p:nvSpPr>
+          <p:cNvPr id="18" name="Rectangle 49">
+            <a:extLst>
+              <a:ext uri="{FF2B5EF4-FFF2-40B4-BE49-F238E27FC236}">
+                <a16:creationId xmlns:a16="http://schemas.microsoft.com/office/drawing/2014/main" id="{7A189820-82AA-49CD-8A99-9DC8DCAE1154}"/>
+              </a:ext>
+            </a:extLst>
+          </p:cNvPr>
+          <p:cNvSpPr/>
+          <p:nvPr/>
+        </p:nvSpPr>
+        <p:spPr>
+          <a:xfrm>
+            <a:off x="3407263" y="4157720"/>
+            <a:ext cx="2344199" cy="360000"/>
+          </a:xfrm>
+          <a:prstGeom prst="rect">
+            <a:avLst/>
+          </a:prstGeom>
+          <a:solidFill>
+            <a:schemeClr val="bg1"/>
+          </a:solidFill>
+          <a:ln>
+            <a:noFill/>
+          </a:ln>
+        </p:spPr>
+        <p:style>
+          <a:lnRef idx="2">
+            <a:schemeClr val="accent1">
+              <a:shade val="50000"/>
+            </a:schemeClr>
+          </a:lnRef>
+          <a:fillRef idx="1">
+            <a:schemeClr val="accent1"/>
+          </a:fillRef>
+          <a:effectRef idx="0">
+            <a:schemeClr val="accent1"/>
+          </a:effectRef>
+          <a:fontRef idx="minor">
+            <a:schemeClr val="lt1"/>
+          </a:fontRef>
+        </p:style>
+        <p:txBody>
+          <a:bodyPr rtlCol="0" anchor="ctr"/>
+          <a:lstStyle/>
+          <a:p>
+            <a:pPr algn="ctr"/>
+            <a:r>
+              <a:rPr lang="zh-CN" altLang="en-US" sz="1400" b="1" dirty="0">
+                <a:solidFill>
+                  <a:srgbClr val="1ABC9C"/>
+                </a:solidFill>
+                <a:latin typeface="+mn-ea"/>
+              </a:rPr>
+              <a:t>修改流程</a:t>
+            </a:r>
+            <a:endParaRPr lang="en-US" sz="1400" b="1" dirty="0">
+              <a:solidFill>
+                <a:srgbClr val="1ABC9C"/>
+              </a:solidFill>
+              <a:latin typeface="+mn-ea"/>
+            </a:endParaRPr>
+          </a:p>
+        </p:txBody>
+      </p:sp>
+      <p:sp>
+        <p:nvSpPr>
+          <p:cNvPr id="19" name="Rectangle 49">
+            <a:extLst>
+              <a:ext uri="{FF2B5EF4-FFF2-40B4-BE49-F238E27FC236}">
+                <a16:creationId xmlns:a16="http://schemas.microsoft.com/office/drawing/2014/main" id="{4D99F893-4FA9-4F1F-8199-A9B37D26647A}"/>
+              </a:ext>
+            </a:extLst>
+          </p:cNvPr>
+          <p:cNvSpPr/>
+          <p:nvPr/>
+        </p:nvSpPr>
+        <p:spPr>
+          <a:xfrm>
+            <a:off x="3407263" y="4670353"/>
+            <a:ext cx="2344199" cy="360000"/>
+          </a:xfrm>
+          <a:prstGeom prst="rect">
+            <a:avLst/>
+          </a:prstGeom>
+          <a:solidFill>
+            <a:schemeClr val="bg1"/>
+          </a:solidFill>
+          <a:ln>
+            <a:noFill/>
+          </a:ln>
+        </p:spPr>
+        <p:style>
+          <a:lnRef idx="2">
+            <a:schemeClr val="accent1">
+              <a:shade val="50000"/>
+            </a:schemeClr>
+          </a:lnRef>
+          <a:fillRef idx="1">
+            <a:schemeClr val="accent1"/>
+          </a:fillRef>
+          <a:effectRef idx="0">
+            <a:schemeClr val="accent1"/>
+          </a:effectRef>
+          <a:fontRef idx="minor">
+            <a:schemeClr val="lt1"/>
+          </a:fontRef>
+        </p:style>
+        <p:txBody>
+          <a:bodyPr rtlCol="0" anchor="ctr"/>
+          <a:lstStyle/>
+          <a:p>
+            <a:pPr algn="ctr"/>
+            <a:r>
+              <a:rPr lang="zh-CN" altLang="en-US" sz="1400" b="1" dirty="0">
+                <a:solidFill>
+                  <a:srgbClr val="1ABC9C"/>
+                </a:solidFill>
+                <a:latin typeface="+mn-ea"/>
+              </a:rPr>
+              <a:t>查询流程变量</a:t>
+            </a:r>
+            <a:endParaRPr lang="en-US" sz="1400" b="1" dirty="0">
+              <a:solidFill>
+                <a:srgbClr val="1ABC9C"/>
+              </a:solidFill>
+              <a:latin typeface="+mn-ea"/>
+            </a:endParaRPr>
+          </a:p>
+        </p:txBody>
+      </p:sp>
+      <p:sp>
+        <p:nvSpPr>
+          <p:cNvPr id="20" name="Rectangle 49">
+            <a:extLst>
+              <a:ext uri="{FF2B5EF4-FFF2-40B4-BE49-F238E27FC236}">
+                <a16:creationId xmlns:a16="http://schemas.microsoft.com/office/drawing/2014/main" id="{5EA5E40E-1313-4CCF-A4A8-208FB8EB8091}"/>
+              </a:ext>
+            </a:extLst>
+          </p:cNvPr>
+          <p:cNvSpPr/>
+          <p:nvPr/>
+        </p:nvSpPr>
+        <p:spPr>
+          <a:xfrm>
+            <a:off x="3392345" y="5179314"/>
+            <a:ext cx="2344199" cy="360000"/>
+          </a:xfrm>
+          <a:prstGeom prst="rect">
+            <a:avLst/>
+          </a:prstGeom>
+          <a:solidFill>
+            <a:schemeClr val="bg1"/>
+          </a:solidFill>
+          <a:ln>
+            <a:noFill/>
+          </a:ln>
+        </p:spPr>
+        <p:style>
+          <a:lnRef idx="2">
+            <a:schemeClr val="accent1">
+              <a:shade val="50000"/>
+            </a:schemeClr>
+          </a:lnRef>
+          <a:fillRef idx="1">
+            <a:schemeClr val="accent1"/>
+          </a:fillRef>
+          <a:effectRef idx="0">
+            <a:schemeClr val="accent1"/>
+          </a:effectRef>
+          <a:fontRef idx="minor">
+            <a:schemeClr val="lt1"/>
+          </a:fontRef>
+        </p:style>
+        <p:txBody>
+          <a:bodyPr rtlCol="0" anchor="ctr"/>
+          <a:lstStyle/>
+          <a:p>
+            <a:pPr algn="ctr"/>
+            <a:r>
+              <a:rPr lang="en-US" altLang="zh-CN" sz="1400" b="1" dirty="0">
+                <a:solidFill>
+                  <a:srgbClr val="1ABC9C"/>
+                </a:solidFill>
+                <a:latin typeface="+mn-ea"/>
+              </a:rPr>
+              <a:t>+</a:t>
+            </a:r>
+            <a:endParaRPr lang="en-US" sz="1400" b="1" dirty="0">
+              <a:solidFill>
+                <a:srgbClr val="1ABC9C"/>
+              </a:solidFill>
+              <a:latin typeface="+mn-ea"/>
+            </a:endParaRPr>
+          </a:p>
+        </p:txBody>
+      </p:sp>
+      <p:sp>
+        <p:nvSpPr>
+          <p:cNvPr id="21" name="Rectangle 29">
+            <a:extLst>
+              <a:ext uri="{FF2B5EF4-FFF2-40B4-BE49-F238E27FC236}">
+                <a16:creationId xmlns:a16="http://schemas.microsoft.com/office/drawing/2014/main" id="{3095F57A-9444-4DD8-9F88-98B27636D395}"/>
+              </a:ext>
+            </a:extLst>
+          </p:cNvPr>
+          <p:cNvSpPr/>
+          <p:nvPr/>
+        </p:nvSpPr>
+        <p:spPr>
+          <a:xfrm>
+            <a:off x="6220127" y="1001047"/>
+            <a:ext cx="2619044" cy="5602642"/>
+          </a:xfrm>
+          <a:prstGeom prst="rect">
+            <a:avLst/>
+          </a:prstGeom>
+          <a:solidFill>
+            <a:srgbClr val="2980B9"/>
+          </a:solidFill>
+          <a:ln>
+            <a:noFill/>
+          </a:ln>
+        </p:spPr>
+        <p:style>
+          <a:lnRef idx="2">
+            <a:schemeClr val="accent1">
+              <a:shade val="50000"/>
+            </a:schemeClr>
+          </a:lnRef>
+          <a:fillRef idx="1">
+            <a:schemeClr val="accent1"/>
+          </a:fillRef>
+          <a:effectRef idx="0">
+            <a:schemeClr val="accent1"/>
+          </a:effectRef>
+          <a:fontRef idx="minor">
+            <a:schemeClr val="lt1"/>
+          </a:fontRef>
+        </p:style>
+        <p:txBody>
+          <a:bodyPr rtlCol="0" anchor="t"/>
+          <a:lstStyle/>
+          <a:p>
+            <a:pPr algn="ctr"/>
+            <a:r>
+              <a:rPr lang="zh-CN" altLang="en-US" sz="2400" b="1" dirty="0"/>
+              <a:t>任务</a:t>
+            </a:r>
+            <a:endParaRPr lang="en-US" sz="2400" b="1" dirty="0"/>
+          </a:p>
+        </p:txBody>
+      </p:sp>
+      <p:sp>
+        <p:nvSpPr>
+          <p:cNvPr id="22" name="Rectangle 31">
+            <a:extLst>
+              <a:ext uri="{FF2B5EF4-FFF2-40B4-BE49-F238E27FC236}">
+                <a16:creationId xmlns:a16="http://schemas.microsoft.com/office/drawing/2014/main" id="{BEBB3148-D013-485C-B758-F6D4E615A385}"/>
+              </a:ext>
+            </a:extLst>
+          </p:cNvPr>
+          <p:cNvSpPr/>
+          <p:nvPr/>
+        </p:nvSpPr>
+        <p:spPr>
+          <a:xfrm>
+            <a:off x="6350802" y="2633011"/>
+            <a:ext cx="2344199" cy="360000"/>
+          </a:xfrm>
+          <a:prstGeom prst="rect">
+            <a:avLst/>
+          </a:prstGeom>
+          <a:solidFill>
+            <a:schemeClr val="bg1"/>
+          </a:solidFill>
+          <a:ln>
+            <a:noFill/>
+          </a:ln>
+        </p:spPr>
+        <p:style>
+          <a:lnRef idx="2">
+            <a:schemeClr val="accent1">
+              <a:shade val="50000"/>
+            </a:schemeClr>
+          </a:lnRef>
+          <a:fillRef idx="1">
+            <a:schemeClr val="accent1"/>
+          </a:fillRef>
+          <a:effectRef idx="0">
+            <a:schemeClr val="accent1"/>
+          </a:effectRef>
+          <a:fontRef idx="minor">
+            <a:schemeClr val="lt1"/>
+          </a:fontRef>
+        </p:style>
+        <p:txBody>
+          <a:bodyPr rtlCol="0" anchor="ctr"/>
+          <a:lstStyle/>
+          <a:p>
+            <a:pPr algn="ctr"/>
+            <a:r>
+              <a:rPr lang="zh-CN" altLang="en-US" sz="1400" b="1" dirty="0">
+                <a:solidFill>
+                  <a:srgbClr val="1ABC9C"/>
+                </a:solidFill>
+                <a:latin typeface="+mn-ea"/>
+              </a:rPr>
+              <a:t>拒绝</a:t>
+            </a:r>
+            <a:endParaRPr lang="en-US" sz="1400" b="1" dirty="0">
+              <a:solidFill>
+                <a:srgbClr val="1ABC9C"/>
+              </a:solidFill>
+              <a:latin typeface="+mn-ea"/>
+            </a:endParaRPr>
+          </a:p>
+        </p:txBody>
+      </p:sp>
+      <p:sp>
+        <p:nvSpPr>
+          <p:cNvPr id="23" name="Rectangle 45">
+            <a:extLst>
+              <a:ext uri="{FF2B5EF4-FFF2-40B4-BE49-F238E27FC236}">
+                <a16:creationId xmlns:a16="http://schemas.microsoft.com/office/drawing/2014/main" id="{12581529-7E01-456D-BBE0-184F6B1EBFBE}"/>
+              </a:ext>
+            </a:extLst>
+          </p:cNvPr>
+          <p:cNvSpPr/>
+          <p:nvPr/>
+        </p:nvSpPr>
+        <p:spPr>
+          <a:xfrm>
+            <a:off x="6350803" y="2110244"/>
+            <a:ext cx="2344200" cy="360000"/>
+          </a:xfrm>
+          <a:prstGeom prst="rect">
+            <a:avLst/>
+          </a:prstGeom>
+          <a:solidFill>
+            <a:schemeClr val="bg1"/>
+          </a:solidFill>
+          <a:ln>
+            <a:noFill/>
+          </a:ln>
+        </p:spPr>
+        <p:style>
+          <a:lnRef idx="2">
+            <a:schemeClr val="accent1">
+              <a:shade val="50000"/>
+            </a:schemeClr>
+          </a:lnRef>
+          <a:fillRef idx="1">
+            <a:schemeClr val="accent1"/>
+          </a:fillRef>
+          <a:effectRef idx="0">
+            <a:schemeClr val="accent1"/>
+          </a:effectRef>
+          <a:fontRef idx="minor">
+            <a:schemeClr val="lt1"/>
+          </a:fontRef>
+        </p:style>
+        <p:txBody>
+          <a:bodyPr rtlCol="0" anchor="ctr"/>
+          <a:lstStyle/>
+          <a:p>
+            <a:pPr algn="ctr"/>
+            <a:r>
+              <a:rPr lang="zh-CN" altLang="en-US" sz="1400" b="1" dirty="0">
+                <a:solidFill>
+                  <a:srgbClr val="1ABC9C"/>
+                </a:solidFill>
+                <a:latin typeface="+mn-ea"/>
+              </a:rPr>
+              <a:t>通过</a:t>
+            </a:r>
+            <a:endParaRPr lang="en-US" sz="1400" b="1" dirty="0">
+              <a:solidFill>
+                <a:srgbClr val="1ABC9C"/>
+              </a:solidFill>
+              <a:latin typeface="+mn-ea"/>
+            </a:endParaRPr>
+          </a:p>
+        </p:txBody>
+      </p:sp>
+      <p:sp>
+        <p:nvSpPr>
+          <p:cNvPr id="24" name="Rectangle 46">
+            <a:extLst>
+              <a:ext uri="{FF2B5EF4-FFF2-40B4-BE49-F238E27FC236}">
+                <a16:creationId xmlns:a16="http://schemas.microsoft.com/office/drawing/2014/main" id="{343D8319-72E4-4278-9B70-A5C5DF6E31E3}"/>
+              </a:ext>
+            </a:extLst>
+          </p:cNvPr>
+          <p:cNvSpPr/>
+          <p:nvPr/>
+        </p:nvSpPr>
+        <p:spPr>
+          <a:xfrm>
+            <a:off x="6350803" y="1592044"/>
+            <a:ext cx="2344200" cy="360000"/>
+          </a:xfrm>
+          <a:prstGeom prst="rect">
+            <a:avLst/>
+          </a:prstGeom>
+          <a:solidFill>
+            <a:schemeClr val="bg1"/>
+          </a:solidFill>
+          <a:ln>
+            <a:noFill/>
+          </a:ln>
+        </p:spPr>
+        <p:style>
+          <a:lnRef idx="2">
+            <a:schemeClr val="accent1">
+              <a:shade val="50000"/>
+            </a:schemeClr>
+          </a:lnRef>
+          <a:fillRef idx="1">
+            <a:schemeClr val="accent1"/>
+          </a:fillRef>
+          <a:effectRef idx="0">
+            <a:schemeClr val="accent1"/>
+          </a:effectRef>
+          <a:fontRef idx="minor">
+            <a:schemeClr val="lt1"/>
+          </a:fontRef>
+        </p:style>
+        <p:txBody>
+          <a:bodyPr rtlCol="0" anchor="ctr"/>
+          <a:lstStyle/>
+          <a:p>
+            <a:pPr algn="ctr"/>
+            <a:r>
+              <a:rPr lang="zh-CN" altLang="en-US" sz="1400" b="1" dirty="0">
+                <a:solidFill>
+                  <a:srgbClr val="1ABC9C"/>
+                </a:solidFill>
+                <a:latin typeface="+mn-ea"/>
+              </a:rPr>
+              <a:t>任务查询</a:t>
+            </a:r>
+            <a:endParaRPr lang="en-US" sz="1400" b="1" dirty="0">
+              <a:solidFill>
+                <a:srgbClr val="1ABC9C"/>
+              </a:solidFill>
+              <a:latin typeface="+mn-ea"/>
+            </a:endParaRPr>
+          </a:p>
+        </p:txBody>
+      </p:sp>
+      <p:sp>
+        <p:nvSpPr>
+          <p:cNvPr id="25" name="Rectangle 49">
+            <a:extLst>
+              <a:ext uri="{FF2B5EF4-FFF2-40B4-BE49-F238E27FC236}">
+                <a16:creationId xmlns:a16="http://schemas.microsoft.com/office/drawing/2014/main" id="{F0974195-E450-47C7-AF19-B5F7A237C3A2}"/>
+              </a:ext>
+            </a:extLst>
+          </p:cNvPr>
+          <p:cNvSpPr/>
+          <p:nvPr/>
+        </p:nvSpPr>
+        <p:spPr>
+          <a:xfrm>
+            <a:off x="6350801" y="3164661"/>
+            <a:ext cx="2344199" cy="360000"/>
+          </a:xfrm>
+          <a:prstGeom prst="rect">
+            <a:avLst/>
+          </a:prstGeom>
+          <a:solidFill>
+            <a:schemeClr val="bg1"/>
+          </a:solidFill>
+          <a:ln>
+            <a:noFill/>
+          </a:ln>
+        </p:spPr>
+        <p:style>
+          <a:lnRef idx="2">
+            <a:schemeClr val="accent1">
+              <a:shade val="50000"/>
+            </a:schemeClr>
+          </a:lnRef>
+          <a:fillRef idx="1">
+            <a:schemeClr val="accent1"/>
+          </a:fillRef>
+          <a:effectRef idx="0">
+            <a:schemeClr val="accent1"/>
+          </a:effectRef>
+          <a:fontRef idx="minor">
+            <a:schemeClr val="lt1"/>
+          </a:fontRef>
+        </p:style>
+        <p:txBody>
+          <a:bodyPr rtlCol="0" anchor="ctr"/>
+          <a:lstStyle/>
+          <a:p>
+            <a:pPr algn="ctr"/>
+            <a:r>
+              <a:rPr lang="zh-CN" altLang="en-US" sz="1400" b="1" dirty="0">
+                <a:solidFill>
+                  <a:srgbClr val="1ABC9C"/>
+                </a:solidFill>
+                <a:latin typeface="+mn-ea"/>
+              </a:rPr>
+              <a:t>退回到指定任务定义</a:t>
+            </a:r>
+            <a:endParaRPr lang="en-US" sz="1400" b="1" dirty="0">
+              <a:solidFill>
+                <a:srgbClr val="1ABC9C"/>
+              </a:solidFill>
+              <a:latin typeface="+mn-ea"/>
+            </a:endParaRPr>
+          </a:p>
+        </p:txBody>
+      </p:sp>
+      <p:sp>
+        <p:nvSpPr>
+          <p:cNvPr id="26" name="Rectangle 49">
+            <a:extLst>
+              <a:ext uri="{FF2B5EF4-FFF2-40B4-BE49-F238E27FC236}">
+                <a16:creationId xmlns:a16="http://schemas.microsoft.com/office/drawing/2014/main" id="{1DBE55A6-2EF6-4B60-9F15-D6A692898AA1}"/>
+              </a:ext>
+            </a:extLst>
+          </p:cNvPr>
+          <p:cNvSpPr/>
+          <p:nvPr/>
+        </p:nvSpPr>
+        <p:spPr>
+          <a:xfrm>
+            <a:off x="6365719" y="3651682"/>
+            <a:ext cx="2344199" cy="360000"/>
+          </a:xfrm>
+          <a:prstGeom prst="rect">
+            <a:avLst/>
+          </a:prstGeom>
+          <a:solidFill>
+            <a:schemeClr val="bg1"/>
+          </a:solidFill>
+          <a:ln>
+            <a:noFill/>
+          </a:ln>
+        </p:spPr>
+        <p:style>
+          <a:lnRef idx="2">
+            <a:schemeClr val="accent1">
+              <a:shade val="50000"/>
+            </a:schemeClr>
+          </a:lnRef>
+          <a:fillRef idx="1">
+            <a:schemeClr val="accent1"/>
+          </a:fillRef>
+          <a:effectRef idx="0">
+            <a:schemeClr val="accent1"/>
+          </a:effectRef>
+          <a:fontRef idx="minor">
+            <a:schemeClr val="lt1"/>
+          </a:fontRef>
+        </p:style>
+        <p:txBody>
+          <a:bodyPr rtlCol="0" anchor="ctr"/>
+          <a:lstStyle/>
+          <a:p>
+            <a:pPr algn="ctr"/>
+            <a:r>
+              <a:rPr lang="zh-CN" altLang="en-US" sz="1400" b="1" dirty="0">
+                <a:solidFill>
+                  <a:srgbClr val="1ABC9C"/>
+                </a:solidFill>
+                <a:latin typeface="+mn-ea"/>
+              </a:rPr>
+              <a:t>同意、反对（会签）</a:t>
+            </a:r>
+            <a:endParaRPr lang="en-US" sz="1400" b="1" dirty="0">
+              <a:solidFill>
+                <a:srgbClr val="1ABC9C"/>
+              </a:solidFill>
+              <a:latin typeface="+mn-ea"/>
+            </a:endParaRPr>
+          </a:p>
+        </p:txBody>
+      </p:sp>
+      <p:sp>
+        <p:nvSpPr>
+          <p:cNvPr id="27" name="Rectangle 49">
+            <a:extLst>
+              <a:ext uri="{FF2B5EF4-FFF2-40B4-BE49-F238E27FC236}">
+                <a16:creationId xmlns:a16="http://schemas.microsoft.com/office/drawing/2014/main" id="{5E42FDFE-9836-46FD-8238-2CD1277BF376}"/>
+              </a:ext>
+            </a:extLst>
+          </p:cNvPr>
+          <p:cNvSpPr/>
+          <p:nvPr/>
+        </p:nvSpPr>
+        <p:spPr>
+          <a:xfrm>
+            <a:off x="6365719" y="4157720"/>
+            <a:ext cx="2344199" cy="360000"/>
+          </a:xfrm>
+          <a:prstGeom prst="rect">
+            <a:avLst/>
+          </a:prstGeom>
+          <a:solidFill>
+            <a:schemeClr val="bg1"/>
+          </a:solidFill>
+          <a:ln>
+            <a:noFill/>
+          </a:ln>
+        </p:spPr>
+        <p:style>
+          <a:lnRef idx="2">
+            <a:schemeClr val="accent1">
+              <a:shade val="50000"/>
+            </a:schemeClr>
+          </a:lnRef>
+          <a:fillRef idx="1">
+            <a:schemeClr val="accent1"/>
+          </a:fillRef>
+          <a:effectRef idx="0">
+            <a:schemeClr val="accent1"/>
+          </a:effectRef>
+          <a:fontRef idx="minor">
+            <a:schemeClr val="lt1"/>
+          </a:fontRef>
+        </p:style>
+        <p:txBody>
+          <a:bodyPr rtlCol="0" anchor="ctr"/>
+          <a:lstStyle/>
+          <a:p>
+            <a:pPr algn="ctr"/>
+            <a:r>
+              <a:rPr lang="zh-CN" altLang="en-US" sz="1400" b="1" dirty="0">
+                <a:solidFill>
+                  <a:srgbClr val="1ABC9C"/>
+                </a:solidFill>
+                <a:latin typeface="+mn-ea"/>
+              </a:rPr>
+              <a:t>查询任务执行人</a:t>
+            </a:r>
+            <a:endParaRPr lang="en-US" sz="1400" b="1" dirty="0">
+              <a:solidFill>
+                <a:srgbClr val="1ABC9C"/>
+              </a:solidFill>
+              <a:latin typeface="+mn-ea"/>
+            </a:endParaRPr>
+          </a:p>
+        </p:txBody>
+      </p:sp>
+      <p:sp>
+        <p:nvSpPr>
+          <p:cNvPr id="28" name="Rectangle 49">
+            <a:extLst>
+              <a:ext uri="{FF2B5EF4-FFF2-40B4-BE49-F238E27FC236}">
+                <a16:creationId xmlns:a16="http://schemas.microsoft.com/office/drawing/2014/main" id="{7C33AB29-54FF-4975-A948-79CBB8EA054C}"/>
+              </a:ext>
+            </a:extLst>
+          </p:cNvPr>
+          <p:cNvSpPr/>
+          <p:nvPr/>
+        </p:nvSpPr>
+        <p:spPr>
+          <a:xfrm>
+            <a:off x="6365719" y="4670353"/>
+            <a:ext cx="2344199" cy="360000"/>
+          </a:xfrm>
+          <a:prstGeom prst="rect">
+            <a:avLst/>
+          </a:prstGeom>
+          <a:solidFill>
+            <a:schemeClr val="bg1"/>
+          </a:solidFill>
+          <a:ln>
+            <a:noFill/>
+          </a:ln>
+        </p:spPr>
+        <p:style>
+          <a:lnRef idx="2">
+            <a:schemeClr val="accent1">
+              <a:shade val="50000"/>
+            </a:schemeClr>
+          </a:lnRef>
+          <a:fillRef idx="1">
+            <a:schemeClr val="accent1"/>
+          </a:fillRef>
+          <a:effectRef idx="0">
+            <a:schemeClr val="accent1"/>
+          </a:effectRef>
+          <a:fontRef idx="minor">
+            <a:schemeClr val="lt1"/>
+          </a:fontRef>
+        </p:style>
+        <p:txBody>
+          <a:bodyPr rtlCol="0" anchor="ctr"/>
+          <a:lstStyle/>
+          <a:p>
+            <a:pPr algn="ctr"/>
+            <a:r>
+              <a:rPr lang="zh-CN" altLang="en-US" sz="1400" b="1" dirty="0">
+                <a:solidFill>
+                  <a:srgbClr val="1ABC9C"/>
+                </a:solidFill>
+                <a:latin typeface="+mn-ea"/>
+              </a:rPr>
+              <a:t>委办</a:t>
+            </a:r>
+            <a:endParaRPr lang="en-US" sz="1400" b="1" dirty="0">
+              <a:solidFill>
+                <a:srgbClr val="1ABC9C"/>
+              </a:solidFill>
+              <a:latin typeface="+mn-ea"/>
+            </a:endParaRPr>
+          </a:p>
+        </p:txBody>
+      </p:sp>
+      <p:sp>
+        <p:nvSpPr>
+          <p:cNvPr id="29" name="Rectangle 49">
+            <a:extLst>
+              <a:ext uri="{FF2B5EF4-FFF2-40B4-BE49-F238E27FC236}">
+                <a16:creationId xmlns:a16="http://schemas.microsoft.com/office/drawing/2014/main" id="{8E7FD8EC-8C0E-4F71-87C4-B8EB0BFE57C0}"/>
+              </a:ext>
+            </a:extLst>
+          </p:cNvPr>
+          <p:cNvSpPr/>
+          <p:nvPr/>
+        </p:nvSpPr>
+        <p:spPr>
+          <a:xfrm>
+            <a:off x="6350801" y="5179314"/>
+            <a:ext cx="2344199" cy="360000"/>
+          </a:xfrm>
+          <a:prstGeom prst="rect">
+            <a:avLst/>
+          </a:prstGeom>
+          <a:solidFill>
+            <a:schemeClr val="bg1"/>
+          </a:solidFill>
+          <a:ln>
+            <a:noFill/>
+          </a:ln>
+        </p:spPr>
+        <p:style>
+          <a:lnRef idx="2">
+            <a:schemeClr val="accent1">
+              <a:shade val="50000"/>
+            </a:schemeClr>
+          </a:lnRef>
+          <a:fillRef idx="1">
+            <a:schemeClr val="accent1"/>
+          </a:fillRef>
+          <a:effectRef idx="0">
+            <a:schemeClr val="accent1"/>
+          </a:effectRef>
+          <a:fontRef idx="minor">
+            <a:schemeClr val="lt1"/>
+          </a:fontRef>
+        </p:style>
+        <p:txBody>
+          <a:bodyPr rtlCol="0" anchor="ctr"/>
+          <a:lstStyle/>
+          <a:p>
+            <a:pPr algn="ctr"/>
+            <a:r>
+              <a:rPr lang="en-US" altLang="zh-CN" sz="1400" b="1" dirty="0">
+                <a:solidFill>
+                  <a:srgbClr val="1ABC9C"/>
+                </a:solidFill>
+                <a:latin typeface="+mn-ea"/>
+              </a:rPr>
+              <a:t>+</a:t>
+            </a:r>
+            <a:endParaRPr lang="en-US" sz="1400" b="1" dirty="0">
+              <a:solidFill>
+                <a:srgbClr val="1ABC9C"/>
+              </a:solidFill>
+              <a:latin typeface="+mn-ea"/>
+            </a:endParaRPr>
+          </a:p>
+        </p:txBody>
+      </p:sp>
+      <p:sp>
+        <p:nvSpPr>
+          <p:cNvPr id="30" name="Rectangle 29">
+            <a:extLst>
+              <a:ext uri="{FF2B5EF4-FFF2-40B4-BE49-F238E27FC236}">
+                <a16:creationId xmlns:a16="http://schemas.microsoft.com/office/drawing/2014/main" id="{6FFDAB51-85D2-4F9C-835C-A0D11333B633}"/>
+              </a:ext>
+            </a:extLst>
+          </p:cNvPr>
+          <p:cNvSpPr/>
+          <p:nvPr/>
+        </p:nvSpPr>
+        <p:spPr>
+          <a:xfrm>
+            <a:off x="9178584" y="1001047"/>
+            <a:ext cx="2619044" cy="5602642"/>
+          </a:xfrm>
+          <a:prstGeom prst="rect">
+            <a:avLst/>
+          </a:prstGeom>
+          <a:solidFill>
+            <a:srgbClr val="2980B9"/>
+          </a:solidFill>
+          <a:ln>
+            <a:noFill/>
+          </a:ln>
+        </p:spPr>
+        <p:style>
+          <a:lnRef idx="2">
+            <a:schemeClr val="accent1">
+              <a:shade val="50000"/>
+            </a:schemeClr>
+          </a:lnRef>
+          <a:fillRef idx="1">
+            <a:schemeClr val="accent1"/>
+          </a:fillRef>
+          <a:effectRef idx="0">
+            <a:schemeClr val="accent1"/>
+          </a:effectRef>
+          <a:fontRef idx="minor">
+            <a:schemeClr val="lt1"/>
+          </a:fontRef>
+        </p:style>
+        <p:txBody>
+          <a:bodyPr rtlCol="0" anchor="t"/>
+          <a:lstStyle/>
+          <a:p>
+            <a:pPr algn="ctr"/>
+            <a:r>
+              <a:rPr lang="zh-CN" altLang="en-US" sz="2400" b="1" dirty="0"/>
+              <a:t>其它</a:t>
+            </a:r>
+            <a:endParaRPr lang="en-US" sz="2400" b="1" dirty="0"/>
+          </a:p>
+        </p:txBody>
+      </p:sp>
+      <p:sp>
+        <p:nvSpPr>
+          <p:cNvPr id="31" name="Rectangle 31">
+            <a:extLst>
+              <a:ext uri="{FF2B5EF4-FFF2-40B4-BE49-F238E27FC236}">
+                <a16:creationId xmlns:a16="http://schemas.microsoft.com/office/drawing/2014/main" id="{0926FE7B-D58B-4E68-89E4-B24C8AEE4A30}"/>
+              </a:ext>
+            </a:extLst>
+          </p:cNvPr>
+          <p:cNvSpPr/>
+          <p:nvPr/>
+        </p:nvSpPr>
+        <p:spPr>
+          <a:xfrm>
+            <a:off x="9309259" y="2633011"/>
+            <a:ext cx="2344199" cy="360000"/>
+          </a:xfrm>
+          <a:prstGeom prst="rect">
+            <a:avLst/>
+          </a:prstGeom>
+          <a:solidFill>
+            <a:schemeClr val="bg1"/>
+          </a:solidFill>
+          <a:ln>
+            <a:noFill/>
+          </a:ln>
+        </p:spPr>
+        <p:style>
+          <a:lnRef idx="2">
+            <a:schemeClr val="accent1">
+              <a:shade val="50000"/>
+            </a:schemeClr>
+          </a:lnRef>
+          <a:fillRef idx="1">
+            <a:schemeClr val="accent1"/>
+          </a:fillRef>
+          <a:effectRef idx="0">
+            <a:schemeClr val="accent1"/>
+          </a:effectRef>
+          <a:fontRef idx="minor">
+            <a:schemeClr val="lt1"/>
+          </a:fontRef>
+        </p:style>
+        <p:txBody>
+          <a:bodyPr rtlCol="0" anchor="ctr"/>
+          <a:lstStyle/>
+          <a:p>
+            <a:pPr algn="ctr"/>
+            <a:r>
+              <a:rPr lang="zh-CN" altLang="en-US" sz="1400" b="1" dirty="0">
+                <a:solidFill>
+                  <a:srgbClr val="1ABC9C"/>
+                </a:solidFill>
+                <a:latin typeface="+mn-ea"/>
+              </a:rPr>
+              <a:t>代理设置</a:t>
+            </a:r>
+            <a:endParaRPr lang="en-US" sz="1400" b="1" dirty="0">
+              <a:solidFill>
+                <a:srgbClr val="1ABC9C"/>
+              </a:solidFill>
+              <a:latin typeface="+mn-ea"/>
+            </a:endParaRPr>
+          </a:p>
+        </p:txBody>
+      </p:sp>
+      <p:sp>
+        <p:nvSpPr>
+          <p:cNvPr id="32" name="Rectangle 45">
+            <a:extLst>
+              <a:ext uri="{FF2B5EF4-FFF2-40B4-BE49-F238E27FC236}">
+                <a16:creationId xmlns:a16="http://schemas.microsoft.com/office/drawing/2014/main" id="{C6A5B4B1-1D5E-4E10-A0E4-D7A7535FED39}"/>
+              </a:ext>
+            </a:extLst>
+          </p:cNvPr>
+          <p:cNvSpPr/>
+          <p:nvPr/>
+        </p:nvSpPr>
+        <p:spPr>
+          <a:xfrm>
+            <a:off x="9309260" y="2110244"/>
+            <a:ext cx="2344200" cy="360000"/>
+          </a:xfrm>
+          <a:prstGeom prst="rect">
+            <a:avLst/>
+          </a:prstGeom>
+          <a:solidFill>
+            <a:schemeClr val="bg1"/>
+          </a:solidFill>
+          <a:ln>
+            <a:noFill/>
+          </a:ln>
+        </p:spPr>
+        <p:style>
+          <a:lnRef idx="2">
+            <a:schemeClr val="accent1">
+              <a:shade val="50000"/>
+            </a:schemeClr>
+          </a:lnRef>
+          <a:fillRef idx="1">
+            <a:schemeClr val="accent1"/>
+          </a:fillRef>
+          <a:effectRef idx="0">
+            <a:schemeClr val="accent1"/>
+          </a:effectRef>
+          <a:fontRef idx="minor">
+            <a:schemeClr val="lt1"/>
+          </a:fontRef>
+        </p:style>
+        <p:txBody>
+          <a:bodyPr rtlCol="0" anchor="ctr"/>
+          <a:lstStyle/>
+          <a:p>
+            <a:pPr algn="ctr"/>
+            <a:r>
+              <a:rPr lang="zh-CN" altLang="en-US" sz="1400" b="1" dirty="0">
+                <a:solidFill>
+                  <a:srgbClr val="1ABC9C"/>
+                </a:solidFill>
+                <a:latin typeface="+mn-ea"/>
+              </a:rPr>
+              <a:t>操作参与者类型</a:t>
+            </a:r>
+            <a:endParaRPr lang="en-US" sz="1400" b="1" dirty="0">
+              <a:solidFill>
+                <a:srgbClr val="1ABC9C"/>
+              </a:solidFill>
+              <a:latin typeface="+mn-ea"/>
+            </a:endParaRPr>
+          </a:p>
+        </p:txBody>
+      </p:sp>
+      <p:sp>
+        <p:nvSpPr>
+          <p:cNvPr id="33" name="Rectangle 46">
+            <a:extLst>
+              <a:ext uri="{FF2B5EF4-FFF2-40B4-BE49-F238E27FC236}">
+                <a16:creationId xmlns:a16="http://schemas.microsoft.com/office/drawing/2014/main" id="{B09F861D-A56B-42C5-8E29-450412D8678D}"/>
+              </a:ext>
+            </a:extLst>
+          </p:cNvPr>
+          <p:cNvSpPr/>
+          <p:nvPr/>
+        </p:nvSpPr>
+        <p:spPr>
+          <a:xfrm>
+            <a:off x="9309260" y="1592044"/>
+            <a:ext cx="2344200" cy="360000"/>
+          </a:xfrm>
+          <a:prstGeom prst="rect">
+            <a:avLst/>
+          </a:prstGeom>
+          <a:solidFill>
+            <a:schemeClr val="bg1"/>
+          </a:solidFill>
+          <a:ln>
+            <a:noFill/>
+          </a:ln>
+        </p:spPr>
+        <p:style>
+          <a:lnRef idx="2">
+            <a:schemeClr val="accent1">
+              <a:shade val="50000"/>
+            </a:schemeClr>
+          </a:lnRef>
+          <a:fillRef idx="1">
+            <a:schemeClr val="accent1"/>
+          </a:fillRef>
+          <a:effectRef idx="0">
+            <a:schemeClr val="accent1"/>
+          </a:effectRef>
+          <a:fontRef idx="minor">
+            <a:schemeClr val="lt1"/>
+          </a:fontRef>
+        </p:style>
+        <p:txBody>
+          <a:bodyPr rtlCol="0" anchor="ctr"/>
+          <a:lstStyle/>
+          <a:p>
+            <a:pPr algn="ctr"/>
+            <a:r>
+              <a:rPr lang="zh-CN" altLang="en-US" sz="1400" b="1" dirty="0">
+                <a:solidFill>
+                  <a:srgbClr val="1ABC9C"/>
+                </a:solidFill>
+                <a:latin typeface="+mn-ea"/>
+              </a:rPr>
+              <a:t>查询参与者类型</a:t>
+            </a:r>
+            <a:endParaRPr lang="en-US" sz="1400" b="1" dirty="0">
+              <a:solidFill>
+                <a:srgbClr val="1ABC9C"/>
+              </a:solidFill>
+              <a:latin typeface="+mn-ea"/>
+            </a:endParaRPr>
+          </a:p>
+        </p:txBody>
+      </p:sp>
+      <p:sp>
+        <p:nvSpPr>
+          <p:cNvPr id="34" name="Rectangle 49">
+            <a:extLst>
+              <a:ext uri="{FF2B5EF4-FFF2-40B4-BE49-F238E27FC236}">
+                <a16:creationId xmlns:a16="http://schemas.microsoft.com/office/drawing/2014/main" id="{19EE31CD-CACF-47E3-9CE0-78EA35EC7EC8}"/>
+              </a:ext>
+            </a:extLst>
+          </p:cNvPr>
+          <p:cNvSpPr/>
+          <p:nvPr/>
+        </p:nvSpPr>
+        <p:spPr>
+          <a:xfrm>
+            <a:off x="9309258" y="3164661"/>
+            <a:ext cx="2344199" cy="360000"/>
+          </a:xfrm>
+          <a:prstGeom prst="rect">
+            <a:avLst/>
+          </a:prstGeom>
+          <a:solidFill>
+            <a:schemeClr val="bg1"/>
+          </a:solidFill>
+          <a:ln>
+            <a:noFill/>
+          </a:ln>
+        </p:spPr>
+        <p:style>
+          <a:lnRef idx="2">
+            <a:schemeClr val="accent1">
+              <a:shade val="50000"/>
+            </a:schemeClr>
+          </a:lnRef>
+          <a:fillRef idx="1">
+            <a:schemeClr val="accent1"/>
+          </a:fillRef>
+          <a:effectRef idx="0">
+            <a:schemeClr val="accent1"/>
+          </a:effectRef>
+          <a:fontRef idx="minor">
+            <a:schemeClr val="lt1"/>
+          </a:fontRef>
+        </p:style>
+        <p:txBody>
+          <a:bodyPr rtlCol="0" anchor="ctr"/>
+          <a:lstStyle/>
+          <a:p>
+            <a:pPr algn="ctr"/>
+            <a:endParaRPr lang="en-US" sz="1400" b="1" dirty="0">
+              <a:solidFill>
+                <a:srgbClr val="1ABC9C"/>
+              </a:solidFill>
+              <a:latin typeface="+mn-ea"/>
+            </a:endParaRPr>
+          </a:p>
+        </p:txBody>
+      </p:sp>
+      <p:sp>
+        <p:nvSpPr>
+          <p:cNvPr id="35" name="Rectangle 49">
+            <a:extLst>
+              <a:ext uri="{FF2B5EF4-FFF2-40B4-BE49-F238E27FC236}">
+                <a16:creationId xmlns:a16="http://schemas.microsoft.com/office/drawing/2014/main" id="{0BBC33AE-6973-4A21-96A2-952B3D3E4A96}"/>
+              </a:ext>
+            </a:extLst>
+          </p:cNvPr>
+          <p:cNvSpPr/>
+          <p:nvPr/>
+        </p:nvSpPr>
+        <p:spPr>
+          <a:xfrm>
+            <a:off x="9324176" y="3651682"/>
+            <a:ext cx="2344199" cy="360000"/>
+          </a:xfrm>
+          <a:prstGeom prst="rect">
+            <a:avLst/>
+          </a:prstGeom>
+          <a:solidFill>
+            <a:schemeClr val="bg1"/>
+          </a:solidFill>
+          <a:ln>
+            <a:noFill/>
+          </a:ln>
+        </p:spPr>
+        <p:style>
+          <a:lnRef idx="2">
+            <a:schemeClr val="accent1">
+              <a:shade val="50000"/>
+            </a:schemeClr>
+          </a:lnRef>
+          <a:fillRef idx="1">
+            <a:schemeClr val="accent1"/>
+          </a:fillRef>
+          <a:effectRef idx="0">
+            <a:schemeClr val="accent1"/>
+          </a:effectRef>
+          <a:fontRef idx="minor">
+            <a:schemeClr val="lt1"/>
+          </a:fontRef>
+        </p:style>
+        <p:txBody>
+          <a:bodyPr rtlCol="0" anchor="ctr"/>
+          <a:lstStyle/>
+          <a:p>
+            <a:pPr algn="ctr"/>
+            <a:endParaRPr lang="en-US" sz="1400" b="1" dirty="0">
+              <a:solidFill>
+                <a:srgbClr val="1ABC9C"/>
+              </a:solidFill>
+              <a:latin typeface="+mn-ea"/>
+            </a:endParaRPr>
+          </a:p>
+        </p:txBody>
+      </p:sp>
+      <p:sp>
+        <p:nvSpPr>
+          <p:cNvPr id="36" name="Rectangle 49">
+            <a:extLst>
+              <a:ext uri="{FF2B5EF4-FFF2-40B4-BE49-F238E27FC236}">
+                <a16:creationId xmlns:a16="http://schemas.microsoft.com/office/drawing/2014/main" id="{2921C17E-F278-4F7E-A9DC-7FEF0E7891AF}"/>
+              </a:ext>
+            </a:extLst>
+          </p:cNvPr>
+          <p:cNvSpPr/>
+          <p:nvPr/>
+        </p:nvSpPr>
+        <p:spPr>
+          <a:xfrm>
+            <a:off x="9324176" y="4157720"/>
+            <a:ext cx="2344199" cy="360000"/>
+          </a:xfrm>
+          <a:prstGeom prst="rect">
+            <a:avLst/>
+          </a:prstGeom>
+          <a:solidFill>
+            <a:schemeClr val="bg1"/>
+          </a:solidFill>
+          <a:ln>
+            <a:noFill/>
+          </a:ln>
+        </p:spPr>
+        <p:style>
+          <a:lnRef idx="2">
+            <a:schemeClr val="accent1">
+              <a:shade val="50000"/>
+            </a:schemeClr>
+          </a:lnRef>
+          <a:fillRef idx="1">
+            <a:schemeClr val="accent1"/>
+          </a:fillRef>
+          <a:effectRef idx="0">
+            <a:schemeClr val="accent1"/>
+          </a:effectRef>
+          <a:fontRef idx="minor">
+            <a:schemeClr val="lt1"/>
+          </a:fontRef>
+        </p:style>
+        <p:txBody>
+          <a:bodyPr rtlCol="0" anchor="ctr"/>
+          <a:lstStyle/>
+          <a:p>
+            <a:pPr algn="ctr"/>
+            <a:endParaRPr lang="en-US" sz="1400" b="1" dirty="0">
+              <a:solidFill>
+                <a:srgbClr val="1ABC9C"/>
+              </a:solidFill>
+              <a:latin typeface="+mn-ea"/>
+            </a:endParaRPr>
+          </a:p>
+        </p:txBody>
+      </p:sp>
+      <p:sp>
+        <p:nvSpPr>
+          <p:cNvPr id="37" name="Rectangle 49">
+            <a:extLst>
+              <a:ext uri="{FF2B5EF4-FFF2-40B4-BE49-F238E27FC236}">
+                <a16:creationId xmlns:a16="http://schemas.microsoft.com/office/drawing/2014/main" id="{8CF15D65-22D3-4E2E-8726-9106AC96CCC5}"/>
+              </a:ext>
+            </a:extLst>
+          </p:cNvPr>
+          <p:cNvSpPr/>
+          <p:nvPr/>
+        </p:nvSpPr>
+        <p:spPr>
+          <a:xfrm>
+            <a:off x="9324176" y="4670353"/>
+            <a:ext cx="2344199" cy="360000"/>
+          </a:xfrm>
+          <a:prstGeom prst="rect">
+            <a:avLst/>
+          </a:prstGeom>
+          <a:solidFill>
+            <a:schemeClr val="bg1"/>
+          </a:solidFill>
+          <a:ln>
+            <a:noFill/>
+          </a:ln>
+        </p:spPr>
+        <p:style>
+          <a:lnRef idx="2">
+            <a:schemeClr val="accent1">
+              <a:shade val="50000"/>
+            </a:schemeClr>
+          </a:lnRef>
+          <a:fillRef idx="1">
+            <a:schemeClr val="accent1"/>
+          </a:fillRef>
+          <a:effectRef idx="0">
+            <a:schemeClr val="accent1"/>
+          </a:effectRef>
+          <a:fontRef idx="minor">
+            <a:schemeClr val="lt1"/>
+          </a:fontRef>
+        </p:style>
+        <p:txBody>
+          <a:bodyPr rtlCol="0" anchor="ctr"/>
+          <a:lstStyle/>
+          <a:p>
+            <a:pPr algn="ctr"/>
+            <a:endParaRPr lang="en-US" sz="1400" b="1" dirty="0">
+              <a:solidFill>
+                <a:srgbClr val="1ABC9C"/>
+              </a:solidFill>
+              <a:latin typeface="+mn-ea"/>
+            </a:endParaRPr>
+          </a:p>
+        </p:txBody>
+      </p:sp>
+      <p:sp>
+        <p:nvSpPr>
+          <p:cNvPr id="38" name="Rectangle 49">
+            <a:extLst>
+              <a:ext uri="{FF2B5EF4-FFF2-40B4-BE49-F238E27FC236}">
+                <a16:creationId xmlns:a16="http://schemas.microsoft.com/office/drawing/2014/main" id="{A493AAB8-F8E7-46F8-BA76-FC2AFABD349D}"/>
+              </a:ext>
+            </a:extLst>
+          </p:cNvPr>
+          <p:cNvSpPr/>
+          <p:nvPr/>
+        </p:nvSpPr>
+        <p:spPr>
+          <a:xfrm>
+            <a:off x="9309258" y="5179314"/>
+            <a:ext cx="2344199" cy="360000"/>
+          </a:xfrm>
+          <a:prstGeom prst="rect">
+            <a:avLst/>
+          </a:prstGeom>
+          <a:solidFill>
+            <a:schemeClr val="bg1"/>
+          </a:solidFill>
+          <a:ln>
+            <a:noFill/>
+          </a:ln>
+        </p:spPr>
+        <p:style>
+          <a:lnRef idx="2">
+            <a:schemeClr val="accent1">
+              <a:shade val="50000"/>
+            </a:schemeClr>
+          </a:lnRef>
+          <a:fillRef idx="1">
+            <a:schemeClr val="accent1"/>
+          </a:fillRef>
+          <a:effectRef idx="0">
+            <a:schemeClr val="accent1"/>
+          </a:effectRef>
+          <a:fontRef idx="minor">
+            <a:schemeClr val="lt1"/>
+          </a:fontRef>
+        </p:style>
+        <p:txBody>
+          <a:bodyPr rtlCol="0" anchor="ctr"/>
+          <a:lstStyle/>
+          <a:p>
+            <a:pPr algn="ctr"/>
+            <a:r>
+              <a:rPr lang="en-US" altLang="zh-CN" sz="1400" b="1" dirty="0">
+                <a:solidFill>
+                  <a:srgbClr val="1ABC9C"/>
+                </a:solidFill>
+                <a:latin typeface="+mn-ea"/>
+              </a:rPr>
+              <a:t>+</a:t>
+            </a:r>
+            <a:endParaRPr lang="en-US" sz="1400" b="1" dirty="0">
+              <a:solidFill>
+                <a:srgbClr val="1ABC9C"/>
+              </a:solidFill>
+              <a:latin typeface="+mn-ea"/>
+            </a:endParaRPr>
+          </a:p>
+        </p:txBody>
+      </p:sp>
+      <p:sp>
+        <p:nvSpPr>
+          <p:cNvPr id="39" name="Rectangle 49">
+            <a:extLst>
+              <a:ext uri="{FF2B5EF4-FFF2-40B4-BE49-F238E27FC236}">
+                <a16:creationId xmlns:a16="http://schemas.microsoft.com/office/drawing/2014/main" id="{C96E3AA5-7B19-4DC4-A324-4A47B23DF120}"/>
+              </a:ext>
+            </a:extLst>
+          </p:cNvPr>
+          <p:cNvSpPr/>
+          <p:nvPr/>
+        </p:nvSpPr>
+        <p:spPr>
+          <a:xfrm>
+            <a:off x="479088" y="4660429"/>
+            <a:ext cx="2344199" cy="360000"/>
+          </a:xfrm>
+          <a:prstGeom prst="rect">
+            <a:avLst/>
+          </a:prstGeom>
+          <a:solidFill>
+            <a:schemeClr val="bg1"/>
+          </a:solidFill>
+          <a:ln>
+            <a:noFill/>
+          </a:ln>
+        </p:spPr>
+        <p:style>
+          <a:lnRef idx="2">
+            <a:schemeClr val="accent1">
+              <a:shade val="50000"/>
+            </a:schemeClr>
+          </a:lnRef>
+          <a:fillRef idx="1">
+            <a:schemeClr val="accent1"/>
+          </a:fillRef>
+          <a:effectRef idx="0">
+            <a:schemeClr val="accent1"/>
+          </a:effectRef>
+          <a:fontRef idx="minor">
+            <a:schemeClr val="lt1"/>
+          </a:fontRef>
+        </p:style>
+        <p:txBody>
+          <a:bodyPr rtlCol="0" anchor="ctr"/>
+          <a:lstStyle/>
+          <a:p>
+            <a:pPr algn="ctr"/>
+            <a:r>
+              <a:rPr lang="zh-CN" altLang="en-US" sz="1400" b="1" dirty="0">
+                <a:solidFill>
+                  <a:srgbClr val="1ABC9C"/>
+                </a:solidFill>
+                <a:latin typeface="+mn-ea"/>
+              </a:rPr>
+              <a:t>流程版本操作</a:t>
+            </a:r>
+            <a:endParaRPr lang="en-US" sz="1400" b="1" dirty="0">
+              <a:solidFill>
+                <a:srgbClr val="1ABC9C"/>
+              </a:solidFill>
+              <a:latin typeface="+mn-ea"/>
+            </a:endParaRPr>
+          </a:p>
+        </p:txBody>
+      </p:sp>
+      <p:sp>
+        <p:nvSpPr>
+          <p:cNvPr id="40" name="Rectangle 49">
+            <a:extLst>
+              <a:ext uri="{FF2B5EF4-FFF2-40B4-BE49-F238E27FC236}">
+                <a16:creationId xmlns:a16="http://schemas.microsoft.com/office/drawing/2014/main" id="{26584232-1DBF-484C-8069-D153901CE0BB}"/>
+              </a:ext>
+            </a:extLst>
+          </p:cNvPr>
+          <p:cNvSpPr/>
+          <p:nvPr/>
+        </p:nvSpPr>
+        <p:spPr>
+          <a:xfrm>
+            <a:off x="470918" y="5159449"/>
+            <a:ext cx="2344199" cy="360000"/>
+          </a:xfrm>
+          <a:prstGeom prst="rect">
+            <a:avLst/>
+          </a:prstGeom>
+          <a:solidFill>
+            <a:schemeClr val="bg1"/>
+          </a:solidFill>
+          <a:ln>
+            <a:noFill/>
+          </a:ln>
+        </p:spPr>
+        <p:style>
+          <a:lnRef idx="2">
+            <a:schemeClr val="accent1">
+              <a:shade val="50000"/>
+            </a:schemeClr>
+          </a:lnRef>
+          <a:fillRef idx="1">
+            <a:schemeClr val="accent1"/>
+          </a:fillRef>
+          <a:effectRef idx="0">
+            <a:schemeClr val="accent1"/>
+          </a:effectRef>
+          <a:fontRef idx="minor">
+            <a:schemeClr val="lt1"/>
+          </a:fontRef>
+        </p:style>
+        <p:txBody>
+          <a:bodyPr rtlCol="0" anchor="ctr"/>
+          <a:lstStyle/>
+          <a:p>
+            <a:pPr algn="ctr"/>
+            <a:r>
+              <a:rPr lang="zh-CN" altLang="en-US" sz="1400" b="1" dirty="0">
+                <a:solidFill>
+                  <a:srgbClr val="1ABC9C"/>
+                </a:solidFill>
+                <a:latin typeface="+mn-ea"/>
+              </a:rPr>
+              <a:t>流程表单关联</a:t>
+            </a:r>
+            <a:endParaRPr lang="en-US" sz="1400" b="1" dirty="0">
+              <a:solidFill>
+                <a:srgbClr val="1ABC9C"/>
+              </a:solidFill>
+              <a:latin typeface="+mn-ea"/>
+            </a:endParaRPr>
+          </a:p>
+        </p:txBody>
+      </p:sp>
+      <p:sp>
+        <p:nvSpPr>
+          <p:cNvPr id="41" name="Rectangle 49">
+            <a:extLst>
+              <a:ext uri="{FF2B5EF4-FFF2-40B4-BE49-F238E27FC236}">
+                <a16:creationId xmlns:a16="http://schemas.microsoft.com/office/drawing/2014/main" id="{BA9A662B-61E1-43BE-84BF-A86AD5F4273F}"/>
+              </a:ext>
+            </a:extLst>
+          </p:cNvPr>
+          <p:cNvSpPr/>
+          <p:nvPr/>
+        </p:nvSpPr>
+        <p:spPr>
+          <a:xfrm>
+            <a:off x="440092" y="5676953"/>
+            <a:ext cx="2344199" cy="360000"/>
+          </a:xfrm>
+          <a:prstGeom prst="rect">
+            <a:avLst/>
+          </a:prstGeom>
+          <a:solidFill>
+            <a:schemeClr val="bg1"/>
+          </a:solidFill>
+          <a:ln>
+            <a:noFill/>
+          </a:ln>
+        </p:spPr>
+        <p:style>
+          <a:lnRef idx="2">
+            <a:schemeClr val="accent1">
+              <a:shade val="50000"/>
+            </a:schemeClr>
+          </a:lnRef>
+          <a:fillRef idx="1">
+            <a:schemeClr val="accent1"/>
+          </a:fillRef>
+          <a:effectRef idx="0">
+            <a:schemeClr val="accent1"/>
+          </a:effectRef>
+          <a:fontRef idx="minor">
+            <a:schemeClr val="lt1"/>
+          </a:fontRef>
+        </p:style>
+        <p:txBody>
+          <a:bodyPr rtlCol="0" anchor="ctr"/>
+          <a:lstStyle/>
+          <a:p>
+            <a:pPr algn="ctr"/>
+            <a:r>
+              <a:rPr lang="en-US" altLang="zh-CN" sz="1400" b="1" dirty="0">
+                <a:solidFill>
+                  <a:srgbClr val="1ABC9C"/>
+                </a:solidFill>
+                <a:latin typeface="+mn-ea"/>
+              </a:rPr>
+              <a:t>+</a:t>
+            </a:r>
+            <a:endParaRPr lang="en-US" sz="1400" b="1" dirty="0">
+              <a:solidFill>
+                <a:srgbClr val="1ABC9C"/>
+              </a:solidFill>
+              <a:latin typeface="+mn-ea"/>
+            </a:endParaRPr>
+          </a:p>
+        </p:txBody>
+      </p:sp>
     </p:spTree>
     <p:extLst>
       <p:ext uri="{BB962C8B-B14F-4D97-AF65-F5344CB8AC3E}">
